--- a/05)Praesentationen/Status 1.pptx
+++ b/05)Praesentationen/Status 1.pptx
@@ -5,15 +5,16 @@
     <p:sldMasterId id="2147483648" r:id="rId1"/>
   </p:sldMasterIdLst>
   <p:notesMasterIdLst>
-    <p:notesMasterId r:id="rId8"/>
+    <p:notesMasterId r:id="rId9"/>
   </p:notesMasterIdLst>
   <p:sldIdLst>
     <p:sldId id="256" r:id="rId2"/>
-    <p:sldId id="257" r:id="rId3"/>
-    <p:sldId id="258" r:id="rId4"/>
-    <p:sldId id="259" r:id="rId5"/>
-    <p:sldId id="260" r:id="rId6"/>
-    <p:sldId id="261" r:id="rId7"/>
+    <p:sldId id="262" r:id="rId3"/>
+    <p:sldId id="257" r:id="rId4"/>
+    <p:sldId id="258" r:id="rId5"/>
+    <p:sldId id="259" r:id="rId6"/>
+    <p:sldId id="260" r:id="rId7"/>
+    <p:sldId id="261" r:id="rId8"/>
   </p:sldIdLst>
   <p:sldSz cx="12192000" cy="6858000"/>
   <p:notesSz cx="6858000" cy="9144000"/>
@@ -131,7 +132,1025 @@
 </p:presentation>
 </file>
 
+<file path=ppt/revisionInfo.xml><?xml version="1.0" encoding="utf-8"?>
+<p1510:revInfo xmlns:a="http://schemas.openxmlformats.org/drawingml/2006/main" xmlns:r="http://schemas.openxmlformats.org/officeDocument/2006/relationships" xmlns:p1510="http://schemas.microsoft.com/office/powerpoint/2015/10/main">
+  <p1510:revLst>
+    <p1510:client id="{63C8FFF7-AC74-4A63-A66C-DB6CEAFF431D}" v="26" dt="2019-03-11T11:33:37.344"/>
+  </p1510:revLst>
+</p1510:revInfo>
+</file>
+
+<file path=ppt/changesInfos/changesInfo1.xml><?xml version="1.0" encoding="utf-8"?>
+<pc:chgInfo xmlns:a="http://schemas.openxmlformats.org/drawingml/2006/main" xmlns:r="http://schemas.openxmlformats.org/officeDocument/2006/relationships" xmlns:ac="http://schemas.microsoft.com/office/drawing/2013/main/command" xmlns:pc="http://schemas.microsoft.com/office/powerpoint/2013/main/command">
+  <pc:docChgLst>
+    <pc:chgData name="Stefan Roth" userId="ac10d8d797012fab" providerId="LiveId" clId="{63C8FFF7-AC74-4A63-A66C-DB6CEAFF431D}"/>
+    <pc:docChg chg="custSel addSld modSld">
+      <pc:chgData name="Stefan Roth" userId="ac10d8d797012fab" providerId="LiveId" clId="{63C8FFF7-AC74-4A63-A66C-DB6CEAFF431D}" dt="2019-03-11T11:33:37.344" v="198"/>
+      <pc:docMkLst>
+        <pc:docMk/>
+      </pc:docMkLst>
+      <pc:sldChg chg="modSp">
+        <pc:chgData name="Stefan Roth" userId="ac10d8d797012fab" providerId="LiveId" clId="{63C8FFF7-AC74-4A63-A66C-DB6CEAFF431D}" dt="2019-03-11T11:31:54.199" v="189" actId="20577"/>
+        <pc:sldMkLst>
+          <pc:docMk/>
+          <pc:sldMk cId="1325709261" sldId="260"/>
+        </pc:sldMkLst>
+        <pc:graphicFrameChg chg="mod">
+          <ac:chgData name="Stefan Roth" userId="ac10d8d797012fab" providerId="LiveId" clId="{63C8FFF7-AC74-4A63-A66C-DB6CEAFF431D}" dt="2019-03-11T11:31:54.199" v="189" actId="20577"/>
+          <ac:graphicFrameMkLst>
+            <pc:docMk/>
+            <pc:sldMk cId="1325709261" sldId="260"/>
+            <ac:graphicFrameMk id="5" creationId="{38F268E2-BBC7-4814-976D-762B4EF32268}"/>
+          </ac:graphicFrameMkLst>
+        </pc:graphicFrameChg>
+      </pc:sldChg>
+      <pc:sldChg chg="modSp">
+        <pc:chgData name="Stefan Roth" userId="ac10d8d797012fab" providerId="LiveId" clId="{63C8FFF7-AC74-4A63-A66C-DB6CEAFF431D}" dt="2019-03-11T11:33:37.344" v="198"/>
+        <pc:sldMkLst>
+          <pc:docMk/>
+          <pc:sldMk cId="2066333394" sldId="261"/>
+        </pc:sldMkLst>
+        <pc:graphicFrameChg chg="mod">
+          <ac:chgData name="Stefan Roth" userId="ac10d8d797012fab" providerId="LiveId" clId="{63C8FFF7-AC74-4A63-A66C-DB6CEAFF431D}" dt="2019-03-11T11:33:37.344" v="198"/>
+          <ac:graphicFrameMkLst>
+            <pc:docMk/>
+            <pc:sldMk cId="2066333394" sldId="261"/>
+            <ac:graphicFrameMk id="5" creationId="{CB8BFAF4-2564-4B72-A47E-953D8C35174A}"/>
+          </ac:graphicFrameMkLst>
+        </pc:graphicFrameChg>
+      </pc:sldChg>
+      <pc:sldChg chg="addSp delSp modSp add mod setBg">
+        <pc:chgData name="Stefan Roth" userId="ac10d8d797012fab" providerId="LiveId" clId="{63C8FFF7-AC74-4A63-A66C-DB6CEAFF431D}" dt="2019-03-11T11:27:45.715" v="176" actId="26606"/>
+        <pc:sldMkLst>
+          <pc:docMk/>
+          <pc:sldMk cId="186227339" sldId="262"/>
+        </pc:sldMkLst>
+        <pc:spChg chg="mod">
+          <ac:chgData name="Stefan Roth" userId="ac10d8d797012fab" providerId="LiveId" clId="{63C8FFF7-AC74-4A63-A66C-DB6CEAFF431D}" dt="2019-03-11T11:27:45.715" v="176" actId="26606"/>
+          <ac:spMkLst>
+            <pc:docMk/>
+            <pc:sldMk cId="186227339" sldId="262"/>
+            <ac:spMk id="2" creationId="{7BC73C08-8BD1-40F2-8B94-B9BDDA81C310}"/>
+          </ac:spMkLst>
+        </pc:spChg>
+        <pc:spChg chg="del mod">
+          <ac:chgData name="Stefan Roth" userId="ac10d8d797012fab" providerId="LiveId" clId="{63C8FFF7-AC74-4A63-A66C-DB6CEAFF431D}" dt="2019-03-11T11:27:45.715" v="176" actId="26606"/>
+          <ac:spMkLst>
+            <pc:docMk/>
+            <pc:sldMk cId="186227339" sldId="262"/>
+            <ac:spMk id="3" creationId="{D21BDAF4-8865-4508-BBCE-640C3CAAE3F3}"/>
+          </ac:spMkLst>
+        </pc:spChg>
+        <pc:spChg chg="add">
+          <ac:chgData name="Stefan Roth" userId="ac10d8d797012fab" providerId="LiveId" clId="{63C8FFF7-AC74-4A63-A66C-DB6CEAFF431D}" dt="2019-03-11T11:27:45.715" v="176" actId="26606"/>
+          <ac:spMkLst>
+            <pc:docMk/>
+            <pc:sldMk cId="186227339" sldId="262"/>
+            <ac:spMk id="10" creationId="{BE95D989-81FA-4BAD-9AD5-E46CEDA91B36}"/>
+          </ac:spMkLst>
+        </pc:spChg>
+        <pc:spChg chg="add">
+          <ac:chgData name="Stefan Roth" userId="ac10d8d797012fab" providerId="LiveId" clId="{63C8FFF7-AC74-4A63-A66C-DB6CEAFF431D}" dt="2019-03-11T11:27:45.715" v="176" actId="26606"/>
+          <ac:spMkLst>
+            <pc:docMk/>
+            <pc:sldMk cId="186227339" sldId="262"/>
+            <ac:spMk id="12" creationId="{156189E5-8A3E-4CFD-B71B-CCD0F8495E56}"/>
+          </ac:spMkLst>
+        </pc:spChg>
+        <pc:graphicFrameChg chg="add">
+          <ac:chgData name="Stefan Roth" userId="ac10d8d797012fab" providerId="LiveId" clId="{63C8FFF7-AC74-4A63-A66C-DB6CEAFF431D}" dt="2019-03-11T11:27:45.715" v="176" actId="26606"/>
+          <ac:graphicFrameMkLst>
+            <pc:docMk/>
+            <pc:sldMk cId="186227339" sldId="262"/>
+            <ac:graphicFrameMk id="5" creationId="{17AA7F26-7152-4FAF-B324-17A80EFAFFA5}"/>
+          </ac:graphicFrameMkLst>
+        </pc:graphicFrameChg>
+      </pc:sldChg>
+    </pc:docChg>
+  </pc:docChgLst>
+</pc:chgInfo>
+</file>
+
 <file path=ppt/diagrams/colors1.xml><?xml version="1.0" encoding="utf-8"?>
+<dgm:colorsDef xmlns:dgm="http://schemas.openxmlformats.org/drawingml/2006/diagram" xmlns:a="http://schemas.openxmlformats.org/drawingml/2006/main" uniqueId="urn:microsoft.com/office/officeart/2005/8/colors/colorful1">
+  <dgm:title val=""/>
+  <dgm:desc val=""/>
+  <dgm:catLst>
+    <dgm:cat type="colorful" pri="10100"/>
+  </dgm:catLst>
+  <dgm:styleLbl name="node0">
+    <dgm:fillClrLst meth="repeat">
+      <a:schemeClr val="accent1"/>
+    </dgm:fillClrLst>
+    <dgm:linClrLst meth="repeat">
+      <a:schemeClr val="lt1"/>
+    </dgm:linClrLst>
+    <dgm:effectClrLst/>
+    <dgm:txLinClrLst/>
+    <dgm:txFillClrLst/>
+    <dgm:txEffectClrLst/>
+  </dgm:styleLbl>
+  <dgm:styleLbl name="node1">
+    <dgm:fillClrLst meth="repeat">
+      <a:schemeClr val="accent2"/>
+      <a:schemeClr val="accent3"/>
+      <a:schemeClr val="accent4"/>
+      <a:schemeClr val="accent5"/>
+      <a:schemeClr val="accent6"/>
+    </dgm:fillClrLst>
+    <dgm:linClrLst meth="repeat">
+      <a:schemeClr val="lt1"/>
+    </dgm:linClrLst>
+    <dgm:effectClrLst/>
+    <dgm:txLinClrLst/>
+    <dgm:txFillClrLst/>
+    <dgm:txEffectClrLst/>
+  </dgm:styleLbl>
+  <dgm:styleLbl name="alignNode1">
+    <dgm:fillClrLst meth="repeat">
+      <a:schemeClr val="accent2"/>
+      <a:schemeClr val="accent3"/>
+      <a:schemeClr val="accent4"/>
+      <a:schemeClr val="accent5"/>
+      <a:schemeClr val="accent6"/>
+    </dgm:fillClrLst>
+    <dgm:linClrLst meth="repeat">
+      <a:schemeClr val="accent2"/>
+      <a:schemeClr val="accent3"/>
+      <a:schemeClr val="accent4"/>
+      <a:schemeClr val="accent5"/>
+      <a:schemeClr val="accent6"/>
+    </dgm:linClrLst>
+    <dgm:effectClrLst/>
+    <dgm:txLinClrLst/>
+    <dgm:txFillClrLst/>
+    <dgm:txEffectClrLst/>
+  </dgm:styleLbl>
+  <dgm:styleLbl name="lnNode1">
+    <dgm:fillClrLst meth="repeat">
+      <a:schemeClr val="accent2"/>
+      <a:schemeClr val="accent3"/>
+      <a:schemeClr val="accent4"/>
+      <a:schemeClr val="accent5"/>
+      <a:schemeClr val="accent6"/>
+    </dgm:fillClrLst>
+    <dgm:linClrLst meth="repeat">
+      <a:schemeClr val="lt1"/>
+    </dgm:linClrLst>
+    <dgm:effectClrLst/>
+    <dgm:txLinClrLst/>
+    <dgm:txFillClrLst/>
+    <dgm:txEffectClrLst/>
+  </dgm:styleLbl>
+  <dgm:styleLbl name="vennNode1">
+    <dgm:fillClrLst meth="repeat">
+      <a:schemeClr val="accent2">
+        <a:alpha val="50000"/>
+      </a:schemeClr>
+      <a:schemeClr val="accent3">
+        <a:alpha val="50000"/>
+      </a:schemeClr>
+      <a:schemeClr val="accent4">
+        <a:alpha val="50000"/>
+      </a:schemeClr>
+      <a:schemeClr val="accent5">
+        <a:alpha val="50000"/>
+      </a:schemeClr>
+      <a:schemeClr val="accent6">
+        <a:alpha val="50000"/>
+      </a:schemeClr>
+    </dgm:fillClrLst>
+    <dgm:linClrLst meth="repeat">
+      <a:schemeClr val="lt1"/>
+    </dgm:linClrLst>
+    <dgm:effectClrLst/>
+    <dgm:txLinClrLst/>
+    <dgm:txFillClrLst/>
+    <dgm:txEffectClrLst/>
+  </dgm:styleLbl>
+  <dgm:styleLbl name="node2">
+    <dgm:fillClrLst>
+      <a:schemeClr val="accent2"/>
+    </dgm:fillClrLst>
+    <dgm:linClrLst meth="repeat">
+      <a:schemeClr val="lt1"/>
+    </dgm:linClrLst>
+    <dgm:effectClrLst/>
+    <dgm:txLinClrLst/>
+    <dgm:txFillClrLst/>
+    <dgm:txEffectClrLst/>
+  </dgm:styleLbl>
+  <dgm:styleLbl name="node3">
+    <dgm:fillClrLst>
+      <a:schemeClr val="accent3"/>
+    </dgm:fillClrLst>
+    <dgm:linClrLst meth="repeat">
+      <a:schemeClr val="lt1"/>
+    </dgm:linClrLst>
+    <dgm:effectClrLst/>
+    <dgm:txLinClrLst/>
+    <dgm:txFillClrLst/>
+    <dgm:txEffectClrLst/>
+  </dgm:styleLbl>
+  <dgm:styleLbl name="node4">
+    <dgm:fillClrLst>
+      <a:schemeClr val="accent4"/>
+    </dgm:fillClrLst>
+    <dgm:linClrLst meth="repeat">
+      <a:schemeClr val="lt1"/>
+    </dgm:linClrLst>
+    <dgm:effectClrLst/>
+    <dgm:txLinClrLst/>
+    <dgm:txFillClrLst/>
+    <dgm:txEffectClrLst/>
+  </dgm:styleLbl>
+  <dgm:styleLbl name="fgImgPlace1">
+    <dgm:fillClrLst meth="repeat">
+      <a:schemeClr val="accent2">
+        <a:tint val="50000"/>
+      </a:schemeClr>
+      <a:schemeClr val="accent3">
+        <a:tint val="50000"/>
+      </a:schemeClr>
+      <a:schemeClr val="accent4">
+        <a:tint val="50000"/>
+      </a:schemeClr>
+      <a:schemeClr val="accent5">
+        <a:tint val="50000"/>
+      </a:schemeClr>
+      <a:schemeClr val="accent6">
+        <a:tint val="50000"/>
+      </a:schemeClr>
+    </dgm:fillClrLst>
+    <dgm:linClrLst meth="repeat">
+      <a:schemeClr val="lt1"/>
+    </dgm:linClrLst>
+    <dgm:effectClrLst/>
+    <dgm:txLinClrLst/>
+    <dgm:txFillClrLst meth="repeat">
+      <a:schemeClr val="lt1"/>
+    </dgm:txFillClrLst>
+    <dgm:txEffectClrLst/>
+  </dgm:styleLbl>
+  <dgm:styleLbl name="alignImgPlace1">
+    <dgm:fillClrLst>
+      <a:schemeClr val="accent1">
+        <a:tint val="50000"/>
+      </a:schemeClr>
+      <a:schemeClr val="accent2">
+        <a:tint val="20000"/>
+      </a:schemeClr>
+    </dgm:fillClrLst>
+    <dgm:linClrLst meth="repeat">
+      <a:schemeClr val="lt1"/>
+    </dgm:linClrLst>
+    <dgm:effectClrLst/>
+    <dgm:txLinClrLst/>
+    <dgm:txFillClrLst meth="repeat">
+      <a:schemeClr val="lt1"/>
+    </dgm:txFillClrLst>
+    <dgm:txEffectClrLst/>
+  </dgm:styleLbl>
+  <dgm:styleLbl name="bgImgPlace1">
+    <dgm:fillClrLst>
+      <a:schemeClr val="accent1">
+        <a:tint val="50000"/>
+      </a:schemeClr>
+      <a:schemeClr val="accent2">
+        <a:tint val="20000"/>
+      </a:schemeClr>
+    </dgm:fillClrLst>
+    <dgm:linClrLst meth="repeat">
+      <a:schemeClr val="lt1"/>
+    </dgm:linClrLst>
+    <dgm:effectClrLst/>
+    <dgm:txLinClrLst/>
+    <dgm:txFillClrLst meth="repeat">
+      <a:schemeClr val="lt1"/>
+    </dgm:txFillClrLst>
+    <dgm:txEffectClrLst/>
+  </dgm:styleLbl>
+  <dgm:styleLbl name="sibTrans2D1">
+    <dgm:fillClrLst meth="repeat">
+      <a:schemeClr val="accent2"/>
+      <a:schemeClr val="accent3"/>
+      <a:schemeClr val="accent4"/>
+      <a:schemeClr val="accent5"/>
+      <a:schemeClr val="accent6"/>
+    </dgm:fillClrLst>
+    <dgm:linClrLst meth="cycle">
+      <a:schemeClr val="lt1"/>
+    </dgm:linClrLst>
+    <dgm:effectClrLst/>
+    <dgm:txLinClrLst/>
+    <dgm:txFillClrLst/>
+    <dgm:txEffectClrLst/>
+  </dgm:styleLbl>
+  <dgm:styleLbl name="fgSibTrans2D1">
+    <dgm:fillClrLst meth="repeat">
+      <a:schemeClr val="accent2"/>
+      <a:schemeClr val="accent3"/>
+      <a:schemeClr val="accent4"/>
+      <a:schemeClr val="accent5"/>
+      <a:schemeClr val="accent6"/>
+    </dgm:fillClrLst>
+    <dgm:linClrLst meth="cycle">
+      <a:schemeClr val="lt1"/>
+    </dgm:linClrLst>
+    <dgm:effectClrLst/>
+    <dgm:txLinClrLst/>
+    <dgm:txFillClrLst meth="repeat">
+      <a:schemeClr val="lt1"/>
+    </dgm:txFillClrLst>
+    <dgm:txEffectClrLst/>
+  </dgm:styleLbl>
+  <dgm:styleLbl name="bgSibTrans2D1">
+    <dgm:fillClrLst meth="repeat">
+      <a:schemeClr val="accent2"/>
+      <a:schemeClr val="accent3"/>
+      <a:schemeClr val="accent4"/>
+      <a:schemeClr val="accent5"/>
+      <a:schemeClr val="accent6"/>
+    </dgm:fillClrLst>
+    <dgm:linClrLst meth="cycle">
+      <a:schemeClr val="lt1"/>
+    </dgm:linClrLst>
+    <dgm:effectClrLst/>
+    <dgm:txLinClrLst/>
+    <dgm:txFillClrLst meth="repeat">
+      <a:schemeClr val="lt1"/>
+    </dgm:txFillClrLst>
+    <dgm:txEffectClrLst/>
+  </dgm:styleLbl>
+  <dgm:styleLbl name="sibTrans1D1">
+    <dgm:fillClrLst meth="repeat">
+      <a:schemeClr val="accent2"/>
+      <a:schemeClr val="accent3"/>
+      <a:schemeClr val="accent4"/>
+      <a:schemeClr val="accent5"/>
+      <a:schemeClr val="accent6"/>
+    </dgm:fillClrLst>
+    <dgm:linClrLst meth="repeat">
+      <a:schemeClr val="accent2"/>
+      <a:schemeClr val="accent3"/>
+      <a:schemeClr val="accent4"/>
+      <a:schemeClr val="accent5"/>
+      <a:schemeClr val="accent6"/>
+    </dgm:linClrLst>
+    <dgm:effectClrLst/>
+    <dgm:txLinClrLst/>
+    <dgm:txFillClrLst meth="repeat">
+      <a:schemeClr val="tx1"/>
+    </dgm:txFillClrLst>
+    <dgm:txEffectClrLst/>
+  </dgm:styleLbl>
+  <dgm:styleLbl name="callout">
+    <dgm:fillClrLst meth="repeat">
+      <a:schemeClr val="accent2"/>
+    </dgm:fillClrLst>
+    <dgm:linClrLst meth="repeat">
+      <a:schemeClr val="accent2">
+        <a:tint val="50000"/>
+      </a:schemeClr>
+    </dgm:linClrLst>
+    <dgm:effectClrLst/>
+    <dgm:txLinClrLst/>
+    <dgm:txFillClrLst meth="repeat">
+      <a:schemeClr val="tx1"/>
+    </dgm:txFillClrLst>
+    <dgm:txEffectClrLst/>
+  </dgm:styleLbl>
+  <dgm:styleLbl name="asst0">
+    <dgm:fillClrLst meth="repeat">
+      <a:schemeClr val="accent1"/>
+    </dgm:fillClrLst>
+    <dgm:linClrLst meth="repeat">
+      <a:schemeClr val="lt1"/>
+    </dgm:linClrLst>
+    <dgm:effectClrLst/>
+    <dgm:txLinClrLst/>
+    <dgm:txFillClrLst/>
+    <dgm:txEffectClrLst/>
+  </dgm:styleLbl>
+  <dgm:styleLbl name="asst1">
+    <dgm:fillClrLst meth="repeat">
+      <a:schemeClr val="accent2"/>
+    </dgm:fillClrLst>
+    <dgm:linClrLst meth="repeat">
+      <a:schemeClr val="lt1"/>
+    </dgm:linClrLst>
+    <dgm:effectClrLst/>
+    <dgm:txLinClrLst/>
+    <dgm:txFillClrLst/>
+    <dgm:txEffectClrLst/>
+  </dgm:styleLbl>
+  <dgm:styleLbl name="asst2">
+    <dgm:fillClrLst>
+      <a:schemeClr val="accent3"/>
+    </dgm:fillClrLst>
+    <dgm:linClrLst meth="repeat">
+      <a:schemeClr val="lt1"/>
+    </dgm:linClrLst>
+    <dgm:effectClrLst/>
+    <dgm:txLinClrLst/>
+    <dgm:txFillClrLst/>
+    <dgm:txEffectClrLst/>
+  </dgm:styleLbl>
+  <dgm:styleLbl name="asst3">
+    <dgm:fillClrLst>
+      <a:schemeClr val="accent4"/>
+    </dgm:fillClrLst>
+    <dgm:linClrLst meth="repeat">
+      <a:schemeClr val="lt1"/>
+    </dgm:linClrLst>
+    <dgm:effectClrLst/>
+    <dgm:txLinClrLst/>
+    <dgm:txFillClrLst/>
+    <dgm:txEffectClrLst/>
+  </dgm:styleLbl>
+  <dgm:styleLbl name="asst4">
+    <dgm:fillClrLst>
+      <a:schemeClr val="accent5"/>
+    </dgm:fillClrLst>
+    <dgm:linClrLst meth="repeat">
+      <a:schemeClr val="lt1"/>
+    </dgm:linClrLst>
+    <dgm:effectClrLst/>
+    <dgm:txLinClrLst/>
+    <dgm:txFillClrLst/>
+    <dgm:txEffectClrLst/>
+  </dgm:styleLbl>
+  <dgm:styleLbl name="parChTrans2D1">
+    <dgm:fillClrLst meth="repeat">
+      <a:schemeClr val="accent2"/>
+    </dgm:fillClrLst>
+    <dgm:linClrLst meth="repeat">
+      <a:schemeClr val="lt1"/>
+    </dgm:linClrLst>
+    <dgm:effectClrLst/>
+    <dgm:txLinClrLst/>
+    <dgm:txFillClrLst meth="repeat">
+      <a:schemeClr val="lt1"/>
+    </dgm:txFillClrLst>
+    <dgm:txEffectClrLst/>
+  </dgm:styleLbl>
+  <dgm:styleLbl name="parChTrans2D2">
+    <dgm:fillClrLst meth="repeat">
+      <a:schemeClr val="accent3"/>
+    </dgm:fillClrLst>
+    <dgm:linClrLst meth="repeat">
+      <a:schemeClr val="lt1"/>
+    </dgm:linClrLst>
+    <dgm:effectClrLst/>
+    <dgm:txLinClrLst/>
+    <dgm:txFillClrLst/>
+    <dgm:txEffectClrLst/>
+  </dgm:styleLbl>
+  <dgm:styleLbl name="parChTrans2D3">
+    <dgm:fillClrLst meth="repeat">
+      <a:schemeClr val="accent4"/>
+    </dgm:fillClrLst>
+    <dgm:linClrLst meth="repeat">
+      <a:schemeClr val="lt1"/>
+    </dgm:linClrLst>
+    <dgm:effectClrLst/>
+    <dgm:txLinClrLst/>
+    <dgm:txFillClrLst/>
+    <dgm:txEffectClrLst/>
+  </dgm:styleLbl>
+  <dgm:styleLbl name="parChTrans2D4">
+    <dgm:fillClrLst meth="repeat">
+      <a:schemeClr val="accent5"/>
+    </dgm:fillClrLst>
+    <dgm:linClrLst meth="repeat">
+      <a:schemeClr val="lt1"/>
+    </dgm:linClrLst>
+    <dgm:effectClrLst/>
+    <dgm:txLinClrLst/>
+    <dgm:txFillClrLst meth="repeat">
+      <a:schemeClr val="lt1"/>
+    </dgm:txFillClrLst>
+    <dgm:txEffectClrLst/>
+  </dgm:styleLbl>
+  <dgm:styleLbl name="parChTrans1D1">
+    <dgm:fillClrLst meth="repeat">
+      <a:schemeClr val="accent2"/>
+    </dgm:fillClrLst>
+    <dgm:linClrLst meth="repeat">
+      <a:schemeClr val="accent1"/>
+    </dgm:linClrLst>
+    <dgm:effectClrLst/>
+    <dgm:txLinClrLst/>
+    <dgm:txFillClrLst meth="repeat">
+      <a:schemeClr val="tx1"/>
+    </dgm:txFillClrLst>
+    <dgm:txEffectClrLst/>
+  </dgm:styleLbl>
+  <dgm:styleLbl name="parChTrans1D2">
+    <dgm:fillClrLst meth="repeat">
+      <a:schemeClr val="accent3">
+        <a:tint val="90000"/>
+      </a:schemeClr>
+    </dgm:fillClrLst>
+    <dgm:linClrLst meth="repeat">
+      <a:schemeClr val="accent2"/>
+    </dgm:linClrLst>
+    <dgm:effectClrLst/>
+    <dgm:txLinClrLst/>
+    <dgm:txFillClrLst meth="repeat">
+      <a:schemeClr val="tx1"/>
+    </dgm:txFillClrLst>
+    <dgm:txEffectClrLst/>
+  </dgm:styleLbl>
+  <dgm:styleLbl name="parChTrans1D3">
+    <dgm:fillClrLst meth="repeat">
+      <a:schemeClr val="accent4">
+        <a:tint val="70000"/>
+      </a:schemeClr>
+    </dgm:fillClrLst>
+    <dgm:linClrLst meth="repeat">
+      <a:schemeClr val="accent3"/>
+    </dgm:linClrLst>
+    <dgm:effectClrLst/>
+    <dgm:txLinClrLst/>
+    <dgm:txFillClrLst meth="repeat">
+      <a:schemeClr val="tx1"/>
+    </dgm:txFillClrLst>
+    <dgm:txEffectClrLst/>
+  </dgm:styleLbl>
+  <dgm:styleLbl name="parChTrans1D4">
+    <dgm:fillClrLst meth="repeat">
+      <a:schemeClr val="accent5">
+        <a:tint val="50000"/>
+      </a:schemeClr>
+    </dgm:fillClrLst>
+    <dgm:linClrLst meth="repeat">
+      <a:schemeClr val="accent4"/>
+    </dgm:linClrLst>
+    <dgm:effectClrLst/>
+    <dgm:txLinClrLst/>
+    <dgm:txFillClrLst meth="repeat">
+      <a:schemeClr val="tx1"/>
+    </dgm:txFillClrLst>
+    <dgm:txEffectClrLst/>
+  </dgm:styleLbl>
+  <dgm:styleLbl name="fgAcc1">
+    <dgm:fillClrLst meth="repeat">
+      <a:schemeClr val="lt1">
+        <a:alpha val="90000"/>
+      </a:schemeClr>
+    </dgm:fillClrLst>
+    <dgm:linClrLst meth="repeat">
+      <a:schemeClr val="accent2"/>
+      <a:schemeClr val="accent3"/>
+      <a:schemeClr val="accent4"/>
+      <a:schemeClr val="accent5"/>
+      <a:schemeClr val="accent6"/>
+    </dgm:linClrLst>
+    <dgm:effectClrLst/>
+    <dgm:txLinClrLst/>
+    <dgm:txFillClrLst meth="repeat">
+      <a:schemeClr val="dk1"/>
+    </dgm:txFillClrLst>
+    <dgm:txEffectClrLst/>
+  </dgm:styleLbl>
+  <dgm:styleLbl name="conFgAcc1">
+    <dgm:fillClrLst meth="repeat">
+      <a:schemeClr val="lt1">
+        <a:alpha val="90000"/>
+      </a:schemeClr>
+    </dgm:fillClrLst>
+    <dgm:linClrLst meth="repeat">
+      <a:schemeClr val="accent2"/>
+      <a:schemeClr val="accent3"/>
+      <a:schemeClr val="accent4"/>
+      <a:schemeClr val="accent5"/>
+      <a:schemeClr val="accent6"/>
+    </dgm:linClrLst>
+    <dgm:effectClrLst/>
+    <dgm:txLinClrLst/>
+    <dgm:txFillClrLst meth="repeat">
+      <a:schemeClr val="dk1"/>
+    </dgm:txFillClrLst>
+    <dgm:txEffectClrLst/>
+  </dgm:styleLbl>
+  <dgm:styleLbl name="alignAcc1">
+    <dgm:fillClrLst meth="repeat">
+      <a:schemeClr val="lt1">
+        <a:alpha val="90000"/>
+      </a:schemeClr>
+    </dgm:fillClrLst>
+    <dgm:linClrLst meth="repeat">
+      <a:schemeClr val="accent2"/>
+      <a:schemeClr val="accent3"/>
+      <a:schemeClr val="accent4"/>
+      <a:schemeClr val="accent5"/>
+      <a:schemeClr val="accent6"/>
+    </dgm:linClrLst>
+    <dgm:effectClrLst/>
+    <dgm:txLinClrLst/>
+    <dgm:txFillClrLst meth="repeat">
+      <a:schemeClr val="dk1"/>
+    </dgm:txFillClrLst>
+    <dgm:txEffectClrLst/>
+  </dgm:styleLbl>
+  <dgm:styleLbl name="trAlignAcc1">
+    <dgm:fillClrLst meth="repeat">
+      <a:schemeClr val="lt1">
+        <a:alpha val="40000"/>
+      </a:schemeClr>
+    </dgm:fillClrLst>
+    <dgm:linClrLst meth="repeat">
+      <a:schemeClr val="accent1"/>
+    </dgm:linClrLst>
+    <dgm:effectClrLst/>
+    <dgm:txLinClrLst/>
+    <dgm:txFillClrLst meth="repeat">
+      <a:schemeClr val="dk1"/>
+    </dgm:txFillClrLst>
+    <dgm:txEffectClrLst/>
+  </dgm:styleLbl>
+  <dgm:styleLbl name="bgAcc1">
+    <dgm:fillClrLst meth="repeat">
+      <a:schemeClr val="lt1">
+        <a:alpha val="90000"/>
+      </a:schemeClr>
+    </dgm:fillClrLst>
+    <dgm:linClrLst meth="repeat">
+      <a:schemeClr val="accent2"/>
+      <a:schemeClr val="accent3"/>
+      <a:schemeClr val="accent4"/>
+      <a:schemeClr val="accent5"/>
+      <a:schemeClr val="accent6"/>
+    </dgm:linClrLst>
+    <dgm:effectClrLst/>
+    <dgm:txLinClrLst/>
+    <dgm:txFillClrLst meth="repeat">
+      <a:schemeClr val="dk1"/>
+    </dgm:txFillClrLst>
+    <dgm:txEffectClrLst/>
+  </dgm:styleLbl>
+  <dgm:styleLbl name="solidFgAcc1">
+    <dgm:fillClrLst meth="repeat">
+      <a:schemeClr val="lt1"/>
+    </dgm:fillClrLst>
+    <dgm:linClrLst meth="repeat">
+      <a:schemeClr val="accent2"/>
+      <a:schemeClr val="accent3"/>
+      <a:schemeClr val="accent4"/>
+      <a:schemeClr val="accent5"/>
+      <a:schemeClr val="accent6"/>
+    </dgm:linClrLst>
+    <dgm:effectClrLst/>
+    <dgm:txLinClrLst/>
+    <dgm:txFillClrLst meth="repeat">
+      <a:schemeClr val="dk1"/>
+    </dgm:txFillClrLst>
+    <dgm:txEffectClrLst/>
+  </dgm:styleLbl>
+  <dgm:styleLbl name="solidAlignAcc1">
+    <dgm:fillClrLst meth="repeat">
+      <a:schemeClr val="lt1"/>
+    </dgm:fillClrLst>
+    <dgm:linClrLst meth="repeat">
+      <a:schemeClr val="accent2"/>
+      <a:schemeClr val="accent3"/>
+      <a:schemeClr val="accent4"/>
+      <a:schemeClr val="accent5"/>
+      <a:schemeClr val="accent6"/>
+    </dgm:linClrLst>
+    <dgm:effectClrLst/>
+    <dgm:txLinClrLst/>
+    <dgm:txFillClrLst meth="repeat">
+      <a:schemeClr val="dk1"/>
+    </dgm:txFillClrLst>
+    <dgm:txEffectClrLst/>
+  </dgm:styleLbl>
+  <dgm:styleLbl name="solidBgAcc1">
+    <dgm:fillClrLst meth="repeat">
+      <a:schemeClr val="lt1"/>
+    </dgm:fillClrLst>
+    <dgm:linClrLst meth="repeat">
+      <a:schemeClr val="accent2"/>
+      <a:schemeClr val="accent3"/>
+      <a:schemeClr val="accent4"/>
+      <a:schemeClr val="accent5"/>
+      <a:schemeClr val="accent6"/>
+    </dgm:linClrLst>
+    <dgm:effectClrLst/>
+    <dgm:txLinClrLst/>
+    <dgm:txFillClrLst meth="repeat">
+      <a:schemeClr val="dk1"/>
+    </dgm:txFillClrLst>
+    <dgm:txEffectClrLst/>
+  </dgm:styleLbl>
+  <dgm:styleLbl name="fgAccFollowNode1">
+    <dgm:fillClrLst meth="repeat">
+      <a:schemeClr val="accent2">
+        <a:tint val="40000"/>
+        <a:alpha val="90000"/>
+      </a:schemeClr>
+      <a:schemeClr val="accent3">
+        <a:tint val="40000"/>
+        <a:alpha val="90000"/>
+      </a:schemeClr>
+      <a:schemeClr val="accent4">
+        <a:tint val="40000"/>
+        <a:alpha val="90000"/>
+      </a:schemeClr>
+      <a:schemeClr val="accent5">
+        <a:tint val="40000"/>
+        <a:alpha val="90000"/>
+      </a:schemeClr>
+      <a:schemeClr val="accent6">
+        <a:tint val="40000"/>
+        <a:alpha val="90000"/>
+      </a:schemeClr>
+    </dgm:fillClrLst>
+    <dgm:linClrLst meth="repeat">
+      <a:schemeClr val="accent2">
+        <a:tint val="40000"/>
+        <a:alpha val="90000"/>
+      </a:schemeClr>
+      <a:schemeClr val="accent3">
+        <a:tint val="40000"/>
+        <a:alpha val="90000"/>
+      </a:schemeClr>
+      <a:schemeClr val="accent4">
+        <a:tint val="40000"/>
+        <a:alpha val="90000"/>
+      </a:schemeClr>
+      <a:schemeClr val="accent5">
+        <a:tint val="40000"/>
+        <a:alpha val="90000"/>
+      </a:schemeClr>
+      <a:schemeClr val="accent6">
+        <a:tint val="40000"/>
+        <a:alpha val="90000"/>
+      </a:schemeClr>
+    </dgm:linClrLst>
+    <dgm:effectClrLst/>
+    <dgm:txLinClrLst/>
+    <dgm:txFillClrLst meth="repeat">
+      <a:schemeClr val="dk1"/>
+    </dgm:txFillClrLst>
+    <dgm:txEffectClrLst/>
+  </dgm:styleLbl>
+  <dgm:styleLbl name="alignAccFollowNode1">
+    <dgm:fillClrLst meth="repeat">
+      <a:schemeClr val="accent2">
+        <a:tint val="40000"/>
+        <a:alpha val="90000"/>
+      </a:schemeClr>
+      <a:schemeClr val="accent3">
+        <a:tint val="40000"/>
+        <a:alpha val="90000"/>
+      </a:schemeClr>
+      <a:schemeClr val="accent4">
+        <a:tint val="40000"/>
+        <a:alpha val="90000"/>
+      </a:schemeClr>
+      <a:schemeClr val="accent5">
+        <a:tint val="40000"/>
+        <a:alpha val="90000"/>
+      </a:schemeClr>
+      <a:schemeClr val="accent6">
+        <a:tint val="40000"/>
+        <a:alpha val="90000"/>
+      </a:schemeClr>
+    </dgm:fillClrLst>
+    <dgm:linClrLst meth="repeat">
+      <a:schemeClr val="accent2">
+        <a:tint val="40000"/>
+        <a:alpha val="90000"/>
+      </a:schemeClr>
+      <a:schemeClr val="accent3">
+        <a:tint val="40000"/>
+        <a:alpha val="90000"/>
+      </a:schemeClr>
+      <a:schemeClr val="accent4">
+        <a:tint val="40000"/>
+        <a:alpha val="90000"/>
+      </a:schemeClr>
+      <a:schemeClr val="accent5">
+        <a:tint val="40000"/>
+        <a:alpha val="90000"/>
+      </a:schemeClr>
+      <a:schemeClr val="accent6">
+        <a:tint val="40000"/>
+        <a:alpha val="90000"/>
+      </a:schemeClr>
+    </dgm:linClrLst>
+    <dgm:effectClrLst/>
+    <dgm:txLinClrLst/>
+    <dgm:txFillClrLst meth="repeat">
+      <a:schemeClr val="dk1"/>
+    </dgm:txFillClrLst>
+    <dgm:txEffectClrLst/>
+  </dgm:styleLbl>
+  <dgm:styleLbl name="bgAccFollowNode1">
+    <dgm:fillClrLst meth="repeat">
+      <a:schemeClr val="accent2">
+        <a:tint val="40000"/>
+        <a:alpha val="90000"/>
+      </a:schemeClr>
+      <a:schemeClr val="accent3">
+        <a:tint val="40000"/>
+        <a:alpha val="90000"/>
+      </a:schemeClr>
+      <a:schemeClr val="accent4">
+        <a:tint val="40000"/>
+        <a:alpha val="90000"/>
+      </a:schemeClr>
+      <a:schemeClr val="accent5">
+        <a:tint val="40000"/>
+        <a:alpha val="90000"/>
+      </a:schemeClr>
+      <a:schemeClr val="accent6">
+        <a:tint val="40000"/>
+        <a:alpha val="90000"/>
+      </a:schemeClr>
+    </dgm:fillClrLst>
+    <dgm:linClrLst meth="repeat">
+      <a:schemeClr val="accent2">
+        <a:tint val="40000"/>
+        <a:alpha val="90000"/>
+      </a:schemeClr>
+      <a:schemeClr val="accent3">
+        <a:tint val="40000"/>
+        <a:alpha val="90000"/>
+      </a:schemeClr>
+      <a:schemeClr val="accent4">
+        <a:tint val="40000"/>
+        <a:alpha val="90000"/>
+      </a:schemeClr>
+      <a:schemeClr val="accent5">
+        <a:tint val="40000"/>
+        <a:alpha val="90000"/>
+      </a:schemeClr>
+      <a:schemeClr val="accent6">
+        <a:tint val="40000"/>
+        <a:alpha val="90000"/>
+      </a:schemeClr>
+    </dgm:linClrLst>
+    <dgm:effectClrLst/>
+    <dgm:txLinClrLst/>
+    <dgm:txFillClrLst meth="repeat">
+      <a:schemeClr val="dk1"/>
+    </dgm:txFillClrLst>
+    <dgm:txEffectClrLst/>
+  </dgm:styleLbl>
+  <dgm:styleLbl name="fgAcc0">
+    <dgm:fillClrLst meth="repeat">
+      <a:schemeClr val="lt1">
+        <a:alpha val="90000"/>
+      </a:schemeClr>
+    </dgm:fillClrLst>
+    <dgm:linClrLst>
+      <a:schemeClr val="accent1"/>
+    </dgm:linClrLst>
+    <dgm:effectClrLst/>
+    <dgm:txLinClrLst/>
+    <dgm:txFillClrLst meth="repeat">
+      <a:schemeClr val="dk1"/>
+    </dgm:txFillClrLst>
+    <dgm:txEffectClrLst/>
+  </dgm:styleLbl>
+  <dgm:styleLbl name="fgAcc2">
+    <dgm:fillClrLst meth="repeat">
+      <a:schemeClr val="lt1">
+        <a:alpha val="90000"/>
+      </a:schemeClr>
+    </dgm:fillClrLst>
+    <dgm:linClrLst>
+      <a:schemeClr val="accent2"/>
+    </dgm:linClrLst>
+    <dgm:effectClrLst/>
+    <dgm:txLinClrLst/>
+    <dgm:txFillClrLst meth="repeat">
+      <a:schemeClr val="dk1"/>
+    </dgm:txFillClrLst>
+    <dgm:txEffectClrLst/>
+  </dgm:styleLbl>
+  <dgm:styleLbl name="fgAcc3">
+    <dgm:fillClrLst meth="repeat">
+      <a:schemeClr val="lt1">
+        <a:alpha val="90000"/>
+      </a:schemeClr>
+    </dgm:fillClrLst>
+    <dgm:linClrLst>
+      <a:schemeClr val="accent3"/>
+    </dgm:linClrLst>
+    <dgm:effectClrLst/>
+    <dgm:txLinClrLst/>
+    <dgm:txFillClrLst meth="repeat">
+      <a:schemeClr val="dk1"/>
+    </dgm:txFillClrLst>
+    <dgm:txEffectClrLst/>
+  </dgm:styleLbl>
+  <dgm:styleLbl name="fgAcc4">
+    <dgm:fillClrLst meth="repeat">
+      <a:schemeClr val="lt1">
+        <a:alpha val="90000"/>
+      </a:schemeClr>
+    </dgm:fillClrLst>
+    <dgm:linClrLst>
+      <a:schemeClr val="accent4"/>
+    </dgm:linClrLst>
+    <dgm:effectClrLst/>
+    <dgm:txLinClrLst/>
+    <dgm:txFillClrLst meth="repeat">
+      <a:schemeClr val="dk1"/>
+    </dgm:txFillClrLst>
+    <dgm:txEffectClrLst/>
+  </dgm:styleLbl>
+  <dgm:styleLbl name="bgShp">
+    <dgm:fillClrLst meth="repeat">
+      <a:schemeClr val="accent2">
+        <a:tint val="40000"/>
+      </a:schemeClr>
+    </dgm:fillClrLst>
+    <dgm:linClrLst meth="repeat">
+      <a:schemeClr val="dk1"/>
+    </dgm:linClrLst>
+    <dgm:effectClrLst/>
+    <dgm:txLinClrLst/>
+    <dgm:txFillClrLst meth="repeat">
+      <a:schemeClr val="dk1"/>
+    </dgm:txFillClrLst>
+    <dgm:txEffectClrLst/>
+  </dgm:styleLbl>
+  <dgm:styleLbl name="dkBgShp">
+    <dgm:fillClrLst meth="repeat">
+      <a:schemeClr val="accent2">
+        <a:shade val="90000"/>
+      </a:schemeClr>
+    </dgm:fillClrLst>
+    <dgm:linClrLst meth="repeat">
+      <a:schemeClr val="dk1"/>
+    </dgm:linClrLst>
+    <dgm:effectClrLst/>
+    <dgm:txLinClrLst/>
+    <dgm:txFillClrLst meth="repeat">
+      <a:schemeClr val="lt1"/>
+    </dgm:txFillClrLst>
+    <dgm:txEffectClrLst/>
+  </dgm:styleLbl>
+  <dgm:styleLbl name="trBgShp">
+    <dgm:fillClrLst meth="repeat">
+      <a:schemeClr val="accent1">
+        <a:tint val="50000"/>
+        <a:alpha val="40000"/>
+      </a:schemeClr>
+    </dgm:fillClrLst>
+    <dgm:linClrLst meth="repeat">
+      <a:schemeClr val="accent2"/>
+    </dgm:linClrLst>
+    <dgm:effectClrLst/>
+    <dgm:txLinClrLst/>
+    <dgm:txFillClrLst meth="repeat">
+      <a:schemeClr val="lt1"/>
+    </dgm:txFillClrLst>
+    <dgm:txEffectClrLst/>
+  </dgm:styleLbl>
+  <dgm:styleLbl name="fgShp">
+    <dgm:fillClrLst meth="repeat">
+      <a:schemeClr val="accent2">
+        <a:tint val="40000"/>
+      </a:schemeClr>
+    </dgm:fillClrLst>
+    <dgm:linClrLst meth="repeat">
+      <a:schemeClr val="lt1"/>
+    </dgm:linClrLst>
+    <dgm:effectClrLst/>
+    <dgm:txLinClrLst/>
+    <dgm:txFillClrLst meth="repeat">
+      <a:schemeClr val="dk1"/>
+    </dgm:txFillClrLst>
+    <dgm:txEffectClrLst/>
+  </dgm:styleLbl>
+  <dgm:styleLbl name="revTx">
+    <dgm:fillClrLst meth="repeat">
+      <a:schemeClr val="lt1">
+        <a:alpha val="0"/>
+      </a:schemeClr>
+    </dgm:fillClrLst>
+    <dgm:linClrLst meth="repeat">
+      <a:schemeClr val="dk1">
+        <a:alpha val="0"/>
+      </a:schemeClr>
+    </dgm:linClrLst>
+    <dgm:effectClrLst/>
+    <dgm:txLinClrLst/>
+    <dgm:txFillClrLst meth="repeat">
+      <a:schemeClr val="tx1"/>
+    </dgm:txFillClrLst>
+    <dgm:txEffectClrLst/>
+  </dgm:styleLbl>
+</dgm:colorsDef>
+</file>
+
+<file path=ppt/diagrams/colors2.xml><?xml version="1.0" encoding="utf-8"?>
 <dgm:colorsDef xmlns:dgm="http://schemas.openxmlformats.org/drawingml/2006/diagram" xmlns:a="http://schemas.openxmlformats.org/drawingml/2006/main" uniqueId="urn:microsoft.com/office/officeart/2018/5/colors/Iconchunking_neutralicontext_colorful1">
   <dgm:title val=""/>
   <dgm:desc val=""/>
@@ -1052,7 +2071,7 @@
 </dgm:colorsDef>
 </file>
 
-<file path=ppt/diagrams/colors2.xml><?xml version="1.0" encoding="utf-8"?>
+<file path=ppt/diagrams/colors3.xml><?xml version="1.0" encoding="utf-8"?>
 <dgm:colorsDef xmlns:dgm="http://schemas.openxmlformats.org/drawingml/2006/diagram" xmlns:a="http://schemas.openxmlformats.org/drawingml/2006/main" uniqueId="urn:microsoft.com/office/officeart/2005/8/colors/colorful1">
   <dgm:title val=""/>
   <dgm:desc val=""/>
@@ -1971,7 +2990,7 @@
 </dgm:colorsDef>
 </file>
 
-<file path=ppt/diagrams/colors3.xml><?xml version="1.0" encoding="utf-8"?>
+<file path=ppt/diagrams/colors4.xml><?xml version="1.0" encoding="utf-8"?>
 <dgm:colorsDef xmlns:dgm="http://schemas.openxmlformats.org/drawingml/2006/diagram" xmlns:a="http://schemas.openxmlformats.org/drawingml/2006/main" uniqueId="urn:microsoft.com/office/officeart/2018/5/colors/Iconchunking_neutralicontext_colorful1">
   <dgm:title val=""/>
   <dgm:desc val=""/>
@@ -2886,925 +3905,6 @@
     <dgm:txLinClrLst/>
     <dgm:txFillClrLst meth="repeat">
       <a:schemeClr val="bg1"/>
-    </dgm:txFillClrLst>
-    <dgm:txEffectClrLst/>
-  </dgm:styleLbl>
-</dgm:colorsDef>
-</file>
-
-<file path=ppt/diagrams/colors4.xml><?xml version="1.0" encoding="utf-8"?>
-<dgm:colorsDef xmlns:dgm="http://schemas.openxmlformats.org/drawingml/2006/diagram" xmlns:a="http://schemas.openxmlformats.org/drawingml/2006/main" uniqueId="urn:microsoft.com/office/officeart/2005/8/colors/colorful1">
-  <dgm:title val=""/>
-  <dgm:desc val=""/>
-  <dgm:catLst>
-    <dgm:cat type="colorful" pri="10100"/>
-  </dgm:catLst>
-  <dgm:styleLbl name="node0">
-    <dgm:fillClrLst meth="repeat">
-      <a:schemeClr val="accent1"/>
-    </dgm:fillClrLst>
-    <dgm:linClrLst meth="repeat">
-      <a:schemeClr val="lt1"/>
-    </dgm:linClrLst>
-    <dgm:effectClrLst/>
-    <dgm:txLinClrLst/>
-    <dgm:txFillClrLst/>
-    <dgm:txEffectClrLst/>
-  </dgm:styleLbl>
-  <dgm:styleLbl name="node1">
-    <dgm:fillClrLst meth="repeat">
-      <a:schemeClr val="accent2"/>
-      <a:schemeClr val="accent3"/>
-      <a:schemeClr val="accent4"/>
-      <a:schemeClr val="accent5"/>
-      <a:schemeClr val="accent6"/>
-    </dgm:fillClrLst>
-    <dgm:linClrLst meth="repeat">
-      <a:schemeClr val="lt1"/>
-    </dgm:linClrLst>
-    <dgm:effectClrLst/>
-    <dgm:txLinClrLst/>
-    <dgm:txFillClrLst/>
-    <dgm:txEffectClrLst/>
-  </dgm:styleLbl>
-  <dgm:styleLbl name="alignNode1">
-    <dgm:fillClrLst meth="repeat">
-      <a:schemeClr val="accent2"/>
-      <a:schemeClr val="accent3"/>
-      <a:schemeClr val="accent4"/>
-      <a:schemeClr val="accent5"/>
-      <a:schemeClr val="accent6"/>
-    </dgm:fillClrLst>
-    <dgm:linClrLst meth="repeat">
-      <a:schemeClr val="accent2"/>
-      <a:schemeClr val="accent3"/>
-      <a:schemeClr val="accent4"/>
-      <a:schemeClr val="accent5"/>
-      <a:schemeClr val="accent6"/>
-    </dgm:linClrLst>
-    <dgm:effectClrLst/>
-    <dgm:txLinClrLst/>
-    <dgm:txFillClrLst/>
-    <dgm:txEffectClrLst/>
-  </dgm:styleLbl>
-  <dgm:styleLbl name="lnNode1">
-    <dgm:fillClrLst meth="repeat">
-      <a:schemeClr val="accent2"/>
-      <a:schemeClr val="accent3"/>
-      <a:schemeClr val="accent4"/>
-      <a:schemeClr val="accent5"/>
-      <a:schemeClr val="accent6"/>
-    </dgm:fillClrLst>
-    <dgm:linClrLst meth="repeat">
-      <a:schemeClr val="lt1"/>
-    </dgm:linClrLst>
-    <dgm:effectClrLst/>
-    <dgm:txLinClrLst/>
-    <dgm:txFillClrLst/>
-    <dgm:txEffectClrLst/>
-  </dgm:styleLbl>
-  <dgm:styleLbl name="vennNode1">
-    <dgm:fillClrLst meth="repeat">
-      <a:schemeClr val="accent2">
-        <a:alpha val="50000"/>
-      </a:schemeClr>
-      <a:schemeClr val="accent3">
-        <a:alpha val="50000"/>
-      </a:schemeClr>
-      <a:schemeClr val="accent4">
-        <a:alpha val="50000"/>
-      </a:schemeClr>
-      <a:schemeClr val="accent5">
-        <a:alpha val="50000"/>
-      </a:schemeClr>
-      <a:schemeClr val="accent6">
-        <a:alpha val="50000"/>
-      </a:schemeClr>
-    </dgm:fillClrLst>
-    <dgm:linClrLst meth="repeat">
-      <a:schemeClr val="lt1"/>
-    </dgm:linClrLst>
-    <dgm:effectClrLst/>
-    <dgm:txLinClrLst/>
-    <dgm:txFillClrLst/>
-    <dgm:txEffectClrLst/>
-  </dgm:styleLbl>
-  <dgm:styleLbl name="node2">
-    <dgm:fillClrLst>
-      <a:schemeClr val="accent2"/>
-    </dgm:fillClrLst>
-    <dgm:linClrLst meth="repeat">
-      <a:schemeClr val="lt1"/>
-    </dgm:linClrLst>
-    <dgm:effectClrLst/>
-    <dgm:txLinClrLst/>
-    <dgm:txFillClrLst/>
-    <dgm:txEffectClrLst/>
-  </dgm:styleLbl>
-  <dgm:styleLbl name="node3">
-    <dgm:fillClrLst>
-      <a:schemeClr val="accent3"/>
-    </dgm:fillClrLst>
-    <dgm:linClrLst meth="repeat">
-      <a:schemeClr val="lt1"/>
-    </dgm:linClrLst>
-    <dgm:effectClrLst/>
-    <dgm:txLinClrLst/>
-    <dgm:txFillClrLst/>
-    <dgm:txEffectClrLst/>
-  </dgm:styleLbl>
-  <dgm:styleLbl name="node4">
-    <dgm:fillClrLst>
-      <a:schemeClr val="accent4"/>
-    </dgm:fillClrLst>
-    <dgm:linClrLst meth="repeat">
-      <a:schemeClr val="lt1"/>
-    </dgm:linClrLst>
-    <dgm:effectClrLst/>
-    <dgm:txLinClrLst/>
-    <dgm:txFillClrLst/>
-    <dgm:txEffectClrLst/>
-  </dgm:styleLbl>
-  <dgm:styleLbl name="fgImgPlace1">
-    <dgm:fillClrLst meth="repeat">
-      <a:schemeClr val="accent2">
-        <a:tint val="50000"/>
-      </a:schemeClr>
-      <a:schemeClr val="accent3">
-        <a:tint val="50000"/>
-      </a:schemeClr>
-      <a:schemeClr val="accent4">
-        <a:tint val="50000"/>
-      </a:schemeClr>
-      <a:schemeClr val="accent5">
-        <a:tint val="50000"/>
-      </a:schemeClr>
-      <a:schemeClr val="accent6">
-        <a:tint val="50000"/>
-      </a:schemeClr>
-    </dgm:fillClrLst>
-    <dgm:linClrLst meth="repeat">
-      <a:schemeClr val="lt1"/>
-    </dgm:linClrLst>
-    <dgm:effectClrLst/>
-    <dgm:txLinClrLst/>
-    <dgm:txFillClrLst meth="repeat">
-      <a:schemeClr val="lt1"/>
-    </dgm:txFillClrLst>
-    <dgm:txEffectClrLst/>
-  </dgm:styleLbl>
-  <dgm:styleLbl name="alignImgPlace1">
-    <dgm:fillClrLst>
-      <a:schemeClr val="accent1">
-        <a:tint val="50000"/>
-      </a:schemeClr>
-      <a:schemeClr val="accent2">
-        <a:tint val="20000"/>
-      </a:schemeClr>
-    </dgm:fillClrLst>
-    <dgm:linClrLst meth="repeat">
-      <a:schemeClr val="lt1"/>
-    </dgm:linClrLst>
-    <dgm:effectClrLst/>
-    <dgm:txLinClrLst/>
-    <dgm:txFillClrLst meth="repeat">
-      <a:schemeClr val="lt1"/>
-    </dgm:txFillClrLst>
-    <dgm:txEffectClrLst/>
-  </dgm:styleLbl>
-  <dgm:styleLbl name="bgImgPlace1">
-    <dgm:fillClrLst>
-      <a:schemeClr val="accent1">
-        <a:tint val="50000"/>
-      </a:schemeClr>
-      <a:schemeClr val="accent2">
-        <a:tint val="20000"/>
-      </a:schemeClr>
-    </dgm:fillClrLst>
-    <dgm:linClrLst meth="repeat">
-      <a:schemeClr val="lt1"/>
-    </dgm:linClrLst>
-    <dgm:effectClrLst/>
-    <dgm:txLinClrLst/>
-    <dgm:txFillClrLst meth="repeat">
-      <a:schemeClr val="lt1"/>
-    </dgm:txFillClrLst>
-    <dgm:txEffectClrLst/>
-  </dgm:styleLbl>
-  <dgm:styleLbl name="sibTrans2D1">
-    <dgm:fillClrLst meth="repeat">
-      <a:schemeClr val="accent2"/>
-      <a:schemeClr val="accent3"/>
-      <a:schemeClr val="accent4"/>
-      <a:schemeClr val="accent5"/>
-      <a:schemeClr val="accent6"/>
-    </dgm:fillClrLst>
-    <dgm:linClrLst meth="cycle">
-      <a:schemeClr val="lt1"/>
-    </dgm:linClrLst>
-    <dgm:effectClrLst/>
-    <dgm:txLinClrLst/>
-    <dgm:txFillClrLst/>
-    <dgm:txEffectClrLst/>
-  </dgm:styleLbl>
-  <dgm:styleLbl name="fgSibTrans2D1">
-    <dgm:fillClrLst meth="repeat">
-      <a:schemeClr val="accent2"/>
-      <a:schemeClr val="accent3"/>
-      <a:schemeClr val="accent4"/>
-      <a:schemeClr val="accent5"/>
-      <a:schemeClr val="accent6"/>
-    </dgm:fillClrLst>
-    <dgm:linClrLst meth="cycle">
-      <a:schemeClr val="lt1"/>
-    </dgm:linClrLst>
-    <dgm:effectClrLst/>
-    <dgm:txLinClrLst/>
-    <dgm:txFillClrLst meth="repeat">
-      <a:schemeClr val="lt1"/>
-    </dgm:txFillClrLst>
-    <dgm:txEffectClrLst/>
-  </dgm:styleLbl>
-  <dgm:styleLbl name="bgSibTrans2D1">
-    <dgm:fillClrLst meth="repeat">
-      <a:schemeClr val="accent2"/>
-      <a:schemeClr val="accent3"/>
-      <a:schemeClr val="accent4"/>
-      <a:schemeClr val="accent5"/>
-      <a:schemeClr val="accent6"/>
-    </dgm:fillClrLst>
-    <dgm:linClrLst meth="cycle">
-      <a:schemeClr val="lt1"/>
-    </dgm:linClrLst>
-    <dgm:effectClrLst/>
-    <dgm:txLinClrLst/>
-    <dgm:txFillClrLst meth="repeat">
-      <a:schemeClr val="lt1"/>
-    </dgm:txFillClrLst>
-    <dgm:txEffectClrLst/>
-  </dgm:styleLbl>
-  <dgm:styleLbl name="sibTrans1D1">
-    <dgm:fillClrLst meth="repeat">
-      <a:schemeClr val="accent2"/>
-      <a:schemeClr val="accent3"/>
-      <a:schemeClr val="accent4"/>
-      <a:schemeClr val="accent5"/>
-      <a:schemeClr val="accent6"/>
-    </dgm:fillClrLst>
-    <dgm:linClrLst meth="repeat">
-      <a:schemeClr val="accent2"/>
-      <a:schemeClr val="accent3"/>
-      <a:schemeClr val="accent4"/>
-      <a:schemeClr val="accent5"/>
-      <a:schemeClr val="accent6"/>
-    </dgm:linClrLst>
-    <dgm:effectClrLst/>
-    <dgm:txLinClrLst/>
-    <dgm:txFillClrLst meth="repeat">
-      <a:schemeClr val="tx1"/>
-    </dgm:txFillClrLst>
-    <dgm:txEffectClrLst/>
-  </dgm:styleLbl>
-  <dgm:styleLbl name="callout">
-    <dgm:fillClrLst meth="repeat">
-      <a:schemeClr val="accent2"/>
-    </dgm:fillClrLst>
-    <dgm:linClrLst meth="repeat">
-      <a:schemeClr val="accent2">
-        <a:tint val="50000"/>
-      </a:schemeClr>
-    </dgm:linClrLst>
-    <dgm:effectClrLst/>
-    <dgm:txLinClrLst/>
-    <dgm:txFillClrLst meth="repeat">
-      <a:schemeClr val="tx1"/>
-    </dgm:txFillClrLst>
-    <dgm:txEffectClrLst/>
-  </dgm:styleLbl>
-  <dgm:styleLbl name="asst0">
-    <dgm:fillClrLst meth="repeat">
-      <a:schemeClr val="accent1"/>
-    </dgm:fillClrLst>
-    <dgm:linClrLst meth="repeat">
-      <a:schemeClr val="lt1"/>
-    </dgm:linClrLst>
-    <dgm:effectClrLst/>
-    <dgm:txLinClrLst/>
-    <dgm:txFillClrLst/>
-    <dgm:txEffectClrLst/>
-  </dgm:styleLbl>
-  <dgm:styleLbl name="asst1">
-    <dgm:fillClrLst meth="repeat">
-      <a:schemeClr val="accent2"/>
-    </dgm:fillClrLst>
-    <dgm:linClrLst meth="repeat">
-      <a:schemeClr val="lt1"/>
-    </dgm:linClrLst>
-    <dgm:effectClrLst/>
-    <dgm:txLinClrLst/>
-    <dgm:txFillClrLst/>
-    <dgm:txEffectClrLst/>
-  </dgm:styleLbl>
-  <dgm:styleLbl name="asst2">
-    <dgm:fillClrLst>
-      <a:schemeClr val="accent3"/>
-    </dgm:fillClrLst>
-    <dgm:linClrLst meth="repeat">
-      <a:schemeClr val="lt1"/>
-    </dgm:linClrLst>
-    <dgm:effectClrLst/>
-    <dgm:txLinClrLst/>
-    <dgm:txFillClrLst/>
-    <dgm:txEffectClrLst/>
-  </dgm:styleLbl>
-  <dgm:styleLbl name="asst3">
-    <dgm:fillClrLst>
-      <a:schemeClr val="accent4"/>
-    </dgm:fillClrLst>
-    <dgm:linClrLst meth="repeat">
-      <a:schemeClr val="lt1"/>
-    </dgm:linClrLst>
-    <dgm:effectClrLst/>
-    <dgm:txLinClrLst/>
-    <dgm:txFillClrLst/>
-    <dgm:txEffectClrLst/>
-  </dgm:styleLbl>
-  <dgm:styleLbl name="asst4">
-    <dgm:fillClrLst>
-      <a:schemeClr val="accent5"/>
-    </dgm:fillClrLst>
-    <dgm:linClrLst meth="repeat">
-      <a:schemeClr val="lt1"/>
-    </dgm:linClrLst>
-    <dgm:effectClrLst/>
-    <dgm:txLinClrLst/>
-    <dgm:txFillClrLst/>
-    <dgm:txEffectClrLst/>
-  </dgm:styleLbl>
-  <dgm:styleLbl name="parChTrans2D1">
-    <dgm:fillClrLst meth="repeat">
-      <a:schemeClr val="accent2"/>
-    </dgm:fillClrLst>
-    <dgm:linClrLst meth="repeat">
-      <a:schemeClr val="lt1"/>
-    </dgm:linClrLst>
-    <dgm:effectClrLst/>
-    <dgm:txLinClrLst/>
-    <dgm:txFillClrLst meth="repeat">
-      <a:schemeClr val="lt1"/>
-    </dgm:txFillClrLst>
-    <dgm:txEffectClrLst/>
-  </dgm:styleLbl>
-  <dgm:styleLbl name="parChTrans2D2">
-    <dgm:fillClrLst meth="repeat">
-      <a:schemeClr val="accent3"/>
-    </dgm:fillClrLst>
-    <dgm:linClrLst meth="repeat">
-      <a:schemeClr val="lt1"/>
-    </dgm:linClrLst>
-    <dgm:effectClrLst/>
-    <dgm:txLinClrLst/>
-    <dgm:txFillClrLst/>
-    <dgm:txEffectClrLst/>
-  </dgm:styleLbl>
-  <dgm:styleLbl name="parChTrans2D3">
-    <dgm:fillClrLst meth="repeat">
-      <a:schemeClr val="accent4"/>
-    </dgm:fillClrLst>
-    <dgm:linClrLst meth="repeat">
-      <a:schemeClr val="lt1"/>
-    </dgm:linClrLst>
-    <dgm:effectClrLst/>
-    <dgm:txLinClrLst/>
-    <dgm:txFillClrLst/>
-    <dgm:txEffectClrLst/>
-  </dgm:styleLbl>
-  <dgm:styleLbl name="parChTrans2D4">
-    <dgm:fillClrLst meth="repeat">
-      <a:schemeClr val="accent5"/>
-    </dgm:fillClrLst>
-    <dgm:linClrLst meth="repeat">
-      <a:schemeClr val="lt1"/>
-    </dgm:linClrLst>
-    <dgm:effectClrLst/>
-    <dgm:txLinClrLst/>
-    <dgm:txFillClrLst meth="repeat">
-      <a:schemeClr val="lt1"/>
-    </dgm:txFillClrLst>
-    <dgm:txEffectClrLst/>
-  </dgm:styleLbl>
-  <dgm:styleLbl name="parChTrans1D1">
-    <dgm:fillClrLst meth="repeat">
-      <a:schemeClr val="accent2"/>
-    </dgm:fillClrLst>
-    <dgm:linClrLst meth="repeat">
-      <a:schemeClr val="accent1"/>
-    </dgm:linClrLst>
-    <dgm:effectClrLst/>
-    <dgm:txLinClrLst/>
-    <dgm:txFillClrLst meth="repeat">
-      <a:schemeClr val="tx1"/>
-    </dgm:txFillClrLst>
-    <dgm:txEffectClrLst/>
-  </dgm:styleLbl>
-  <dgm:styleLbl name="parChTrans1D2">
-    <dgm:fillClrLst meth="repeat">
-      <a:schemeClr val="accent3">
-        <a:tint val="90000"/>
-      </a:schemeClr>
-    </dgm:fillClrLst>
-    <dgm:linClrLst meth="repeat">
-      <a:schemeClr val="accent2"/>
-    </dgm:linClrLst>
-    <dgm:effectClrLst/>
-    <dgm:txLinClrLst/>
-    <dgm:txFillClrLst meth="repeat">
-      <a:schemeClr val="tx1"/>
-    </dgm:txFillClrLst>
-    <dgm:txEffectClrLst/>
-  </dgm:styleLbl>
-  <dgm:styleLbl name="parChTrans1D3">
-    <dgm:fillClrLst meth="repeat">
-      <a:schemeClr val="accent4">
-        <a:tint val="70000"/>
-      </a:schemeClr>
-    </dgm:fillClrLst>
-    <dgm:linClrLst meth="repeat">
-      <a:schemeClr val="accent3"/>
-    </dgm:linClrLst>
-    <dgm:effectClrLst/>
-    <dgm:txLinClrLst/>
-    <dgm:txFillClrLst meth="repeat">
-      <a:schemeClr val="tx1"/>
-    </dgm:txFillClrLst>
-    <dgm:txEffectClrLst/>
-  </dgm:styleLbl>
-  <dgm:styleLbl name="parChTrans1D4">
-    <dgm:fillClrLst meth="repeat">
-      <a:schemeClr val="accent5">
-        <a:tint val="50000"/>
-      </a:schemeClr>
-    </dgm:fillClrLst>
-    <dgm:linClrLst meth="repeat">
-      <a:schemeClr val="accent4"/>
-    </dgm:linClrLst>
-    <dgm:effectClrLst/>
-    <dgm:txLinClrLst/>
-    <dgm:txFillClrLst meth="repeat">
-      <a:schemeClr val="tx1"/>
-    </dgm:txFillClrLst>
-    <dgm:txEffectClrLst/>
-  </dgm:styleLbl>
-  <dgm:styleLbl name="fgAcc1">
-    <dgm:fillClrLst meth="repeat">
-      <a:schemeClr val="lt1">
-        <a:alpha val="90000"/>
-      </a:schemeClr>
-    </dgm:fillClrLst>
-    <dgm:linClrLst meth="repeat">
-      <a:schemeClr val="accent2"/>
-      <a:schemeClr val="accent3"/>
-      <a:schemeClr val="accent4"/>
-      <a:schemeClr val="accent5"/>
-      <a:schemeClr val="accent6"/>
-    </dgm:linClrLst>
-    <dgm:effectClrLst/>
-    <dgm:txLinClrLst/>
-    <dgm:txFillClrLst meth="repeat">
-      <a:schemeClr val="dk1"/>
-    </dgm:txFillClrLst>
-    <dgm:txEffectClrLst/>
-  </dgm:styleLbl>
-  <dgm:styleLbl name="conFgAcc1">
-    <dgm:fillClrLst meth="repeat">
-      <a:schemeClr val="lt1">
-        <a:alpha val="90000"/>
-      </a:schemeClr>
-    </dgm:fillClrLst>
-    <dgm:linClrLst meth="repeat">
-      <a:schemeClr val="accent2"/>
-      <a:schemeClr val="accent3"/>
-      <a:schemeClr val="accent4"/>
-      <a:schemeClr val="accent5"/>
-      <a:schemeClr val="accent6"/>
-    </dgm:linClrLst>
-    <dgm:effectClrLst/>
-    <dgm:txLinClrLst/>
-    <dgm:txFillClrLst meth="repeat">
-      <a:schemeClr val="dk1"/>
-    </dgm:txFillClrLst>
-    <dgm:txEffectClrLst/>
-  </dgm:styleLbl>
-  <dgm:styleLbl name="alignAcc1">
-    <dgm:fillClrLst meth="repeat">
-      <a:schemeClr val="lt1">
-        <a:alpha val="90000"/>
-      </a:schemeClr>
-    </dgm:fillClrLst>
-    <dgm:linClrLst meth="repeat">
-      <a:schemeClr val="accent2"/>
-      <a:schemeClr val="accent3"/>
-      <a:schemeClr val="accent4"/>
-      <a:schemeClr val="accent5"/>
-      <a:schemeClr val="accent6"/>
-    </dgm:linClrLst>
-    <dgm:effectClrLst/>
-    <dgm:txLinClrLst/>
-    <dgm:txFillClrLst meth="repeat">
-      <a:schemeClr val="dk1"/>
-    </dgm:txFillClrLst>
-    <dgm:txEffectClrLst/>
-  </dgm:styleLbl>
-  <dgm:styleLbl name="trAlignAcc1">
-    <dgm:fillClrLst meth="repeat">
-      <a:schemeClr val="lt1">
-        <a:alpha val="40000"/>
-      </a:schemeClr>
-    </dgm:fillClrLst>
-    <dgm:linClrLst meth="repeat">
-      <a:schemeClr val="accent1"/>
-    </dgm:linClrLst>
-    <dgm:effectClrLst/>
-    <dgm:txLinClrLst/>
-    <dgm:txFillClrLst meth="repeat">
-      <a:schemeClr val="dk1"/>
-    </dgm:txFillClrLst>
-    <dgm:txEffectClrLst/>
-  </dgm:styleLbl>
-  <dgm:styleLbl name="bgAcc1">
-    <dgm:fillClrLst meth="repeat">
-      <a:schemeClr val="lt1">
-        <a:alpha val="90000"/>
-      </a:schemeClr>
-    </dgm:fillClrLst>
-    <dgm:linClrLst meth="repeat">
-      <a:schemeClr val="accent2"/>
-      <a:schemeClr val="accent3"/>
-      <a:schemeClr val="accent4"/>
-      <a:schemeClr val="accent5"/>
-      <a:schemeClr val="accent6"/>
-    </dgm:linClrLst>
-    <dgm:effectClrLst/>
-    <dgm:txLinClrLst/>
-    <dgm:txFillClrLst meth="repeat">
-      <a:schemeClr val="dk1"/>
-    </dgm:txFillClrLst>
-    <dgm:txEffectClrLst/>
-  </dgm:styleLbl>
-  <dgm:styleLbl name="solidFgAcc1">
-    <dgm:fillClrLst meth="repeat">
-      <a:schemeClr val="lt1"/>
-    </dgm:fillClrLst>
-    <dgm:linClrLst meth="repeat">
-      <a:schemeClr val="accent2"/>
-      <a:schemeClr val="accent3"/>
-      <a:schemeClr val="accent4"/>
-      <a:schemeClr val="accent5"/>
-      <a:schemeClr val="accent6"/>
-    </dgm:linClrLst>
-    <dgm:effectClrLst/>
-    <dgm:txLinClrLst/>
-    <dgm:txFillClrLst meth="repeat">
-      <a:schemeClr val="dk1"/>
-    </dgm:txFillClrLst>
-    <dgm:txEffectClrLst/>
-  </dgm:styleLbl>
-  <dgm:styleLbl name="solidAlignAcc1">
-    <dgm:fillClrLst meth="repeat">
-      <a:schemeClr val="lt1"/>
-    </dgm:fillClrLst>
-    <dgm:linClrLst meth="repeat">
-      <a:schemeClr val="accent2"/>
-      <a:schemeClr val="accent3"/>
-      <a:schemeClr val="accent4"/>
-      <a:schemeClr val="accent5"/>
-      <a:schemeClr val="accent6"/>
-    </dgm:linClrLst>
-    <dgm:effectClrLst/>
-    <dgm:txLinClrLst/>
-    <dgm:txFillClrLst meth="repeat">
-      <a:schemeClr val="dk1"/>
-    </dgm:txFillClrLst>
-    <dgm:txEffectClrLst/>
-  </dgm:styleLbl>
-  <dgm:styleLbl name="solidBgAcc1">
-    <dgm:fillClrLst meth="repeat">
-      <a:schemeClr val="lt1"/>
-    </dgm:fillClrLst>
-    <dgm:linClrLst meth="repeat">
-      <a:schemeClr val="accent2"/>
-      <a:schemeClr val="accent3"/>
-      <a:schemeClr val="accent4"/>
-      <a:schemeClr val="accent5"/>
-      <a:schemeClr val="accent6"/>
-    </dgm:linClrLst>
-    <dgm:effectClrLst/>
-    <dgm:txLinClrLst/>
-    <dgm:txFillClrLst meth="repeat">
-      <a:schemeClr val="dk1"/>
-    </dgm:txFillClrLst>
-    <dgm:txEffectClrLst/>
-  </dgm:styleLbl>
-  <dgm:styleLbl name="fgAccFollowNode1">
-    <dgm:fillClrLst meth="repeat">
-      <a:schemeClr val="accent2">
-        <a:tint val="40000"/>
-        <a:alpha val="90000"/>
-      </a:schemeClr>
-      <a:schemeClr val="accent3">
-        <a:tint val="40000"/>
-        <a:alpha val="90000"/>
-      </a:schemeClr>
-      <a:schemeClr val="accent4">
-        <a:tint val="40000"/>
-        <a:alpha val="90000"/>
-      </a:schemeClr>
-      <a:schemeClr val="accent5">
-        <a:tint val="40000"/>
-        <a:alpha val="90000"/>
-      </a:schemeClr>
-      <a:schemeClr val="accent6">
-        <a:tint val="40000"/>
-        <a:alpha val="90000"/>
-      </a:schemeClr>
-    </dgm:fillClrLst>
-    <dgm:linClrLst meth="repeat">
-      <a:schemeClr val="accent2">
-        <a:tint val="40000"/>
-        <a:alpha val="90000"/>
-      </a:schemeClr>
-      <a:schemeClr val="accent3">
-        <a:tint val="40000"/>
-        <a:alpha val="90000"/>
-      </a:schemeClr>
-      <a:schemeClr val="accent4">
-        <a:tint val="40000"/>
-        <a:alpha val="90000"/>
-      </a:schemeClr>
-      <a:schemeClr val="accent5">
-        <a:tint val="40000"/>
-        <a:alpha val="90000"/>
-      </a:schemeClr>
-      <a:schemeClr val="accent6">
-        <a:tint val="40000"/>
-        <a:alpha val="90000"/>
-      </a:schemeClr>
-    </dgm:linClrLst>
-    <dgm:effectClrLst/>
-    <dgm:txLinClrLst/>
-    <dgm:txFillClrLst meth="repeat">
-      <a:schemeClr val="dk1"/>
-    </dgm:txFillClrLst>
-    <dgm:txEffectClrLst/>
-  </dgm:styleLbl>
-  <dgm:styleLbl name="alignAccFollowNode1">
-    <dgm:fillClrLst meth="repeat">
-      <a:schemeClr val="accent2">
-        <a:tint val="40000"/>
-        <a:alpha val="90000"/>
-      </a:schemeClr>
-      <a:schemeClr val="accent3">
-        <a:tint val="40000"/>
-        <a:alpha val="90000"/>
-      </a:schemeClr>
-      <a:schemeClr val="accent4">
-        <a:tint val="40000"/>
-        <a:alpha val="90000"/>
-      </a:schemeClr>
-      <a:schemeClr val="accent5">
-        <a:tint val="40000"/>
-        <a:alpha val="90000"/>
-      </a:schemeClr>
-      <a:schemeClr val="accent6">
-        <a:tint val="40000"/>
-        <a:alpha val="90000"/>
-      </a:schemeClr>
-    </dgm:fillClrLst>
-    <dgm:linClrLst meth="repeat">
-      <a:schemeClr val="accent2">
-        <a:tint val="40000"/>
-        <a:alpha val="90000"/>
-      </a:schemeClr>
-      <a:schemeClr val="accent3">
-        <a:tint val="40000"/>
-        <a:alpha val="90000"/>
-      </a:schemeClr>
-      <a:schemeClr val="accent4">
-        <a:tint val="40000"/>
-        <a:alpha val="90000"/>
-      </a:schemeClr>
-      <a:schemeClr val="accent5">
-        <a:tint val="40000"/>
-        <a:alpha val="90000"/>
-      </a:schemeClr>
-      <a:schemeClr val="accent6">
-        <a:tint val="40000"/>
-        <a:alpha val="90000"/>
-      </a:schemeClr>
-    </dgm:linClrLst>
-    <dgm:effectClrLst/>
-    <dgm:txLinClrLst/>
-    <dgm:txFillClrLst meth="repeat">
-      <a:schemeClr val="dk1"/>
-    </dgm:txFillClrLst>
-    <dgm:txEffectClrLst/>
-  </dgm:styleLbl>
-  <dgm:styleLbl name="bgAccFollowNode1">
-    <dgm:fillClrLst meth="repeat">
-      <a:schemeClr val="accent2">
-        <a:tint val="40000"/>
-        <a:alpha val="90000"/>
-      </a:schemeClr>
-      <a:schemeClr val="accent3">
-        <a:tint val="40000"/>
-        <a:alpha val="90000"/>
-      </a:schemeClr>
-      <a:schemeClr val="accent4">
-        <a:tint val="40000"/>
-        <a:alpha val="90000"/>
-      </a:schemeClr>
-      <a:schemeClr val="accent5">
-        <a:tint val="40000"/>
-        <a:alpha val="90000"/>
-      </a:schemeClr>
-      <a:schemeClr val="accent6">
-        <a:tint val="40000"/>
-        <a:alpha val="90000"/>
-      </a:schemeClr>
-    </dgm:fillClrLst>
-    <dgm:linClrLst meth="repeat">
-      <a:schemeClr val="accent2">
-        <a:tint val="40000"/>
-        <a:alpha val="90000"/>
-      </a:schemeClr>
-      <a:schemeClr val="accent3">
-        <a:tint val="40000"/>
-        <a:alpha val="90000"/>
-      </a:schemeClr>
-      <a:schemeClr val="accent4">
-        <a:tint val="40000"/>
-        <a:alpha val="90000"/>
-      </a:schemeClr>
-      <a:schemeClr val="accent5">
-        <a:tint val="40000"/>
-        <a:alpha val="90000"/>
-      </a:schemeClr>
-      <a:schemeClr val="accent6">
-        <a:tint val="40000"/>
-        <a:alpha val="90000"/>
-      </a:schemeClr>
-    </dgm:linClrLst>
-    <dgm:effectClrLst/>
-    <dgm:txLinClrLst/>
-    <dgm:txFillClrLst meth="repeat">
-      <a:schemeClr val="dk1"/>
-    </dgm:txFillClrLst>
-    <dgm:txEffectClrLst/>
-  </dgm:styleLbl>
-  <dgm:styleLbl name="fgAcc0">
-    <dgm:fillClrLst meth="repeat">
-      <a:schemeClr val="lt1">
-        <a:alpha val="90000"/>
-      </a:schemeClr>
-    </dgm:fillClrLst>
-    <dgm:linClrLst>
-      <a:schemeClr val="accent1"/>
-    </dgm:linClrLst>
-    <dgm:effectClrLst/>
-    <dgm:txLinClrLst/>
-    <dgm:txFillClrLst meth="repeat">
-      <a:schemeClr val="dk1"/>
-    </dgm:txFillClrLst>
-    <dgm:txEffectClrLst/>
-  </dgm:styleLbl>
-  <dgm:styleLbl name="fgAcc2">
-    <dgm:fillClrLst meth="repeat">
-      <a:schemeClr val="lt1">
-        <a:alpha val="90000"/>
-      </a:schemeClr>
-    </dgm:fillClrLst>
-    <dgm:linClrLst>
-      <a:schemeClr val="accent2"/>
-    </dgm:linClrLst>
-    <dgm:effectClrLst/>
-    <dgm:txLinClrLst/>
-    <dgm:txFillClrLst meth="repeat">
-      <a:schemeClr val="dk1"/>
-    </dgm:txFillClrLst>
-    <dgm:txEffectClrLst/>
-  </dgm:styleLbl>
-  <dgm:styleLbl name="fgAcc3">
-    <dgm:fillClrLst meth="repeat">
-      <a:schemeClr val="lt1">
-        <a:alpha val="90000"/>
-      </a:schemeClr>
-    </dgm:fillClrLst>
-    <dgm:linClrLst>
-      <a:schemeClr val="accent3"/>
-    </dgm:linClrLst>
-    <dgm:effectClrLst/>
-    <dgm:txLinClrLst/>
-    <dgm:txFillClrLst meth="repeat">
-      <a:schemeClr val="dk1"/>
-    </dgm:txFillClrLst>
-    <dgm:txEffectClrLst/>
-  </dgm:styleLbl>
-  <dgm:styleLbl name="fgAcc4">
-    <dgm:fillClrLst meth="repeat">
-      <a:schemeClr val="lt1">
-        <a:alpha val="90000"/>
-      </a:schemeClr>
-    </dgm:fillClrLst>
-    <dgm:linClrLst>
-      <a:schemeClr val="accent4"/>
-    </dgm:linClrLst>
-    <dgm:effectClrLst/>
-    <dgm:txLinClrLst/>
-    <dgm:txFillClrLst meth="repeat">
-      <a:schemeClr val="dk1"/>
-    </dgm:txFillClrLst>
-    <dgm:txEffectClrLst/>
-  </dgm:styleLbl>
-  <dgm:styleLbl name="bgShp">
-    <dgm:fillClrLst meth="repeat">
-      <a:schemeClr val="accent2">
-        <a:tint val="40000"/>
-      </a:schemeClr>
-    </dgm:fillClrLst>
-    <dgm:linClrLst meth="repeat">
-      <a:schemeClr val="dk1"/>
-    </dgm:linClrLst>
-    <dgm:effectClrLst/>
-    <dgm:txLinClrLst/>
-    <dgm:txFillClrLst meth="repeat">
-      <a:schemeClr val="dk1"/>
-    </dgm:txFillClrLst>
-    <dgm:txEffectClrLst/>
-  </dgm:styleLbl>
-  <dgm:styleLbl name="dkBgShp">
-    <dgm:fillClrLst meth="repeat">
-      <a:schemeClr val="accent2">
-        <a:shade val="90000"/>
-      </a:schemeClr>
-    </dgm:fillClrLst>
-    <dgm:linClrLst meth="repeat">
-      <a:schemeClr val="dk1"/>
-    </dgm:linClrLst>
-    <dgm:effectClrLst/>
-    <dgm:txLinClrLst/>
-    <dgm:txFillClrLst meth="repeat">
-      <a:schemeClr val="lt1"/>
-    </dgm:txFillClrLst>
-    <dgm:txEffectClrLst/>
-  </dgm:styleLbl>
-  <dgm:styleLbl name="trBgShp">
-    <dgm:fillClrLst meth="repeat">
-      <a:schemeClr val="accent1">
-        <a:tint val="50000"/>
-        <a:alpha val="40000"/>
-      </a:schemeClr>
-    </dgm:fillClrLst>
-    <dgm:linClrLst meth="repeat">
-      <a:schemeClr val="accent2"/>
-    </dgm:linClrLst>
-    <dgm:effectClrLst/>
-    <dgm:txLinClrLst/>
-    <dgm:txFillClrLst meth="repeat">
-      <a:schemeClr val="lt1"/>
-    </dgm:txFillClrLst>
-    <dgm:txEffectClrLst/>
-  </dgm:styleLbl>
-  <dgm:styleLbl name="fgShp">
-    <dgm:fillClrLst meth="repeat">
-      <a:schemeClr val="accent2">
-        <a:tint val="40000"/>
-      </a:schemeClr>
-    </dgm:fillClrLst>
-    <dgm:linClrLst meth="repeat">
-      <a:schemeClr val="lt1"/>
-    </dgm:linClrLst>
-    <dgm:effectClrLst/>
-    <dgm:txLinClrLst/>
-    <dgm:txFillClrLst meth="repeat">
-      <a:schemeClr val="dk1"/>
-    </dgm:txFillClrLst>
-    <dgm:txEffectClrLst/>
-  </dgm:styleLbl>
-  <dgm:styleLbl name="revTx">
-    <dgm:fillClrLst meth="repeat">
-      <a:schemeClr val="lt1">
-        <a:alpha val="0"/>
-      </a:schemeClr>
-    </dgm:fillClrLst>
-    <dgm:linClrLst meth="repeat">
-      <a:schemeClr val="dk1">
-        <a:alpha val="0"/>
-      </a:schemeClr>
-    </dgm:linClrLst>
-    <dgm:effectClrLst/>
-    <dgm:txLinClrLst/>
-    <dgm:txFillClrLst meth="repeat">
-      <a:schemeClr val="tx1"/>
     </dgm:txFillClrLst>
     <dgm:txEffectClrLst/>
   </dgm:styleLbl>
@@ -4730,7 +4830,1228 @@
 </dgm:colorsDef>
 </file>
 
+<file path=ppt/diagrams/colors6.xml><?xml version="1.0" encoding="utf-8"?>
+<dgm:colorsDef xmlns:dgm="http://schemas.openxmlformats.org/drawingml/2006/diagram" xmlns:a="http://schemas.openxmlformats.org/drawingml/2006/main" uniqueId="urn:microsoft.com/office/officeart/2005/8/colors/colorful1">
+  <dgm:title val=""/>
+  <dgm:desc val=""/>
+  <dgm:catLst>
+    <dgm:cat type="colorful" pri="10100"/>
+  </dgm:catLst>
+  <dgm:styleLbl name="node0">
+    <dgm:fillClrLst meth="repeat">
+      <a:schemeClr val="accent1"/>
+    </dgm:fillClrLst>
+    <dgm:linClrLst meth="repeat">
+      <a:schemeClr val="lt1"/>
+    </dgm:linClrLst>
+    <dgm:effectClrLst/>
+    <dgm:txLinClrLst/>
+    <dgm:txFillClrLst/>
+    <dgm:txEffectClrLst/>
+  </dgm:styleLbl>
+  <dgm:styleLbl name="node1">
+    <dgm:fillClrLst meth="repeat">
+      <a:schemeClr val="accent2"/>
+      <a:schemeClr val="accent3"/>
+      <a:schemeClr val="accent4"/>
+      <a:schemeClr val="accent5"/>
+      <a:schemeClr val="accent6"/>
+    </dgm:fillClrLst>
+    <dgm:linClrLst meth="repeat">
+      <a:schemeClr val="lt1"/>
+    </dgm:linClrLst>
+    <dgm:effectClrLst/>
+    <dgm:txLinClrLst/>
+    <dgm:txFillClrLst/>
+    <dgm:txEffectClrLst/>
+  </dgm:styleLbl>
+  <dgm:styleLbl name="alignNode1">
+    <dgm:fillClrLst meth="repeat">
+      <a:schemeClr val="accent2"/>
+      <a:schemeClr val="accent3"/>
+      <a:schemeClr val="accent4"/>
+      <a:schemeClr val="accent5"/>
+      <a:schemeClr val="accent6"/>
+    </dgm:fillClrLst>
+    <dgm:linClrLst meth="repeat">
+      <a:schemeClr val="accent2"/>
+      <a:schemeClr val="accent3"/>
+      <a:schemeClr val="accent4"/>
+      <a:schemeClr val="accent5"/>
+      <a:schemeClr val="accent6"/>
+    </dgm:linClrLst>
+    <dgm:effectClrLst/>
+    <dgm:txLinClrLst/>
+    <dgm:txFillClrLst/>
+    <dgm:txEffectClrLst/>
+  </dgm:styleLbl>
+  <dgm:styleLbl name="lnNode1">
+    <dgm:fillClrLst meth="repeat">
+      <a:schemeClr val="accent2"/>
+      <a:schemeClr val="accent3"/>
+      <a:schemeClr val="accent4"/>
+      <a:schemeClr val="accent5"/>
+      <a:schemeClr val="accent6"/>
+    </dgm:fillClrLst>
+    <dgm:linClrLst meth="repeat">
+      <a:schemeClr val="lt1"/>
+    </dgm:linClrLst>
+    <dgm:effectClrLst/>
+    <dgm:txLinClrLst/>
+    <dgm:txFillClrLst/>
+    <dgm:txEffectClrLst/>
+  </dgm:styleLbl>
+  <dgm:styleLbl name="vennNode1">
+    <dgm:fillClrLst meth="repeat">
+      <a:schemeClr val="accent2">
+        <a:alpha val="50000"/>
+      </a:schemeClr>
+      <a:schemeClr val="accent3">
+        <a:alpha val="50000"/>
+      </a:schemeClr>
+      <a:schemeClr val="accent4">
+        <a:alpha val="50000"/>
+      </a:schemeClr>
+      <a:schemeClr val="accent5">
+        <a:alpha val="50000"/>
+      </a:schemeClr>
+      <a:schemeClr val="accent6">
+        <a:alpha val="50000"/>
+      </a:schemeClr>
+    </dgm:fillClrLst>
+    <dgm:linClrLst meth="repeat">
+      <a:schemeClr val="lt1"/>
+    </dgm:linClrLst>
+    <dgm:effectClrLst/>
+    <dgm:txLinClrLst/>
+    <dgm:txFillClrLst/>
+    <dgm:txEffectClrLst/>
+  </dgm:styleLbl>
+  <dgm:styleLbl name="node2">
+    <dgm:fillClrLst>
+      <a:schemeClr val="accent2"/>
+    </dgm:fillClrLst>
+    <dgm:linClrLst meth="repeat">
+      <a:schemeClr val="lt1"/>
+    </dgm:linClrLst>
+    <dgm:effectClrLst/>
+    <dgm:txLinClrLst/>
+    <dgm:txFillClrLst/>
+    <dgm:txEffectClrLst/>
+  </dgm:styleLbl>
+  <dgm:styleLbl name="node3">
+    <dgm:fillClrLst>
+      <a:schemeClr val="accent3"/>
+    </dgm:fillClrLst>
+    <dgm:linClrLst meth="repeat">
+      <a:schemeClr val="lt1"/>
+    </dgm:linClrLst>
+    <dgm:effectClrLst/>
+    <dgm:txLinClrLst/>
+    <dgm:txFillClrLst/>
+    <dgm:txEffectClrLst/>
+  </dgm:styleLbl>
+  <dgm:styleLbl name="node4">
+    <dgm:fillClrLst>
+      <a:schemeClr val="accent4"/>
+    </dgm:fillClrLst>
+    <dgm:linClrLst meth="repeat">
+      <a:schemeClr val="lt1"/>
+    </dgm:linClrLst>
+    <dgm:effectClrLst/>
+    <dgm:txLinClrLst/>
+    <dgm:txFillClrLst/>
+    <dgm:txEffectClrLst/>
+  </dgm:styleLbl>
+  <dgm:styleLbl name="fgImgPlace1">
+    <dgm:fillClrLst meth="repeat">
+      <a:schemeClr val="accent2">
+        <a:tint val="50000"/>
+      </a:schemeClr>
+      <a:schemeClr val="accent3">
+        <a:tint val="50000"/>
+      </a:schemeClr>
+      <a:schemeClr val="accent4">
+        <a:tint val="50000"/>
+      </a:schemeClr>
+      <a:schemeClr val="accent5">
+        <a:tint val="50000"/>
+      </a:schemeClr>
+      <a:schemeClr val="accent6">
+        <a:tint val="50000"/>
+      </a:schemeClr>
+    </dgm:fillClrLst>
+    <dgm:linClrLst meth="repeat">
+      <a:schemeClr val="lt1"/>
+    </dgm:linClrLst>
+    <dgm:effectClrLst/>
+    <dgm:txLinClrLst/>
+    <dgm:txFillClrLst meth="repeat">
+      <a:schemeClr val="lt1"/>
+    </dgm:txFillClrLst>
+    <dgm:txEffectClrLst/>
+  </dgm:styleLbl>
+  <dgm:styleLbl name="alignImgPlace1">
+    <dgm:fillClrLst>
+      <a:schemeClr val="accent1">
+        <a:tint val="50000"/>
+      </a:schemeClr>
+      <a:schemeClr val="accent2">
+        <a:tint val="20000"/>
+      </a:schemeClr>
+    </dgm:fillClrLst>
+    <dgm:linClrLst meth="repeat">
+      <a:schemeClr val="lt1"/>
+    </dgm:linClrLst>
+    <dgm:effectClrLst/>
+    <dgm:txLinClrLst/>
+    <dgm:txFillClrLst meth="repeat">
+      <a:schemeClr val="lt1"/>
+    </dgm:txFillClrLst>
+    <dgm:txEffectClrLst/>
+  </dgm:styleLbl>
+  <dgm:styleLbl name="bgImgPlace1">
+    <dgm:fillClrLst>
+      <a:schemeClr val="accent1">
+        <a:tint val="50000"/>
+      </a:schemeClr>
+      <a:schemeClr val="accent2">
+        <a:tint val="20000"/>
+      </a:schemeClr>
+    </dgm:fillClrLst>
+    <dgm:linClrLst meth="repeat">
+      <a:schemeClr val="lt1"/>
+    </dgm:linClrLst>
+    <dgm:effectClrLst/>
+    <dgm:txLinClrLst/>
+    <dgm:txFillClrLst meth="repeat">
+      <a:schemeClr val="lt1"/>
+    </dgm:txFillClrLst>
+    <dgm:txEffectClrLst/>
+  </dgm:styleLbl>
+  <dgm:styleLbl name="sibTrans2D1">
+    <dgm:fillClrLst meth="repeat">
+      <a:schemeClr val="accent2"/>
+      <a:schemeClr val="accent3"/>
+      <a:schemeClr val="accent4"/>
+      <a:schemeClr val="accent5"/>
+      <a:schemeClr val="accent6"/>
+    </dgm:fillClrLst>
+    <dgm:linClrLst meth="cycle">
+      <a:schemeClr val="lt1"/>
+    </dgm:linClrLst>
+    <dgm:effectClrLst/>
+    <dgm:txLinClrLst/>
+    <dgm:txFillClrLst/>
+    <dgm:txEffectClrLst/>
+  </dgm:styleLbl>
+  <dgm:styleLbl name="fgSibTrans2D1">
+    <dgm:fillClrLst meth="repeat">
+      <a:schemeClr val="accent2"/>
+      <a:schemeClr val="accent3"/>
+      <a:schemeClr val="accent4"/>
+      <a:schemeClr val="accent5"/>
+      <a:schemeClr val="accent6"/>
+    </dgm:fillClrLst>
+    <dgm:linClrLst meth="cycle">
+      <a:schemeClr val="lt1"/>
+    </dgm:linClrLst>
+    <dgm:effectClrLst/>
+    <dgm:txLinClrLst/>
+    <dgm:txFillClrLst meth="repeat">
+      <a:schemeClr val="lt1"/>
+    </dgm:txFillClrLst>
+    <dgm:txEffectClrLst/>
+  </dgm:styleLbl>
+  <dgm:styleLbl name="bgSibTrans2D1">
+    <dgm:fillClrLst meth="repeat">
+      <a:schemeClr val="accent2"/>
+      <a:schemeClr val="accent3"/>
+      <a:schemeClr val="accent4"/>
+      <a:schemeClr val="accent5"/>
+      <a:schemeClr val="accent6"/>
+    </dgm:fillClrLst>
+    <dgm:linClrLst meth="cycle">
+      <a:schemeClr val="lt1"/>
+    </dgm:linClrLst>
+    <dgm:effectClrLst/>
+    <dgm:txLinClrLst/>
+    <dgm:txFillClrLst meth="repeat">
+      <a:schemeClr val="lt1"/>
+    </dgm:txFillClrLst>
+    <dgm:txEffectClrLst/>
+  </dgm:styleLbl>
+  <dgm:styleLbl name="sibTrans1D1">
+    <dgm:fillClrLst meth="repeat">
+      <a:schemeClr val="accent2"/>
+      <a:schemeClr val="accent3"/>
+      <a:schemeClr val="accent4"/>
+      <a:schemeClr val="accent5"/>
+      <a:schemeClr val="accent6"/>
+    </dgm:fillClrLst>
+    <dgm:linClrLst meth="repeat">
+      <a:schemeClr val="accent2"/>
+      <a:schemeClr val="accent3"/>
+      <a:schemeClr val="accent4"/>
+      <a:schemeClr val="accent5"/>
+      <a:schemeClr val="accent6"/>
+    </dgm:linClrLst>
+    <dgm:effectClrLst/>
+    <dgm:txLinClrLst/>
+    <dgm:txFillClrLst meth="repeat">
+      <a:schemeClr val="tx1"/>
+    </dgm:txFillClrLst>
+    <dgm:txEffectClrLst/>
+  </dgm:styleLbl>
+  <dgm:styleLbl name="callout">
+    <dgm:fillClrLst meth="repeat">
+      <a:schemeClr val="accent2"/>
+    </dgm:fillClrLst>
+    <dgm:linClrLst meth="repeat">
+      <a:schemeClr val="accent2">
+        <a:tint val="50000"/>
+      </a:schemeClr>
+    </dgm:linClrLst>
+    <dgm:effectClrLst/>
+    <dgm:txLinClrLst/>
+    <dgm:txFillClrLst meth="repeat">
+      <a:schemeClr val="tx1"/>
+    </dgm:txFillClrLst>
+    <dgm:txEffectClrLst/>
+  </dgm:styleLbl>
+  <dgm:styleLbl name="asst0">
+    <dgm:fillClrLst meth="repeat">
+      <a:schemeClr val="accent1"/>
+    </dgm:fillClrLst>
+    <dgm:linClrLst meth="repeat">
+      <a:schemeClr val="lt1"/>
+    </dgm:linClrLst>
+    <dgm:effectClrLst/>
+    <dgm:txLinClrLst/>
+    <dgm:txFillClrLst/>
+    <dgm:txEffectClrLst/>
+  </dgm:styleLbl>
+  <dgm:styleLbl name="asst1">
+    <dgm:fillClrLst meth="repeat">
+      <a:schemeClr val="accent2"/>
+    </dgm:fillClrLst>
+    <dgm:linClrLst meth="repeat">
+      <a:schemeClr val="lt1"/>
+    </dgm:linClrLst>
+    <dgm:effectClrLst/>
+    <dgm:txLinClrLst/>
+    <dgm:txFillClrLst/>
+    <dgm:txEffectClrLst/>
+  </dgm:styleLbl>
+  <dgm:styleLbl name="asst2">
+    <dgm:fillClrLst>
+      <a:schemeClr val="accent3"/>
+    </dgm:fillClrLst>
+    <dgm:linClrLst meth="repeat">
+      <a:schemeClr val="lt1"/>
+    </dgm:linClrLst>
+    <dgm:effectClrLst/>
+    <dgm:txLinClrLst/>
+    <dgm:txFillClrLst/>
+    <dgm:txEffectClrLst/>
+  </dgm:styleLbl>
+  <dgm:styleLbl name="asst3">
+    <dgm:fillClrLst>
+      <a:schemeClr val="accent4"/>
+    </dgm:fillClrLst>
+    <dgm:linClrLst meth="repeat">
+      <a:schemeClr val="lt1"/>
+    </dgm:linClrLst>
+    <dgm:effectClrLst/>
+    <dgm:txLinClrLst/>
+    <dgm:txFillClrLst/>
+    <dgm:txEffectClrLst/>
+  </dgm:styleLbl>
+  <dgm:styleLbl name="asst4">
+    <dgm:fillClrLst>
+      <a:schemeClr val="accent5"/>
+    </dgm:fillClrLst>
+    <dgm:linClrLst meth="repeat">
+      <a:schemeClr val="lt1"/>
+    </dgm:linClrLst>
+    <dgm:effectClrLst/>
+    <dgm:txLinClrLst/>
+    <dgm:txFillClrLst/>
+    <dgm:txEffectClrLst/>
+  </dgm:styleLbl>
+  <dgm:styleLbl name="parChTrans2D1">
+    <dgm:fillClrLst meth="repeat">
+      <a:schemeClr val="accent2"/>
+    </dgm:fillClrLst>
+    <dgm:linClrLst meth="repeat">
+      <a:schemeClr val="lt1"/>
+    </dgm:linClrLst>
+    <dgm:effectClrLst/>
+    <dgm:txLinClrLst/>
+    <dgm:txFillClrLst meth="repeat">
+      <a:schemeClr val="lt1"/>
+    </dgm:txFillClrLst>
+    <dgm:txEffectClrLst/>
+  </dgm:styleLbl>
+  <dgm:styleLbl name="parChTrans2D2">
+    <dgm:fillClrLst meth="repeat">
+      <a:schemeClr val="accent3"/>
+    </dgm:fillClrLst>
+    <dgm:linClrLst meth="repeat">
+      <a:schemeClr val="lt1"/>
+    </dgm:linClrLst>
+    <dgm:effectClrLst/>
+    <dgm:txLinClrLst/>
+    <dgm:txFillClrLst/>
+    <dgm:txEffectClrLst/>
+  </dgm:styleLbl>
+  <dgm:styleLbl name="parChTrans2D3">
+    <dgm:fillClrLst meth="repeat">
+      <a:schemeClr val="accent4"/>
+    </dgm:fillClrLst>
+    <dgm:linClrLst meth="repeat">
+      <a:schemeClr val="lt1"/>
+    </dgm:linClrLst>
+    <dgm:effectClrLst/>
+    <dgm:txLinClrLst/>
+    <dgm:txFillClrLst/>
+    <dgm:txEffectClrLst/>
+  </dgm:styleLbl>
+  <dgm:styleLbl name="parChTrans2D4">
+    <dgm:fillClrLst meth="repeat">
+      <a:schemeClr val="accent5"/>
+    </dgm:fillClrLst>
+    <dgm:linClrLst meth="repeat">
+      <a:schemeClr val="lt1"/>
+    </dgm:linClrLst>
+    <dgm:effectClrLst/>
+    <dgm:txLinClrLst/>
+    <dgm:txFillClrLst meth="repeat">
+      <a:schemeClr val="lt1"/>
+    </dgm:txFillClrLst>
+    <dgm:txEffectClrLst/>
+  </dgm:styleLbl>
+  <dgm:styleLbl name="parChTrans1D1">
+    <dgm:fillClrLst meth="repeat">
+      <a:schemeClr val="accent2"/>
+    </dgm:fillClrLst>
+    <dgm:linClrLst meth="repeat">
+      <a:schemeClr val="accent1"/>
+    </dgm:linClrLst>
+    <dgm:effectClrLst/>
+    <dgm:txLinClrLst/>
+    <dgm:txFillClrLst meth="repeat">
+      <a:schemeClr val="tx1"/>
+    </dgm:txFillClrLst>
+    <dgm:txEffectClrLst/>
+  </dgm:styleLbl>
+  <dgm:styleLbl name="parChTrans1D2">
+    <dgm:fillClrLst meth="repeat">
+      <a:schemeClr val="accent3">
+        <a:tint val="90000"/>
+      </a:schemeClr>
+    </dgm:fillClrLst>
+    <dgm:linClrLst meth="repeat">
+      <a:schemeClr val="accent2"/>
+    </dgm:linClrLst>
+    <dgm:effectClrLst/>
+    <dgm:txLinClrLst/>
+    <dgm:txFillClrLst meth="repeat">
+      <a:schemeClr val="tx1"/>
+    </dgm:txFillClrLst>
+    <dgm:txEffectClrLst/>
+  </dgm:styleLbl>
+  <dgm:styleLbl name="parChTrans1D3">
+    <dgm:fillClrLst meth="repeat">
+      <a:schemeClr val="accent4">
+        <a:tint val="70000"/>
+      </a:schemeClr>
+    </dgm:fillClrLst>
+    <dgm:linClrLst meth="repeat">
+      <a:schemeClr val="accent3"/>
+    </dgm:linClrLst>
+    <dgm:effectClrLst/>
+    <dgm:txLinClrLst/>
+    <dgm:txFillClrLst meth="repeat">
+      <a:schemeClr val="tx1"/>
+    </dgm:txFillClrLst>
+    <dgm:txEffectClrLst/>
+  </dgm:styleLbl>
+  <dgm:styleLbl name="parChTrans1D4">
+    <dgm:fillClrLst meth="repeat">
+      <a:schemeClr val="accent5">
+        <a:tint val="50000"/>
+      </a:schemeClr>
+    </dgm:fillClrLst>
+    <dgm:linClrLst meth="repeat">
+      <a:schemeClr val="accent4"/>
+    </dgm:linClrLst>
+    <dgm:effectClrLst/>
+    <dgm:txLinClrLst/>
+    <dgm:txFillClrLst meth="repeat">
+      <a:schemeClr val="tx1"/>
+    </dgm:txFillClrLst>
+    <dgm:txEffectClrLst/>
+  </dgm:styleLbl>
+  <dgm:styleLbl name="fgAcc1">
+    <dgm:fillClrLst meth="repeat">
+      <a:schemeClr val="lt1">
+        <a:alpha val="90000"/>
+      </a:schemeClr>
+    </dgm:fillClrLst>
+    <dgm:linClrLst meth="repeat">
+      <a:schemeClr val="accent2"/>
+      <a:schemeClr val="accent3"/>
+      <a:schemeClr val="accent4"/>
+      <a:schemeClr val="accent5"/>
+      <a:schemeClr val="accent6"/>
+    </dgm:linClrLst>
+    <dgm:effectClrLst/>
+    <dgm:txLinClrLst/>
+    <dgm:txFillClrLst meth="repeat">
+      <a:schemeClr val="dk1"/>
+    </dgm:txFillClrLst>
+    <dgm:txEffectClrLst/>
+  </dgm:styleLbl>
+  <dgm:styleLbl name="conFgAcc1">
+    <dgm:fillClrLst meth="repeat">
+      <a:schemeClr val="lt1">
+        <a:alpha val="90000"/>
+      </a:schemeClr>
+    </dgm:fillClrLst>
+    <dgm:linClrLst meth="repeat">
+      <a:schemeClr val="accent2"/>
+      <a:schemeClr val="accent3"/>
+      <a:schemeClr val="accent4"/>
+      <a:schemeClr val="accent5"/>
+      <a:schemeClr val="accent6"/>
+    </dgm:linClrLst>
+    <dgm:effectClrLst/>
+    <dgm:txLinClrLst/>
+    <dgm:txFillClrLst meth="repeat">
+      <a:schemeClr val="dk1"/>
+    </dgm:txFillClrLst>
+    <dgm:txEffectClrLst/>
+  </dgm:styleLbl>
+  <dgm:styleLbl name="alignAcc1">
+    <dgm:fillClrLst meth="repeat">
+      <a:schemeClr val="lt1">
+        <a:alpha val="90000"/>
+      </a:schemeClr>
+    </dgm:fillClrLst>
+    <dgm:linClrLst meth="repeat">
+      <a:schemeClr val="accent2"/>
+      <a:schemeClr val="accent3"/>
+      <a:schemeClr val="accent4"/>
+      <a:schemeClr val="accent5"/>
+      <a:schemeClr val="accent6"/>
+    </dgm:linClrLst>
+    <dgm:effectClrLst/>
+    <dgm:txLinClrLst/>
+    <dgm:txFillClrLst meth="repeat">
+      <a:schemeClr val="dk1"/>
+    </dgm:txFillClrLst>
+    <dgm:txEffectClrLst/>
+  </dgm:styleLbl>
+  <dgm:styleLbl name="trAlignAcc1">
+    <dgm:fillClrLst meth="repeat">
+      <a:schemeClr val="lt1">
+        <a:alpha val="40000"/>
+      </a:schemeClr>
+    </dgm:fillClrLst>
+    <dgm:linClrLst meth="repeat">
+      <a:schemeClr val="accent1"/>
+    </dgm:linClrLst>
+    <dgm:effectClrLst/>
+    <dgm:txLinClrLst/>
+    <dgm:txFillClrLst meth="repeat">
+      <a:schemeClr val="dk1"/>
+    </dgm:txFillClrLst>
+    <dgm:txEffectClrLst/>
+  </dgm:styleLbl>
+  <dgm:styleLbl name="bgAcc1">
+    <dgm:fillClrLst meth="repeat">
+      <a:schemeClr val="lt1">
+        <a:alpha val="90000"/>
+      </a:schemeClr>
+    </dgm:fillClrLst>
+    <dgm:linClrLst meth="repeat">
+      <a:schemeClr val="accent2"/>
+      <a:schemeClr val="accent3"/>
+      <a:schemeClr val="accent4"/>
+      <a:schemeClr val="accent5"/>
+      <a:schemeClr val="accent6"/>
+    </dgm:linClrLst>
+    <dgm:effectClrLst/>
+    <dgm:txLinClrLst/>
+    <dgm:txFillClrLst meth="repeat">
+      <a:schemeClr val="dk1"/>
+    </dgm:txFillClrLst>
+    <dgm:txEffectClrLst/>
+  </dgm:styleLbl>
+  <dgm:styleLbl name="solidFgAcc1">
+    <dgm:fillClrLst meth="repeat">
+      <a:schemeClr val="lt1"/>
+    </dgm:fillClrLst>
+    <dgm:linClrLst meth="repeat">
+      <a:schemeClr val="accent2"/>
+      <a:schemeClr val="accent3"/>
+      <a:schemeClr val="accent4"/>
+      <a:schemeClr val="accent5"/>
+      <a:schemeClr val="accent6"/>
+    </dgm:linClrLst>
+    <dgm:effectClrLst/>
+    <dgm:txLinClrLst/>
+    <dgm:txFillClrLst meth="repeat">
+      <a:schemeClr val="dk1"/>
+    </dgm:txFillClrLst>
+    <dgm:txEffectClrLst/>
+  </dgm:styleLbl>
+  <dgm:styleLbl name="solidAlignAcc1">
+    <dgm:fillClrLst meth="repeat">
+      <a:schemeClr val="lt1"/>
+    </dgm:fillClrLst>
+    <dgm:linClrLst meth="repeat">
+      <a:schemeClr val="accent2"/>
+      <a:schemeClr val="accent3"/>
+      <a:schemeClr val="accent4"/>
+      <a:schemeClr val="accent5"/>
+      <a:schemeClr val="accent6"/>
+    </dgm:linClrLst>
+    <dgm:effectClrLst/>
+    <dgm:txLinClrLst/>
+    <dgm:txFillClrLst meth="repeat">
+      <a:schemeClr val="dk1"/>
+    </dgm:txFillClrLst>
+    <dgm:txEffectClrLst/>
+  </dgm:styleLbl>
+  <dgm:styleLbl name="solidBgAcc1">
+    <dgm:fillClrLst meth="repeat">
+      <a:schemeClr val="lt1"/>
+    </dgm:fillClrLst>
+    <dgm:linClrLst meth="repeat">
+      <a:schemeClr val="accent2"/>
+      <a:schemeClr val="accent3"/>
+      <a:schemeClr val="accent4"/>
+      <a:schemeClr val="accent5"/>
+      <a:schemeClr val="accent6"/>
+    </dgm:linClrLst>
+    <dgm:effectClrLst/>
+    <dgm:txLinClrLst/>
+    <dgm:txFillClrLst meth="repeat">
+      <a:schemeClr val="dk1"/>
+    </dgm:txFillClrLst>
+    <dgm:txEffectClrLst/>
+  </dgm:styleLbl>
+  <dgm:styleLbl name="fgAccFollowNode1">
+    <dgm:fillClrLst meth="repeat">
+      <a:schemeClr val="accent2">
+        <a:tint val="40000"/>
+        <a:alpha val="90000"/>
+      </a:schemeClr>
+      <a:schemeClr val="accent3">
+        <a:tint val="40000"/>
+        <a:alpha val="90000"/>
+      </a:schemeClr>
+      <a:schemeClr val="accent4">
+        <a:tint val="40000"/>
+        <a:alpha val="90000"/>
+      </a:schemeClr>
+      <a:schemeClr val="accent5">
+        <a:tint val="40000"/>
+        <a:alpha val="90000"/>
+      </a:schemeClr>
+      <a:schemeClr val="accent6">
+        <a:tint val="40000"/>
+        <a:alpha val="90000"/>
+      </a:schemeClr>
+    </dgm:fillClrLst>
+    <dgm:linClrLst meth="repeat">
+      <a:schemeClr val="accent2">
+        <a:tint val="40000"/>
+        <a:alpha val="90000"/>
+      </a:schemeClr>
+      <a:schemeClr val="accent3">
+        <a:tint val="40000"/>
+        <a:alpha val="90000"/>
+      </a:schemeClr>
+      <a:schemeClr val="accent4">
+        <a:tint val="40000"/>
+        <a:alpha val="90000"/>
+      </a:schemeClr>
+      <a:schemeClr val="accent5">
+        <a:tint val="40000"/>
+        <a:alpha val="90000"/>
+      </a:schemeClr>
+      <a:schemeClr val="accent6">
+        <a:tint val="40000"/>
+        <a:alpha val="90000"/>
+      </a:schemeClr>
+    </dgm:linClrLst>
+    <dgm:effectClrLst/>
+    <dgm:txLinClrLst/>
+    <dgm:txFillClrLst meth="repeat">
+      <a:schemeClr val="dk1"/>
+    </dgm:txFillClrLst>
+    <dgm:txEffectClrLst/>
+  </dgm:styleLbl>
+  <dgm:styleLbl name="alignAccFollowNode1">
+    <dgm:fillClrLst meth="repeat">
+      <a:schemeClr val="accent2">
+        <a:tint val="40000"/>
+        <a:alpha val="90000"/>
+      </a:schemeClr>
+      <a:schemeClr val="accent3">
+        <a:tint val="40000"/>
+        <a:alpha val="90000"/>
+      </a:schemeClr>
+      <a:schemeClr val="accent4">
+        <a:tint val="40000"/>
+        <a:alpha val="90000"/>
+      </a:schemeClr>
+      <a:schemeClr val="accent5">
+        <a:tint val="40000"/>
+        <a:alpha val="90000"/>
+      </a:schemeClr>
+      <a:schemeClr val="accent6">
+        <a:tint val="40000"/>
+        <a:alpha val="90000"/>
+      </a:schemeClr>
+    </dgm:fillClrLst>
+    <dgm:linClrLst meth="repeat">
+      <a:schemeClr val="accent2">
+        <a:tint val="40000"/>
+        <a:alpha val="90000"/>
+      </a:schemeClr>
+      <a:schemeClr val="accent3">
+        <a:tint val="40000"/>
+        <a:alpha val="90000"/>
+      </a:schemeClr>
+      <a:schemeClr val="accent4">
+        <a:tint val="40000"/>
+        <a:alpha val="90000"/>
+      </a:schemeClr>
+      <a:schemeClr val="accent5">
+        <a:tint val="40000"/>
+        <a:alpha val="90000"/>
+      </a:schemeClr>
+      <a:schemeClr val="accent6">
+        <a:tint val="40000"/>
+        <a:alpha val="90000"/>
+      </a:schemeClr>
+    </dgm:linClrLst>
+    <dgm:effectClrLst/>
+    <dgm:txLinClrLst/>
+    <dgm:txFillClrLst meth="repeat">
+      <a:schemeClr val="dk1"/>
+    </dgm:txFillClrLst>
+    <dgm:txEffectClrLst/>
+  </dgm:styleLbl>
+  <dgm:styleLbl name="bgAccFollowNode1">
+    <dgm:fillClrLst meth="repeat">
+      <a:schemeClr val="accent2">
+        <a:tint val="40000"/>
+        <a:alpha val="90000"/>
+      </a:schemeClr>
+      <a:schemeClr val="accent3">
+        <a:tint val="40000"/>
+        <a:alpha val="90000"/>
+      </a:schemeClr>
+      <a:schemeClr val="accent4">
+        <a:tint val="40000"/>
+        <a:alpha val="90000"/>
+      </a:schemeClr>
+      <a:schemeClr val="accent5">
+        <a:tint val="40000"/>
+        <a:alpha val="90000"/>
+      </a:schemeClr>
+      <a:schemeClr val="accent6">
+        <a:tint val="40000"/>
+        <a:alpha val="90000"/>
+      </a:schemeClr>
+    </dgm:fillClrLst>
+    <dgm:linClrLst meth="repeat">
+      <a:schemeClr val="accent2">
+        <a:tint val="40000"/>
+        <a:alpha val="90000"/>
+      </a:schemeClr>
+      <a:schemeClr val="accent3">
+        <a:tint val="40000"/>
+        <a:alpha val="90000"/>
+      </a:schemeClr>
+      <a:schemeClr val="accent4">
+        <a:tint val="40000"/>
+        <a:alpha val="90000"/>
+      </a:schemeClr>
+      <a:schemeClr val="accent5">
+        <a:tint val="40000"/>
+        <a:alpha val="90000"/>
+      </a:schemeClr>
+      <a:schemeClr val="accent6">
+        <a:tint val="40000"/>
+        <a:alpha val="90000"/>
+      </a:schemeClr>
+    </dgm:linClrLst>
+    <dgm:effectClrLst/>
+    <dgm:txLinClrLst/>
+    <dgm:txFillClrLst meth="repeat">
+      <a:schemeClr val="dk1"/>
+    </dgm:txFillClrLst>
+    <dgm:txEffectClrLst/>
+  </dgm:styleLbl>
+  <dgm:styleLbl name="fgAcc0">
+    <dgm:fillClrLst meth="repeat">
+      <a:schemeClr val="lt1">
+        <a:alpha val="90000"/>
+      </a:schemeClr>
+    </dgm:fillClrLst>
+    <dgm:linClrLst>
+      <a:schemeClr val="accent1"/>
+    </dgm:linClrLst>
+    <dgm:effectClrLst/>
+    <dgm:txLinClrLst/>
+    <dgm:txFillClrLst meth="repeat">
+      <a:schemeClr val="dk1"/>
+    </dgm:txFillClrLst>
+    <dgm:txEffectClrLst/>
+  </dgm:styleLbl>
+  <dgm:styleLbl name="fgAcc2">
+    <dgm:fillClrLst meth="repeat">
+      <a:schemeClr val="lt1">
+        <a:alpha val="90000"/>
+      </a:schemeClr>
+    </dgm:fillClrLst>
+    <dgm:linClrLst>
+      <a:schemeClr val="accent2"/>
+    </dgm:linClrLst>
+    <dgm:effectClrLst/>
+    <dgm:txLinClrLst/>
+    <dgm:txFillClrLst meth="repeat">
+      <a:schemeClr val="dk1"/>
+    </dgm:txFillClrLst>
+    <dgm:txEffectClrLst/>
+  </dgm:styleLbl>
+  <dgm:styleLbl name="fgAcc3">
+    <dgm:fillClrLst meth="repeat">
+      <a:schemeClr val="lt1">
+        <a:alpha val="90000"/>
+      </a:schemeClr>
+    </dgm:fillClrLst>
+    <dgm:linClrLst>
+      <a:schemeClr val="accent3"/>
+    </dgm:linClrLst>
+    <dgm:effectClrLst/>
+    <dgm:txLinClrLst/>
+    <dgm:txFillClrLst meth="repeat">
+      <a:schemeClr val="dk1"/>
+    </dgm:txFillClrLst>
+    <dgm:txEffectClrLst/>
+  </dgm:styleLbl>
+  <dgm:styleLbl name="fgAcc4">
+    <dgm:fillClrLst meth="repeat">
+      <a:schemeClr val="lt1">
+        <a:alpha val="90000"/>
+      </a:schemeClr>
+    </dgm:fillClrLst>
+    <dgm:linClrLst>
+      <a:schemeClr val="accent4"/>
+    </dgm:linClrLst>
+    <dgm:effectClrLst/>
+    <dgm:txLinClrLst/>
+    <dgm:txFillClrLst meth="repeat">
+      <a:schemeClr val="dk1"/>
+    </dgm:txFillClrLst>
+    <dgm:txEffectClrLst/>
+  </dgm:styleLbl>
+  <dgm:styleLbl name="bgShp">
+    <dgm:fillClrLst meth="repeat">
+      <a:schemeClr val="accent2">
+        <a:tint val="40000"/>
+      </a:schemeClr>
+    </dgm:fillClrLst>
+    <dgm:linClrLst meth="repeat">
+      <a:schemeClr val="dk1"/>
+    </dgm:linClrLst>
+    <dgm:effectClrLst/>
+    <dgm:txLinClrLst/>
+    <dgm:txFillClrLst meth="repeat">
+      <a:schemeClr val="dk1"/>
+    </dgm:txFillClrLst>
+    <dgm:txEffectClrLst/>
+  </dgm:styleLbl>
+  <dgm:styleLbl name="dkBgShp">
+    <dgm:fillClrLst meth="repeat">
+      <a:schemeClr val="accent2">
+        <a:shade val="90000"/>
+      </a:schemeClr>
+    </dgm:fillClrLst>
+    <dgm:linClrLst meth="repeat">
+      <a:schemeClr val="dk1"/>
+    </dgm:linClrLst>
+    <dgm:effectClrLst/>
+    <dgm:txLinClrLst/>
+    <dgm:txFillClrLst meth="repeat">
+      <a:schemeClr val="lt1"/>
+    </dgm:txFillClrLst>
+    <dgm:txEffectClrLst/>
+  </dgm:styleLbl>
+  <dgm:styleLbl name="trBgShp">
+    <dgm:fillClrLst meth="repeat">
+      <a:schemeClr val="accent1">
+        <a:tint val="50000"/>
+        <a:alpha val="40000"/>
+      </a:schemeClr>
+    </dgm:fillClrLst>
+    <dgm:linClrLst meth="repeat">
+      <a:schemeClr val="accent2"/>
+    </dgm:linClrLst>
+    <dgm:effectClrLst/>
+    <dgm:txLinClrLst/>
+    <dgm:txFillClrLst meth="repeat">
+      <a:schemeClr val="lt1"/>
+    </dgm:txFillClrLst>
+    <dgm:txEffectClrLst/>
+  </dgm:styleLbl>
+  <dgm:styleLbl name="fgShp">
+    <dgm:fillClrLst meth="repeat">
+      <a:schemeClr val="accent2">
+        <a:tint val="40000"/>
+      </a:schemeClr>
+    </dgm:fillClrLst>
+    <dgm:linClrLst meth="repeat">
+      <a:schemeClr val="lt1"/>
+    </dgm:linClrLst>
+    <dgm:effectClrLst/>
+    <dgm:txLinClrLst/>
+    <dgm:txFillClrLst meth="repeat">
+      <a:schemeClr val="dk1"/>
+    </dgm:txFillClrLst>
+    <dgm:txEffectClrLst/>
+  </dgm:styleLbl>
+  <dgm:styleLbl name="revTx">
+    <dgm:fillClrLst meth="repeat">
+      <a:schemeClr val="lt1">
+        <a:alpha val="0"/>
+      </a:schemeClr>
+    </dgm:fillClrLst>
+    <dgm:linClrLst meth="repeat">
+      <a:schemeClr val="dk1">
+        <a:alpha val="0"/>
+      </a:schemeClr>
+    </dgm:linClrLst>
+    <dgm:effectClrLst/>
+    <dgm:txLinClrLst/>
+    <dgm:txFillClrLst meth="repeat">
+      <a:schemeClr val="tx1"/>
+    </dgm:txFillClrLst>
+    <dgm:txEffectClrLst/>
+  </dgm:styleLbl>
+</dgm:colorsDef>
+</file>
+
 <file path=ppt/diagrams/data1.xml><?xml version="1.0" encoding="utf-8"?>
+<dgm:dataModel xmlns:dgm="http://schemas.openxmlformats.org/drawingml/2006/diagram" xmlns:a="http://schemas.openxmlformats.org/drawingml/2006/main">
+  <dgm:ptLst>
+    <dgm:pt modelId="{63198318-69C5-4DEF-9C54-2CE9F983E48C}" type="doc">
+      <dgm:prSet loTypeId="urn:microsoft.com/office/officeart/2005/8/layout/vList2" loCatId="list" qsTypeId="urn:microsoft.com/office/officeart/2005/8/quickstyle/simple4" qsCatId="simple" csTypeId="urn:microsoft.com/office/officeart/2005/8/colors/colorful1" csCatId="colorful"/>
+      <dgm:spPr/>
+      <dgm:t>
+        <a:bodyPr/>
+        <a:lstStyle/>
+        <a:p>
+          <a:endParaRPr lang="en-US"/>
+        </a:p>
+      </dgm:t>
+    </dgm:pt>
+    <dgm:pt modelId="{C5648127-4B3E-428F-AD0A-AFF6C28B8DE2}">
+      <dgm:prSet/>
+      <dgm:spPr/>
+      <dgm:t>
+        <a:bodyPr/>
+        <a:lstStyle/>
+        <a:p>
+          <a:r>
+            <a:rPr lang="de-DE"/>
+            <a:t>Vorstand</a:t>
+          </a:r>
+          <a:endParaRPr lang="en-US"/>
+        </a:p>
+      </dgm:t>
+    </dgm:pt>
+    <dgm:pt modelId="{FEED7AF0-98BA-43ED-AD60-3EAACD6FA839}" type="parTrans" cxnId="{B54F51DB-A38F-4D09-AE90-5129F91DF164}">
+      <dgm:prSet/>
+      <dgm:spPr/>
+      <dgm:t>
+        <a:bodyPr/>
+        <a:lstStyle/>
+        <a:p>
+          <a:endParaRPr lang="en-US"/>
+        </a:p>
+      </dgm:t>
+    </dgm:pt>
+    <dgm:pt modelId="{743BA20E-DE5C-4FDB-8799-DA201DE6AD88}" type="sibTrans" cxnId="{B54F51DB-A38F-4D09-AE90-5129F91DF164}">
+      <dgm:prSet/>
+      <dgm:spPr/>
+      <dgm:t>
+        <a:bodyPr/>
+        <a:lstStyle/>
+        <a:p>
+          <a:endParaRPr lang="en-US"/>
+        </a:p>
+      </dgm:t>
+    </dgm:pt>
+    <dgm:pt modelId="{D3392085-368E-433E-BB3B-856E9DAC0845}">
+      <dgm:prSet/>
+      <dgm:spPr/>
+      <dgm:t>
+        <a:bodyPr/>
+        <a:lstStyle/>
+        <a:p>
+          <a:r>
+            <a:rPr lang="de-DE"/>
+            <a:t>Management </a:t>
+          </a:r>
+          <a:endParaRPr lang="en-US"/>
+        </a:p>
+      </dgm:t>
+    </dgm:pt>
+    <dgm:pt modelId="{EB7D650D-D58A-40B9-A1C4-F2764DC548C1}" type="parTrans" cxnId="{6BE89979-51F3-4BF7-9174-5C0A4A62CB25}">
+      <dgm:prSet/>
+      <dgm:spPr/>
+      <dgm:t>
+        <a:bodyPr/>
+        <a:lstStyle/>
+        <a:p>
+          <a:endParaRPr lang="en-US"/>
+        </a:p>
+      </dgm:t>
+    </dgm:pt>
+    <dgm:pt modelId="{950745B0-831E-4CFD-8D22-2D4D4EA12C41}" type="sibTrans" cxnId="{6BE89979-51F3-4BF7-9174-5C0A4A62CB25}">
+      <dgm:prSet/>
+      <dgm:spPr/>
+      <dgm:t>
+        <a:bodyPr/>
+        <a:lstStyle/>
+        <a:p>
+          <a:endParaRPr lang="en-US"/>
+        </a:p>
+      </dgm:t>
+    </dgm:pt>
+    <dgm:pt modelId="{437103CC-D617-4353-B8DA-8DBABB669A52}">
+      <dgm:prSet/>
+      <dgm:spPr/>
+      <dgm:t>
+        <a:bodyPr/>
+        <a:lstStyle/>
+        <a:p>
+          <a:r>
+            <a:rPr lang="de-DE"/>
+            <a:t>Projektleitung</a:t>
+          </a:r>
+          <a:endParaRPr lang="en-US"/>
+        </a:p>
+      </dgm:t>
+    </dgm:pt>
+    <dgm:pt modelId="{AC5E9E9C-FC69-4D07-B3A0-BBB09A08671A}" type="parTrans" cxnId="{D1924F68-6984-46A8-B17A-16F691652555}">
+      <dgm:prSet/>
+      <dgm:spPr/>
+      <dgm:t>
+        <a:bodyPr/>
+        <a:lstStyle/>
+        <a:p>
+          <a:endParaRPr lang="en-US"/>
+        </a:p>
+      </dgm:t>
+    </dgm:pt>
+    <dgm:pt modelId="{ECDAA145-B73E-4CF5-8DDE-8DB7947EAF89}" type="sibTrans" cxnId="{D1924F68-6984-46A8-B17A-16F691652555}">
+      <dgm:prSet/>
+      <dgm:spPr/>
+      <dgm:t>
+        <a:bodyPr/>
+        <a:lstStyle/>
+        <a:p>
+          <a:endParaRPr lang="en-US"/>
+        </a:p>
+      </dgm:t>
+    </dgm:pt>
+    <dgm:pt modelId="{808D6C0A-0F4A-4929-8FB7-F2587BBF91FA}">
+      <dgm:prSet/>
+      <dgm:spPr/>
+      <dgm:t>
+        <a:bodyPr/>
+        <a:lstStyle/>
+        <a:p>
+          <a:r>
+            <a:rPr lang="de-DE"/>
+            <a:t>Entwicklung </a:t>
+          </a:r>
+          <a:endParaRPr lang="en-US"/>
+        </a:p>
+      </dgm:t>
+    </dgm:pt>
+    <dgm:pt modelId="{A74FA677-588F-4134-92EC-164700481F1B}" type="parTrans" cxnId="{26098E1E-8AF4-4261-8E24-01E9785B9B0D}">
+      <dgm:prSet/>
+      <dgm:spPr/>
+      <dgm:t>
+        <a:bodyPr/>
+        <a:lstStyle/>
+        <a:p>
+          <a:endParaRPr lang="en-US"/>
+        </a:p>
+      </dgm:t>
+    </dgm:pt>
+    <dgm:pt modelId="{6577255F-A7DA-44F0-A617-8E9813DE8675}" type="sibTrans" cxnId="{26098E1E-8AF4-4261-8E24-01E9785B9B0D}">
+      <dgm:prSet/>
+      <dgm:spPr/>
+      <dgm:t>
+        <a:bodyPr/>
+        <a:lstStyle/>
+        <a:p>
+          <a:endParaRPr lang="en-US"/>
+        </a:p>
+      </dgm:t>
+    </dgm:pt>
+    <dgm:pt modelId="{132B4BB6-8E67-4417-A62D-10D8FF450683}">
+      <dgm:prSet/>
+      <dgm:spPr/>
+      <dgm:t>
+        <a:bodyPr/>
+        <a:lstStyle/>
+        <a:p>
+          <a:r>
+            <a:rPr lang="de-DE"/>
+            <a:t>Architektur </a:t>
+          </a:r>
+          <a:endParaRPr lang="en-US"/>
+        </a:p>
+      </dgm:t>
+    </dgm:pt>
+    <dgm:pt modelId="{C8B261AF-4E6E-4B25-8FE2-73B5D197C5D8}" type="parTrans" cxnId="{AC28BD22-3C15-4FA7-85D1-8159C3934604}">
+      <dgm:prSet/>
+      <dgm:spPr/>
+      <dgm:t>
+        <a:bodyPr/>
+        <a:lstStyle/>
+        <a:p>
+          <a:endParaRPr lang="en-US"/>
+        </a:p>
+      </dgm:t>
+    </dgm:pt>
+    <dgm:pt modelId="{33F3575D-3DC4-4084-B8B8-161745970C7D}" type="sibTrans" cxnId="{AC28BD22-3C15-4FA7-85D1-8159C3934604}">
+      <dgm:prSet/>
+      <dgm:spPr/>
+      <dgm:t>
+        <a:bodyPr/>
+        <a:lstStyle/>
+        <a:p>
+          <a:endParaRPr lang="en-US"/>
+        </a:p>
+      </dgm:t>
+    </dgm:pt>
+    <dgm:pt modelId="{B9DC0C3C-8646-4E31-8FCD-1118D65464A7}" type="pres">
+      <dgm:prSet presAssocID="{63198318-69C5-4DEF-9C54-2CE9F983E48C}" presName="linear" presStyleCnt="0">
+        <dgm:presLayoutVars>
+          <dgm:animLvl val="lvl"/>
+          <dgm:resizeHandles val="exact"/>
+        </dgm:presLayoutVars>
+      </dgm:prSet>
+      <dgm:spPr/>
+    </dgm:pt>
+    <dgm:pt modelId="{3D02D170-2803-47FD-AAD8-852A45E07617}" type="pres">
+      <dgm:prSet presAssocID="{C5648127-4B3E-428F-AD0A-AFF6C28B8DE2}" presName="parentText" presStyleLbl="node1" presStyleIdx="0" presStyleCnt="5">
+        <dgm:presLayoutVars>
+          <dgm:chMax val="0"/>
+          <dgm:bulletEnabled val="1"/>
+        </dgm:presLayoutVars>
+      </dgm:prSet>
+      <dgm:spPr/>
+    </dgm:pt>
+    <dgm:pt modelId="{3C8C2147-B804-4D5F-A486-DAA948159533}" type="pres">
+      <dgm:prSet presAssocID="{743BA20E-DE5C-4FDB-8799-DA201DE6AD88}" presName="spacer" presStyleCnt="0"/>
+      <dgm:spPr/>
+    </dgm:pt>
+    <dgm:pt modelId="{B7AEB746-B8D9-4CB0-ABB4-8EA4A1ED6405}" type="pres">
+      <dgm:prSet presAssocID="{D3392085-368E-433E-BB3B-856E9DAC0845}" presName="parentText" presStyleLbl="node1" presStyleIdx="1" presStyleCnt="5">
+        <dgm:presLayoutVars>
+          <dgm:chMax val="0"/>
+          <dgm:bulletEnabled val="1"/>
+        </dgm:presLayoutVars>
+      </dgm:prSet>
+      <dgm:spPr/>
+    </dgm:pt>
+    <dgm:pt modelId="{56FC7B19-5E5F-41C1-99E4-59376F1AF541}" type="pres">
+      <dgm:prSet presAssocID="{950745B0-831E-4CFD-8D22-2D4D4EA12C41}" presName="spacer" presStyleCnt="0"/>
+      <dgm:spPr/>
+    </dgm:pt>
+    <dgm:pt modelId="{C19AE5A9-D15C-40C1-A30E-481F41D253E8}" type="pres">
+      <dgm:prSet presAssocID="{437103CC-D617-4353-B8DA-8DBABB669A52}" presName="parentText" presStyleLbl="node1" presStyleIdx="2" presStyleCnt="5">
+        <dgm:presLayoutVars>
+          <dgm:chMax val="0"/>
+          <dgm:bulletEnabled val="1"/>
+        </dgm:presLayoutVars>
+      </dgm:prSet>
+      <dgm:spPr/>
+    </dgm:pt>
+    <dgm:pt modelId="{D659D058-BF3F-4B03-9A27-19DEC5BBB06F}" type="pres">
+      <dgm:prSet presAssocID="{ECDAA145-B73E-4CF5-8DDE-8DB7947EAF89}" presName="spacer" presStyleCnt="0"/>
+      <dgm:spPr/>
+    </dgm:pt>
+    <dgm:pt modelId="{D0FC054E-F923-4885-BE45-7487DBFD4E34}" type="pres">
+      <dgm:prSet presAssocID="{808D6C0A-0F4A-4929-8FB7-F2587BBF91FA}" presName="parentText" presStyleLbl="node1" presStyleIdx="3" presStyleCnt="5">
+        <dgm:presLayoutVars>
+          <dgm:chMax val="0"/>
+          <dgm:bulletEnabled val="1"/>
+        </dgm:presLayoutVars>
+      </dgm:prSet>
+      <dgm:spPr/>
+    </dgm:pt>
+    <dgm:pt modelId="{994DF711-33E5-40A4-AF4B-CDAF0C9640A6}" type="pres">
+      <dgm:prSet presAssocID="{6577255F-A7DA-44F0-A617-8E9813DE8675}" presName="spacer" presStyleCnt="0"/>
+      <dgm:spPr/>
+    </dgm:pt>
+    <dgm:pt modelId="{213B8533-49BE-4629-A411-0CE85952FEA7}" type="pres">
+      <dgm:prSet presAssocID="{132B4BB6-8E67-4417-A62D-10D8FF450683}" presName="parentText" presStyleLbl="node1" presStyleIdx="4" presStyleCnt="5">
+        <dgm:presLayoutVars>
+          <dgm:chMax val="0"/>
+          <dgm:bulletEnabled val="1"/>
+        </dgm:presLayoutVars>
+      </dgm:prSet>
+      <dgm:spPr/>
+    </dgm:pt>
+  </dgm:ptLst>
+  <dgm:cxnLst>
+    <dgm:cxn modelId="{DCFE6C1C-786B-4258-B5C6-7F32A1AC51FF}" type="presOf" srcId="{808D6C0A-0F4A-4929-8FB7-F2587BBF91FA}" destId="{D0FC054E-F923-4885-BE45-7487DBFD4E34}" srcOrd="0" destOrd="0" presId="urn:microsoft.com/office/officeart/2005/8/layout/vList2"/>
+    <dgm:cxn modelId="{26098E1E-8AF4-4261-8E24-01E9785B9B0D}" srcId="{63198318-69C5-4DEF-9C54-2CE9F983E48C}" destId="{808D6C0A-0F4A-4929-8FB7-F2587BBF91FA}" srcOrd="3" destOrd="0" parTransId="{A74FA677-588F-4134-92EC-164700481F1B}" sibTransId="{6577255F-A7DA-44F0-A617-8E9813DE8675}"/>
+    <dgm:cxn modelId="{AC28BD22-3C15-4FA7-85D1-8159C3934604}" srcId="{63198318-69C5-4DEF-9C54-2CE9F983E48C}" destId="{132B4BB6-8E67-4417-A62D-10D8FF450683}" srcOrd="4" destOrd="0" parTransId="{C8B261AF-4E6E-4B25-8FE2-73B5D197C5D8}" sibTransId="{33F3575D-3DC4-4084-B8B8-161745970C7D}"/>
+    <dgm:cxn modelId="{D1924F68-6984-46A8-B17A-16F691652555}" srcId="{63198318-69C5-4DEF-9C54-2CE9F983E48C}" destId="{437103CC-D617-4353-B8DA-8DBABB669A52}" srcOrd="2" destOrd="0" parTransId="{AC5E9E9C-FC69-4D07-B3A0-BBB09A08671A}" sibTransId="{ECDAA145-B73E-4CF5-8DDE-8DB7947EAF89}"/>
+    <dgm:cxn modelId="{41A74A6E-71B4-4EB9-BB44-36CB27EE8B67}" type="presOf" srcId="{437103CC-D617-4353-B8DA-8DBABB669A52}" destId="{C19AE5A9-D15C-40C1-A30E-481F41D253E8}" srcOrd="0" destOrd="0" presId="urn:microsoft.com/office/officeart/2005/8/layout/vList2"/>
+    <dgm:cxn modelId="{6BE89979-51F3-4BF7-9174-5C0A4A62CB25}" srcId="{63198318-69C5-4DEF-9C54-2CE9F983E48C}" destId="{D3392085-368E-433E-BB3B-856E9DAC0845}" srcOrd="1" destOrd="0" parTransId="{EB7D650D-D58A-40B9-A1C4-F2764DC548C1}" sibTransId="{950745B0-831E-4CFD-8D22-2D4D4EA12C41}"/>
+    <dgm:cxn modelId="{E5DBCC94-A51A-4C79-A2B3-0D22969C9509}" type="presOf" srcId="{C5648127-4B3E-428F-AD0A-AFF6C28B8DE2}" destId="{3D02D170-2803-47FD-AAD8-852A45E07617}" srcOrd="0" destOrd="0" presId="urn:microsoft.com/office/officeart/2005/8/layout/vList2"/>
+    <dgm:cxn modelId="{B54F51DB-A38F-4D09-AE90-5129F91DF164}" srcId="{63198318-69C5-4DEF-9C54-2CE9F983E48C}" destId="{C5648127-4B3E-428F-AD0A-AFF6C28B8DE2}" srcOrd="0" destOrd="0" parTransId="{FEED7AF0-98BA-43ED-AD60-3EAACD6FA839}" sibTransId="{743BA20E-DE5C-4FDB-8799-DA201DE6AD88}"/>
+    <dgm:cxn modelId="{0F8317E4-5C13-4060-AD32-06D033CB6D58}" type="presOf" srcId="{63198318-69C5-4DEF-9C54-2CE9F983E48C}" destId="{B9DC0C3C-8646-4E31-8FCD-1118D65464A7}" srcOrd="0" destOrd="0" presId="urn:microsoft.com/office/officeart/2005/8/layout/vList2"/>
+    <dgm:cxn modelId="{573B81E4-1693-4B7B-8C96-E7A990F83277}" type="presOf" srcId="{D3392085-368E-433E-BB3B-856E9DAC0845}" destId="{B7AEB746-B8D9-4CB0-ABB4-8EA4A1ED6405}" srcOrd="0" destOrd="0" presId="urn:microsoft.com/office/officeart/2005/8/layout/vList2"/>
+    <dgm:cxn modelId="{556C1EFB-FA5C-42A4-BF4B-51A6F38AF042}" type="presOf" srcId="{132B4BB6-8E67-4417-A62D-10D8FF450683}" destId="{213B8533-49BE-4629-A411-0CE85952FEA7}" srcOrd="0" destOrd="0" presId="urn:microsoft.com/office/officeart/2005/8/layout/vList2"/>
+    <dgm:cxn modelId="{3E71820A-04AD-429F-857D-FB7B8657FC0A}" type="presParOf" srcId="{B9DC0C3C-8646-4E31-8FCD-1118D65464A7}" destId="{3D02D170-2803-47FD-AAD8-852A45E07617}" srcOrd="0" destOrd="0" presId="urn:microsoft.com/office/officeart/2005/8/layout/vList2"/>
+    <dgm:cxn modelId="{6E916B24-B841-4155-A8FC-D22E220EA625}" type="presParOf" srcId="{B9DC0C3C-8646-4E31-8FCD-1118D65464A7}" destId="{3C8C2147-B804-4D5F-A486-DAA948159533}" srcOrd="1" destOrd="0" presId="urn:microsoft.com/office/officeart/2005/8/layout/vList2"/>
+    <dgm:cxn modelId="{53C302C1-BD34-464F-B036-9483CE2C6CD7}" type="presParOf" srcId="{B9DC0C3C-8646-4E31-8FCD-1118D65464A7}" destId="{B7AEB746-B8D9-4CB0-ABB4-8EA4A1ED6405}" srcOrd="2" destOrd="0" presId="urn:microsoft.com/office/officeart/2005/8/layout/vList2"/>
+    <dgm:cxn modelId="{8088FC76-6B53-4AE7-BF04-8858345EB451}" type="presParOf" srcId="{B9DC0C3C-8646-4E31-8FCD-1118D65464A7}" destId="{56FC7B19-5E5F-41C1-99E4-59376F1AF541}" srcOrd="3" destOrd="0" presId="urn:microsoft.com/office/officeart/2005/8/layout/vList2"/>
+    <dgm:cxn modelId="{E3B06AE4-91D4-420B-8659-BED65DB49325}" type="presParOf" srcId="{B9DC0C3C-8646-4E31-8FCD-1118D65464A7}" destId="{C19AE5A9-D15C-40C1-A30E-481F41D253E8}" srcOrd="4" destOrd="0" presId="urn:microsoft.com/office/officeart/2005/8/layout/vList2"/>
+    <dgm:cxn modelId="{3EF32DC0-6A55-4452-9E7A-76889E323B69}" type="presParOf" srcId="{B9DC0C3C-8646-4E31-8FCD-1118D65464A7}" destId="{D659D058-BF3F-4B03-9A27-19DEC5BBB06F}" srcOrd="5" destOrd="0" presId="urn:microsoft.com/office/officeart/2005/8/layout/vList2"/>
+    <dgm:cxn modelId="{F8C576D5-BC2E-4219-B0DE-1F34C33AD044}" type="presParOf" srcId="{B9DC0C3C-8646-4E31-8FCD-1118D65464A7}" destId="{D0FC054E-F923-4885-BE45-7487DBFD4E34}" srcOrd="6" destOrd="0" presId="urn:microsoft.com/office/officeart/2005/8/layout/vList2"/>
+    <dgm:cxn modelId="{679C619C-6BA0-4BF3-8FE1-2D4DAD809794}" type="presParOf" srcId="{B9DC0C3C-8646-4E31-8FCD-1118D65464A7}" destId="{994DF711-33E5-40A4-AF4B-CDAF0C9640A6}" srcOrd="7" destOrd="0" presId="urn:microsoft.com/office/officeart/2005/8/layout/vList2"/>
+    <dgm:cxn modelId="{4F87A622-0AE9-4BB4-884B-BAD27A7F59B5}" type="presParOf" srcId="{B9DC0C3C-8646-4E31-8FCD-1118D65464A7}" destId="{213B8533-49BE-4629-A411-0CE85952FEA7}" srcOrd="8" destOrd="0" presId="urn:microsoft.com/office/officeart/2005/8/layout/vList2"/>
+  </dgm:cxnLst>
+  <dgm:bg/>
+  <dgm:whole/>
+  <dgm:extLst>
+    <a:ext uri="http://schemas.microsoft.com/office/drawing/2008/diagram">
+      <dsp:dataModelExt xmlns:dsp="http://schemas.microsoft.com/office/drawing/2008/diagram" relId="rId6" minVer="http://schemas.openxmlformats.org/drawingml/2006/diagram"/>
+    </a:ext>
+  </dgm:extLst>
+</dgm:dataModel>
+</file>
+
+<file path=ppt/diagrams/data2.xml><?xml version="1.0" encoding="utf-8"?>
 <dgm:dataModel xmlns:dgm="http://schemas.openxmlformats.org/drawingml/2006/diagram" xmlns:a="http://schemas.openxmlformats.org/drawingml/2006/main">
   <dgm:ptLst>
     <dgm:pt modelId="{9D11B5CC-94C0-4F9D-B9D3-67A9EC5199C0}" type="doc">
@@ -5158,7 +6479,7 @@
 </dgm:dataModel>
 </file>
 
-<file path=ppt/diagrams/data2.xml><?xml version="1.0" encoding="utf-8"?>
+<file path=ppt/diagrams/data3.xml><?xml version="1.0" encoding="utf-8"?>
 <dgm:dataModel xmlns:dgm="http://schemas.openxmlformats.org/drawingml/2006/diagram" xmlns:a="http://schemas.openxmlformats.org/drawingml/2006/main">
   <dgm:ptLst>
     <dgm:pt modelId="{FB246277-2879-4186-81E0-BFD213707F89}" type="doc">
@@ -5406,7 +6727,7 @@
 </dgm:dataModel>
 </file>
 
-<file path=ppt/diagrams/data3.xml><?xml version="1.0" encoding="utf-8"?>
+<file path=ppt/diagrams/data4.xml><?xml version="1.0" encoding="utf-8"?>
 <dgm:dataModel xmlns:dgm="http://schemas.openxmlformats.org/drawingml/2006/diagram" xmlns:a="http://schemas.openxmlformats.org/drawingml/2006/main">
   <dgm:ptLst>
     <dgm:pt modelId="{E9BAA5B2-2384-4DB7-885A-867852B277EE}" type="doc">
@@ -5828,7 +7149,7 @@
 </dgm:dataModel>
 </file>
 
-<file path=ppt/diagrams/data4.xml><?xml version="1.0" encoding="utf-8"?>
+<file path=ppt/diagrams/data5.xml><?xml version="1.0" encoding="utf-8"?>
 <dgm:dataModel xmlns:dgm="http://schemas.openxmlformats.org/drawingml/2006/diagram" xmlns:a="http://schemas.openxmlformats.org/drawingml/2006/main">
   <dgm:ptLst>
     <dgm:pt modelId="{11F54F72-7167-4092-BAF6-FF00231EC1F2}" type="doc">
@@ -5962,7 +7283,7 @@
         <a:p>
           <a:r>
             <a:rPr lang="de-DE" dirty="0"/>
-            <a:t>Suchfunktion </a:t>
+            <a:t>Responsive </a:t>
           </a:r>
           <a:endParaRPr lang="en-US" dirty="0"/>
         </a:p>
@@ -6076,11 +7397,11 @@
 </dgm:dataModel>
 </file>
 
-<file path=ppt/diagrams/data5.xml><?xml version="1.0" encoding="utf-8"?>
+<file path=ppt/diagrams/data6.xml><?xml version="1.0" encoding="utf-8"?>
 <dgm:dataModel xmlns:dgm="http://schemas.openxmlformats.org/drawingml/2006/diagram" xmlns:a="http://schemas.openxmlformats.org/drawingml/2006/main">
   <dgm:ptLst>
     <dgm:pt modelId="{84FE37E9-90D4-4582-A1A7-CA5C7F26955F}" type="doc">
-      <dgm:prSet loTypeId="urn:microsoft.com/office/officeart/2005/8/layout/vList2" loCatId="list" qsTypeId="urn:microsoft.com/office/officeart/2005/8/quickstyle/simple4" qsCatId="simple" csTypeId="urn:microsoft.com/office/officeart/2005/8/colors/colorful1" csCatId="colorful"/>
+      <dgm:prSet loTypeId="urn:microsoft.com/office/officeart/2005/8/layout/vList2" loCatId="list" qsTypeId="urn:microsoft.com/office/officeart/2005/8/quickstyle/simple4" qsCatId="simple" csTypeId="urn:microsoft.com/office/officeart/2005/8/colors/colorful1" csCatId="colorful" phldr="1"/>
       <dgm:spPr/>
       <dgm:t>
         <a:bodyPr/>
@@ -6135,10 +7456,10 @@
         <a:lstStyle/>
         <a:p>
           <a:r>
-            <a:rPr lang="de-DE"/>
-            <a:t>Strukturierung der Daten </a:t>
+            <a:rPr lang="de-DE" dirty="0"/>
+            <a:t>Echtzeitabfragen </a:t>
           </a:r>
-          <a:endParaRPr lang="en-US"/>
+          <a:endParaRPr lang="en-US" dirty="0"/>
         </a:p>
       </dgm:t>
     </dgm:pt>
@@ -6172,10 +7493,10 @@
         <a:lstStyle/>
         <a:p>
           <a:r>
-            <a:rPr lang="de-DE"/>
-            <a:t>Echtzeitabfragen </a:t>
+            <a:rPr lang="de-DE" dirty="0"/>
+            <a:t>Strukturierung der Daten  </a:t>
           </a:r>
-          <a:endParaRPr lang="en-US"/>
+          <a:endParaRPr lang="en-US" dirty="0"/>
         </a:p>
       </dgm:t>
     </dgm:pt>
@@ -6261,7 +7582,7 @@
       <dgm:spPr/>
     </dgm:pt>
     <dgm:pt modelId="{2961ED81-ABF3-4764-964E-B8D71DD833EF}" type="pres">
-      <dgm:prSet presAssocID="{09CDF47E-6066-4CA3-BDD4-3472DFF57A02}" presName="parentText" presStyleLbl="node1" presStyleIdx="1" presStyleCnt="4">
+      <dgm:prSet presAssocID="{09CDF47E-6066-4CA3-BDD4-3472DFF57A02}" presName="parentText" presStyleLbl="node1" presStyleIdx="1" presStyleCnt="4" custLinFactNeighborX="-656" custLinFactNeighborY="-33360">
         <dgm:presLayoutVars>
           <dgm:chMax val="0"/>
           <dgm:bulletEnabled val="1"/>
@@ -6325,6 +7646,518 @@
 </file>
 
 <file path=ppt/diagrams/drawing1.xml><?xml version="1.0" encoding="utf-8"?>
+<dsp:drawing xmlns:dgm="http://schemas.openxmlformats.org/drawingml/2006/diagram" xmlns:dsp="http://schemas.microsoft.com/office/drawing/2008/diagram" xmlns:a="http://schemas.openxmlformats.org/drawingml/2006/main">
+  <dsp:spTree>
+    <dsp:nvGrpSpPr>
+      <dsp:cNvPr id="0" name=""/>
+      <dsp:cNvGrpSpPr/>
+    </dsp:nvGrpSpPr>
+    <dsp:grpSpPr/>
+    <dsp:sp modelId="{3D02D170-2803-47FD-AAD8-852A45E07617}">
+      <dsp:nvSpPr>
+        <dsp:cNvPr id="0" name=""/>
+        <dsp:cNvSpPr/>
+      </dsp:nvSpPr>
+      <dsp:spPr>
+        <a:xfrm>
+          <a:off x="0" y="25717"/>
+          <a:ext cx="6089650" cy="1007370"/>
+        </a:xfrm>
+        <a:prstGeom prst="roundRect">
+          <a:avLst/>
+        </a:prstGeom>
+        <a:gradFill rotWithShape="0">
+          <a:gsLst>
+            <a:gs pos="0">
+              <a:schemeClr val="accent2">
+                <a:hueOff val="0"/>
+                <a:satOff val="0"/>
+                <a:lumOff val="0"/>
+                <a:alphaOff val="0"/>
+                <a:satMod val="103000"/>
+                <a:lumMod val="102000"/>
+                <a:tint val="94000"/>
+              </a:schemeClr>
+            </a:gs>
+            <a:gs pos="50000">
+              <a:schemeClr val="accent2">
+                <a:hueOff val="0"/>
+                <a:satOff val="0"/>
+                <a:lumOff val="0"/>
+                <a:alphaOff val="0"/>
+                <a:satMod val="110000"/>
+                <a:lumMod val="100000"/>
+                <a:shade val="100000"/>
+              </a:schemeClr>
+            </a:gs>
+            <a:gs pos="100000">
+              <a:schemeClr val="accent2">
+                <a:hueOff val="0"/>
+                <a:satOff val="0"/>
+                <a:lumOff val="0"/>
+                <a:alphaOff val="0"/>
+                <a:lumMod val="99000"/>
+                <a:satMod val="120000"/>
+                <a:shade val="78000"/>
+              </a:schemeClr>
+            </a:gs>
+          </a:gsLst>
+          <a:lin ang="5400000" scaled="0"/>
+        </a:gradFill>
+        <a:ln>
+          <a:noFill/>
+        </a:ln>
+        <a:effectLst/>
+      </dsp:spPr>
+      <dsp:style>
+        <a:lnRef idx="0">
+          <a:scrgbClr r="0" g="0" b="0"/>
+        </a:lnRef>
+        <a:fillRef idx="3">
+          <a:scrgbClr r="0" g="0" b="0"/>
+        </a:fillRef>
+        <a:effectRef idx="2">
+          <a:scrgbClr r="0" g="0" b="0"/>
+        </a:effectRef>
+        <a:fontRef idx="minor">
+          <a:schemeClr val="lt1"/>
+        </a:fontRef>
+      </dsp:style>
+      <dsp:txBody>
+        <a:bodyPr spcFirstLastPara="0" vert="horz" wrap="square" lIns="160020" tIns="160020" rIns="160020" bIns="160020" numCol="1" spcCol="1270" anchor="ctr" anchorCtr="0">
+          <a:noAutofit/>
+        </a:bodyPr>
+        <a:lstStyle/>
+        <a:p>
+          <a:pPr marL="0" lvl="0" indent="0" algn="l" defTabSz="1866900">
+            <a:lnSpc>
+              <a:spcPct val="90000"/>
+            </a:lnSpc>
+            <a:spcBef>
+              <a:spcPct val="0"/>
+            </a:spcBef>
+            <a:spcAft>
+              <a:spcPct val="35000"/>
+            </a:spcAft>
+            <a:buNone/>
+          </a:pPr>
+          <a:r>
+            <a:rPr lang="de-DE" sz="4200" kern="1200"/>
+            <a:t>Vorstand</a:t>
+          </a:r>
+          <a:endParaRPr lang="en-US" sz="4200" kern="1200"/>
+        </a:p>
+      </dsp:txBody>
+      <dsp:txXfrm>
+        <a:off x="49176" y="74893"/>
+        <a:ext cx="5991298" cy="909018"/>
+      </dsp:txXfrm>
+    </dsp:sp>
+    <dsp:sp modelId="{B7AEB746-B8D9-4CB0-ABB4-8EA4A1ED6405}">
+      <dsp:nvSpPr>
+        <dsp:cNvPr id="0" name=""/>
+        <dsp:cNvSpPr/>
+      </dsp:nvSpPr>
+      <dsp:spPr>
+        <a:xfrm>
+          <a:off x="0" y="1154047"/>
+          <a:ext cx="6089650" cy="1007370"/>
+        </a:xfrm>
+        <a:prstGeom prst="roundRect">
+          <a:avLst/>
+        </a:prstGeom>
+        <a:gradFill rotWithShape="0">
+          <a:gsLst>
+            <a:gs pos="0">
+              <a:schemeClr val="accent3">
+                <a:hueOff val="0"/>
+                <a:satOff val="0"/>
+                <a:lumOff val="0"/>
+                <a:alphaOff val="0"/>
+                <a:satMod val="103000"/>
+                <a:lumMod val="102000"/>
+                <a:tint val="94000"/>
+              </a:schemeClr>
+            </a:gs>
+            <a:gs pos="50000">
+              <a:schemeClr val="accent3">
+                <a:hueOff val="0"/>
+                <a:satOff val="0"/>
+                <a:lumOff val="0"/>
+                <a:alphaOff val="0"/>
+                <a:satMod val="110000"/>
+                <a:lumMod val="100000"/>
+                <a:shade val="100000"/>
+              </a:schemeClr>
+            </a:gs>
+            <a:gs pos="100000">
+              <a:schemeClr val="accent3">
+                <a:hueOff val="0"/>
+                <a:satOff val="0"/>
+                <a:lumOff val="0"/>
+                <a:alphaOff val="0"/>
+                <a:lumMod val="99000"/>
+                <a:satMod val="120000"/>
+                <a:shade val="78000"/>
+              </a:schemeClr>
+            </a:gs>
+          </a:gsLst>
+          <a:lin ang="5400000" scaled="0"/>
+        </a:gradFill>
+        <a:ln>
+          <a:noFill/>
+        </a:ln>
+        <a:effectLst/>
+      </dsp:spPr>
+      <dsp:style>
+        <a:lnRef idx="0">
+          <a:scrgbClr r="0" g="0" b="0"/>
+        </a:lnRef>
+        <a:fillRef idx="3">
+          <a:scrgbClr r="0" g="0" b="0"/>
+        </a:fillRef>
+        <a:effectRef idx="2">
+          <a:scrgbClr r="0" g="0" b="0"/>
+        </a:effectRef>
+        <a:fontRef idx="minor">
+          <a:schemeClr val="lt1"/>
+        </a:fontRef>
+      </dsp:style>
+      <dsp:txBody>
+        <a:bodyPr spcFirstLastPara="0" vert="horz" wrap="square" lIns="160020" tIns="160020" rIns="160020" bIns="160020" numCol="1" spcCol="1270" anchor="ctr" anchorCtr="0">
+          <a:noAutofit/>
+        </a:bodyPr>
+        <a:lstStyle/>
+        <a:p>
+          <a:pPr marL="0" lvl="0" indent="0" algn="l" defTabSz="1866900">
+            <a:lnSpc>
+              <a:spcPct val="90000"/>
+            </a:lnSpc>
+            <a:spcBef>
+              <a:spcPct val="0"/>
+            </a:spcBef>
+            <a:spcAft>
+              <a:spcPct val="35000"/>
+            </a:spcAft>
+            <a:buNone/>
+          </a:pPr>
+          <a:r>
+            <a:rPr lang="de-DE" sz="4200" kern="1200"/>
+            <a:t>Management </a:t>
+          </a:r>
+          <a:endParaRPr lang="en-US" sz="4200" kern="1200"/>
+        </a:p>
+      </dsp:txBody>
+      <dsp:txXfrm>
+        <a:off x="49176" y="1203223"/>
+        <a:ext cx="5991298" cy="909018"/>
+      </dsp:txXfrm>
+    </dsp:sp>
+    <dsp:sp modelId="{C19AE5A9-D15C-40C1-A30E-481F41D253E8}">
+      <dsp:nvSpPr>
+        <dsp:cNvPr id="0" name=""/>
+        <dsp:cNvSpPr/>
+      </dsp:nvSpPr>
+      <dsp:spPr>
+        <a:xfrm>
+          <a:off x="0" y="2282377"/>
+          <a:ext cx="6089650" cy="1007370"/>
+        </a:xfrm>
+        <a:prstGeom prst="roundRect">
+          <a:avLst/>
+        </a:prstGeom>
+        <a:gradFill rotWithShape="0">
+          <a:gsLst>
+            <a:gs pos="0">
+              <a:schemeClr val="accent4">
+                <a:hueOff val="0"/>
+                <a:satOff val="0"/>
+                <a:lumOff val="0"/>
+                <a:alphaOff val="0"/>
+                <a:satMod val="103000"/>
+                <a:lumMod val="102000"/>
+                <a:tint val="94000"/>
+              </a:schemeClr>
+            </a:gs>
+            <a:gs pos="50000">
+              <a:schemeClr val="accent4">
+                <a:hueOff val="0"/>
+                <a:satOff val="0"/>
+                <a:lumOff val="0"/>
+                <a:alphaOff val="0"/>
+                <a:satMod val="110000"/>
+                <a:lumMod val="100000"/>
+                <a:shade val="100000"/>
+              </a:schemeClr>
+            </a:gs>
+            <a:gs pos="100000">
+              <a:schemeClr val="accent4">
+                <a:hueOff val="0"/>
+                <a:satOff val="0"/>
+                <a:lumOff val="0"/>
+                <a:alphaOff val="0"/>
+                <a:lumMod val="99000"/>
+                <a:satMod val="120000"/>
+                <a:shade val="78000"/>
+              </a:schemeClr>
+            </a:gs>
+          </a:gsLst>
+          <a:lin ang="5400000" scaled="0"/>
+        </a:gradFill>
+        <a:ln>
+          <a:noFill/>
+        </a:ln>
+        <a:effectLst/>
+      </dsp:spPr>
+      <dsp:style>
+        <a:lnRef idx="0">
+          <a:scrgbClr r="0" g="0" b="0"/>
+        </a:lnRef>
+        <a:fillRef idx="3">
+          <a:scrgbClr r="0" g="0" b="0"/>
+        </a:fillRef>
+        <a:effectRef idx="2">
+          <a:scrgbClr r="0" g="0" b="0"/>
+        </a:effectRef>
+        <a:fontRef idx="minor">
+          <a:schemeClr val="lt1"/>
+        </a:fontRef>
+      </dsp:style>
+      <dsp:txBody>
+        <a:bodyPr spcFirstLastPara="0" vert="horz" wrap="square" lIns="160020" tIns="160020" rIns="160020" bIns="160020" numCol="1" spcCol="1270" anchor="ctr" anchorCtr="0">
+          <a:noAutofit/>
+        </a:bodyPr>
+        <a:lstStyle/>
+        <a:p>
+          <a:pPr marL="0" lvl="0" indent="0" algn="l" defTabSz="1866900">
+            <a:lnSpc>
+              <a:spcPct val="90000"/>
+            </a:lnSpc>
+            <a:spcBef>
+              <a:spcPct val="0"/>
+            </a:spcBef>
+            <a:spcAft>
+              <a:spcPct val="35000"/>
+            </a:spcAft>
+            <a:buNone/>
+          </a:pPr>
+          <a:r>
+            <a:rPr lang="de-DE" sz="4200" kern="1200"/>
+            <a:t>Projektleitung</a:t>
+          </a:r>
+          <a:endParaRPr lang="en-US" sz="4200" kern="1200"/>
+        </a:p>
+      </dsp:txBody>
+      <dsp:txXfrm>
+        <a:off x="49176" y="2331553"/>
+        <a:ext cx="5991298" cy="909018"/>
+      </dsp:txXfrm>
+    </dsp:sp>
+    <dsp:sp modelId="{D0FC054E-F923-4885-BE45-7487DBFD4E34}">
+      <dsp:nvSpPr>
+        <dsp:cNvPr id="0" name=""/>
+        <dsp:cNvSpPr/>
+      </dsp:nvSpPr>
+      <dsp:spPr>
+        <a:xfrm>
+          <a:off x="0" y="3410707"/>
+          <a:ext cx="6089650" cy="1007370"/>
+        </a:xfrm>
+        <a:prstGeom prst="roundRect">
+          <a:avLst/>
+        </a:prstGeom>
+        <a:gradFill rotWithShape="0">
+          <a:gsLst>
+            <a:gs pos="0">
+              <a:schemeClr val="accent5">
+                <a:hueOff val="0"/>
+                <a:satOff val="0"/>
+                <a:lumOff val="0"/>
+                <a:alphaOff val="0"/>
+                <a:satMod val="103000"/>
+                <a:lumMod val="102000"/>
+                <a:tint val="94000"/>
+              </a:schemeClr>
+            </a:gs>
+            <a:gs pos="50000">
+              <a:schemeClr val="accent5">
+                <a:hueOff val="0"/>
+                <a:satOff val="0"/>
+                <a:lumOff val="0"/>
+                <a:alphaOff val="0"/>
+                <a:satMod val="110000"/>
+                <a:lumMod val="100000"/>
+                <a:shade val="100000"/>
+              </a:schemeClr>
+            </a:gs>
+            <a:gs pos="100000">
+              <a:schemeClr val="accent5">
+                <a:hueOff val="0"/>
+                <a:satOff val="0"/>
+                <a:lumOff val="0"/>
+                <a:alphaOff val="0"/>
+                <a:lumMod val="99000"/>
+                <a:satMod val="120000"/>
+                <a:shade val="78000"/>
+              </a:schemeClr>
+            </a:gs>
+          </a:gsLst>
+          <a:lin ang="5400000" scaled="0"/>
+        </a:gradFill>
+        <a:ln>
+          <a:noFill/>
+        </a:ln>
+        <a:effectLst/>
+      </dsp:spPr>
+      <dsp:style>
+        <a:lnRef idx="0">
+          <a:scrgbClr r="0" g="0" b="0"/>
+        </a:lnRef>
+        <a:fillRef idx="3">
+          <a:scrgbClr r="0" g="0" b="0"/>
+        </a:fillRef>
+        <a:effectRef idx="2">
+          <a:scrgbClr r="0" g="0" b="0"/>
+        </a:effectRef>
+        <a:fontRef idx="minor">
+          <a:schemeClr val="lt1"/>
+        </a:fontRef>
+      </dsp:style>
+      <dsp:txBody>
+        <a:bodyPr spcFirstLastPara="0" vert="horz" wrap="square" lIns="160020" tIns="160020" rIns="160020" bIns="160020" numCol="1" spcCol="1270" anchor="ctr" anchorCtr="0">
+          <a:noAutofit/>
+        </a:bodyPr>
+        <a:lstStyle/>
+        <a:p>
+          <a:pPr marL="0" lvl="0" indent="0" algn="l" defTabSz="1866900">
+            <a:lnSpc>
+              <a:spcPct val="90000"/>
+            </a:lnSpc>
+            <a:spcBef>
+              <a:spcPct val="0"/>
+            </a:spcBef>
+            <a:spcAft>
+              <a:spcPct val="35000"/>
+            </a:spcAft>
+            <a:buNone/>
+          </a:pPr>
+          <a:r>
+            <a:rPr lang="de-DE" sz="4200" kern="1200"/>
+            <a:t>Entwicklung </a:t>
+          </a:r>
+          <a:endParaRPr lang="en-US" sz="4200" kern="1200"/>
+        </a:p>
+      </dsp:txBody>
+      <dsp:txXfrm>
+        <a:off x="49176" y="3459883"/>
+        <a:ext cx="5991298" cy="909018"/>
+      </dsp:txXfrm>
+    </dsp:sp>
+    <dsp:sp modelId="{213B8533-49BE-4629-A411-0CE85952FEA7}">
+      <dsp:nvSpPr>
+        <dsp:cNvPr id="0" name=""/>
+        <dsp:cNvSpPr/>
+      </dsp:nvSpPr>
+      <dsp:spPr>
+        <a:xfrm>
+          <a:off x="0" y="4539037"/>
+          <a:ext cx="6089650" cy="1007370"/>
+        </a:xfrm>
+        <a:prstGeom prst="roundRect">
+          <a:avLst/>
+        </a:prstGeom>
+        <a:gradFill rotWithShape="0">
+          <a:gsLst>
+            <a:gs pos="0">
+              <a:schemeClr val="accent6">
+                <a:hueOff val="0"/>
+                <a:satOff val="0"/>
+                <a:lumOff val="0"/>
+                <a:alphaOff val="0"/>
+                <a:satMod val="103000"/>
+                <a:lumMod val="102000"/>
+                <a:tint val="94000"/>
+              </a:schemeClr>
+            </a:gs>
+            <a:gs pos="50000">
+              <a:schemeClr val="accent6">
+                <a:hueOff val="0"/>
+                <a:satOff val="0"/>
+                <a:lumOff val="0"/>
+                <a:alphaOff val="0"/>
+                <a:satMod val="110000"/>
+                <a:lumMod val="100000"/>
+                <a:shade val="100000"/>
+              </a:schemeClr>
+            </a:gs>
+            <a:gs pos="100000">
+              <a:schemeClr val="accent6">
+                <a:hueOff val="0"/>
+                <a:satOff val="0"/>
+                <a:lumOff val="0"/>
+                <a:alphaOff val="0"/>
+                <a:lumMod val="99000"/>
+                <a:satMod val="120000"/>
+                <a:shade val="78000"/>
+              </a:schemeClr>
+            </a:gs>
+          </a:gsLst>
+          <a:lin ang="5400000" scaled="0"/>
+        </a:gradFill>
+        <a:ln>
+          <a:noFill/>
+        </a:ln>
+        <a:effectLst/>
+      </dsp:spPr>
+      <dsp:style>
+        <a:lnRef idx="0">
+          <a:scrgbClr r="0" g="0" b="0"/>
+        </a:lnRef>
+        <a:fillRef idx="3">
+          <a:scrgbClr r="0" g="0" b="0"/>
+        </a:fillRef>
+        <a:effectRef idx="2">
+          <a:scrgbClr r="0" g="0" b="0"/>
+        </a:effectRef>
+        <a:fontRef idx="minor">
+          <a:schemeClr val="lt1"/>
+        </a:fontRef>
+      </dsp:style>
+      <dsp:txBody>
+        <a:bodyPr spcFirstLastPara="0" vert="horz" wrap="square" lIns="160020" tIns="160020" rIns="160020" bIns="160020" numCol="1" spcCol="1270" anchor="ctr" anchorCtr="0">
+          <a:noAutofit/>
+        </a:bodyPr>
+        <a:lstStyle/>
+        <a:p>
+          <a:pPr marL="0" lvl="0" indent="0" algn="l" defTabSz="1866900">
+            <a:lnSpc>
+              <a:spcPct val="90000"/>
+            </a:lnSpc>
+            <a:spcBef>
+              <a:spcPct val="0"/>
+            </a:spcBef>
+            <a:spcAft>
+              <a:spcPct val="35000"/>
+            </a:spcAft>
+            <a:buNone/>
+          </a:pPr>
+          <a:r>
+            <a:rPr lang="de-DE" sz="4200" kern="1200"/>
+            <a:t>Architektur </a:t>
+          </a:r>
+          <a:endParaRPr lang="en-US" sz="4200" kern="1200"/>
+        </a:p>
+      </dsp:txBody>
+      <dsp:txXfrm>
+        <a:off x="49176" y="4588213"/>
+        <a:ext cx="5991298" cy="909018"/>
+      </dsp:txXfrm>
+    </dsp:sp>
+  </dsp:spTree>
+</dsp:drawing>
+</file>
+
+<file path=ppt/diagrams/drawing2.xml><?xml version="1.0" encoding="utf-8"?>
 <dsp:drawing xmlns:dgm="http://schemas.openxmlformats.org/drawingml/2006/diagram" xmlns:dsp="http://schemas.microsoft.com/office/drawing/2008/diagram" xmlns:a="http://schemas.openxmlformats.org/drawingml/2006/main">
   <dsp:spTree>
     <dsp:nvGrpSpPr>
@@ -6940,7 +8773,7 @@
 </dsp:drawing>
 </file>
 
-<file path=ppt/diagrams/drawing2.xml><?xml version="1.0" encoding="utf-8"?>
+<file path=ppt/diagrams/drawing3.xml><?xml version="1.0" encoding="utf-8"?>
 <dsp:drawing xmlns:dgm="http://schemas.openxmlformats.org/drawingml/2006/diagram" xmlns:dsp="http://schemas.microsoft.com/office/drawing/2008/diagram" xmlns:a="http://schemas.openxmlformats.org/drawingml/2006/main">
   <dsp:spTree>
     <dsp:nvGrpSpPr>
@@ -7352,7 +9185,7 @@
 </dsp:drawing>
 </file>
 
-<file path=ppt/diagrams/drawing3.xml><?xml version="1.0" encoding="utf-8"?>
+<file path=ppt/diagrams/drawing4.xml><?xml version="1.0" encoding="utf-8"?>
 <dsp:drawing xmlns:dgm="http://schemas.openxmlformats.org/drawingml/2006/diagram" xmlns:dsp="http://schemas.microsoft.com/office/drawing/2008/diagram" xmlns:a="http://schemas.openxmlformats.org/drawingml/2006/main">
   <dsp:spTree>
     <dsp:nvGrpSpPr>
@@ -7962,7 +9795,7 @@
 </dsp:drawing>
 </file>
 
-<file path=ppt/diagrams/drawing4.xml><?xml version="1.0" encoding="utf-8"?>
+<file path=ppt/diagrams/drawing5.xml><?xml version="1.0" encoding="utf-8"?>
 <dsp:drawing xmlns:dgm="http://schemas.openxmlformats.org/drawingml/2006/diagram" xmlns:dsp="http://schemas.microsoft.com/office/drawing/2008/diagram" xmlns:a="http://schemas.openxmlformats.org/drawingml/2006/main">
   <dsp:spTree>
     <dsp:nvGrpSpPr>
@@ -8360,7 +10193,7 @@
           </a:pPr>
           <a:r>
             <a:rPr lang="de-DE" sz="5600" kern="1200" dirty="0"/>
-            <a:t>Suchfunktion </a:t>
+            <a:t>Responsive </a:t>
           </a:r>
           <a:endParaRPr lang="en-US" sz="5600" kern="1200" dirty="0"/>
         </a:p>
@@ -8374,7 +10207,7 @@
 </dsp:drawing>
 </file>
 
-<file path=ppt/diagrams/drawing5.xml><?xml version="1.0" encoding="utf-8"?>
+<file path=ppt/diagrams/drawing6.xml><?xml version="1.0" encoding="utf-8"?>
 <dsp:drawing xmlns:dgm="http://schemas.openxmlformats.org/drawingml/2006/diagram" xmlns:dsp="http://schemas.microsoft.com/office/drawing/2008/diagram" xmlns:a="http://schemas.openxmlformats.org/drawingml/2006/main">
   <dsp:spTree>
     <dsp:nvGrpSpPr>
@@ -8489,7 +10322,7 @@
       </dsp:nvSpPr>
       <dsp:spPr>
         <a:xfrm>
-          <a:off x="0" y="1773162"/>
+          <a:off x="0" y="1728967"/>
           <a:ext cx="6513603" cy="1103310"/>
         </a:xfrm>
         <a:prstGeom prst="roundRect">
@@ -8571,14 +10404,14 @@
             <a:buNone/>
           </a:pPr>
           <a:r>
-            <a:rPr lang="de-DE" sz="4600" kern="1200"/>
-            <a:t>Strukturierung der Daten </a:t>
+            <a:rPr lang="de-DE" sz="4600" kern="1200" dirty="0"/>
+            <a:t>Echtzeitabfragen </a:t>
           </a:r>
-          <a:endParaRPr lang="en-US" sz="4600" kern="1200"/>
+          <a:endParaRPr lang="en-US" sz="4600" kern="1200" dirty="0"/>
         </a:p>
       </dsp:txBody>
       <dsp:txXfrm>
-        <a:off x="53859" y="1827021"/>
+        <a:off x="53859" y="1782826"/>
         <a:ext cx="6405885" cy="995592"/>
       </dsp:txXfrm>
     </dsp:sp>
@@ -8671,10 +10504,10 @@
             <a:buNone/>
           </a:pPr>
           <a:r>
-            <a:rPr lang="de-DE" sz="4600" kern="1200"/>
-            <a:t>Echtzeitabfragen </a:t>
+            <a:rPr lang="de-DE" sz="4600" kern="1200" dirty="0"/>
+            <a:t>Strukturierung der Daten  </a:t>
           </a:r>
-          <a:endParaRPr lang="en-US" sz="4600" kern="1200"/>
+          <a:endParaRPr lang="en-US" sz="4600" kern="1200" dirty="0"/>
         </a:p>
       </dsp:txBody>
       <dsp:txXfrm>
@@ -8787,6 +10620,173 @@
 </file>
 
 <file path=ppt/diagrams/layout1.xml><?xml version="1.0" encoding="utf-8"?>
+<dgm:layoutDef xmlns:dgm="http://schemas.openxmlformats.org/drawingml/2006/diagram" xmlns:a="http://schemas.openxmlformats.org/drawingml/2006/main" uniqueId="urn:microsoft.com/office/officeart/2005/8/layout/vList2">
+  <dgm:title val=""/>
+  <dgm:desc val=""/>
+  <dgm:catLst>
+    <dgm:cat type="list" pri="3000"/>
+    <dgm:cat type="convert" pri="1000"/>
+  </dgm:catLst>
+  <dgm:sampData>
+    <dgm:dataModel>
+      <dgm:ptLst>
+        <dgm:pt modelId="0" type="doc"/>
+        <dgm:pt modelId="1">
+          <dgm:prSet phldr="1"/>
+        </dgm:pt>
+        <dgm:pt modelId="11">
+          <dgm:prSet phldr="1"/>
+        </dgm:pt>
+        <dgm:pt modelId="2">
+          <dgm:prSet phldr="1"/>
+        </dgm:pt>
+        <dgm:pt modelId="21">
+          <dgm:prSet phldr="1"/>
+        </dgm:pt>
+      </dgm:ptLst>
+      <dgm:cxnLst>
+        <dgm:cxn modelId="4" srcId="0" destId="1" srcOrd="0" destOrd="0"/>
+        <dgm:cxn modelId="5" srcId="0" destId="2" srcOrd="1" destOrd="0"/>
+        <dgm:cxn modelId="12" srcId="1" destId="11" srcOrd="0" destOrd="0"/>
+        <dgm:cxn modelId="23" srcId="2" destId="21" srcOrd="0" destOrd="0"/>
+      </dgm:cxnLst>
+      <dgm:bg/>
+      <dgm:whole/>
+    </dgm:dataModel>
+  </dgm:sampData>
+  <dgm:styleData>
+    <dgm:dataModel>
+      <dgm:ptLst>
+        <dgm:pt modelId="0" type="doc"/>
+        <dgm:pt modelId="1"/>
+        <dgm:pt modelId="2"/>
+      </dgm:ptLst>
+      <dgm:cxnLst>
+        <dgm:cxn modelId="3" srcId="0" destId="1" srcOrd="0" destOrd="0"/>
+        <dgm:cxn modelId="4" srcId="0" destId="2" srcOrd="1" destOrd="0"/>
+      </dgm:cxnLst>
+      <dgm:bg/>
+      <dgm:whole/>
+    </dgm:dataModel>
+  </dgm:styleData>
+  <dgm:clrData>
+    <dgm:dataModel>
+      <dgm:ptLst>
+        <dgm:pt modelId="0" type="doc"/>
+        <dgm:pt modelId="1"/>
+        <dgm:pt modelId="2"/>
+        <dgm:pt modelId="3"/>
+        <dgm:pt modelId="4"/>
+      </dgm:ptLst>
+      <dgm:cxnLst>
+        <dgm:cxn modelId="5" srcId="0" destId="1" srcOrd="0" destOrd="0"/>
+        <dgm:cxn modelId="6" srcId="0" destId="2" srcOrd="1" destOrd="0"/>
+        <dgm:cxn modelId="7" srcId="0" destId="3" srcOrd="2" destOrd="0"/>
+        <dgm:cxn modelId="8" srcId="0" destId="4" srcOrd="3" destOrd="0"/>
+      </dgm:cxnLst>
+      <dgm:bg/>
+      <dgm:whole/>
+    </dgm:dataModel>
+  </dgm:clrData>
+  <dgm:layoutNode name="linear">
+    <dgm:varLst>
+      <dgm:animLvl val="lvl"/>
+      <dgm:resizeHandles val="exact"/>
+    </dgm:varLst>
+    <dgm:alg type="lin">
+      <dgm:param type="linDir" val="fromT"/>
+      <dgm:param type="vertAlign" val="mid"/>
+    </dgm:alg>
+    <dgm:shape xmlns:r="http://schemas.openxmlformats.org/officeDocument/2006/relationships" r:blip="">
+      <dgm:adjLst/>
+    </dgm:shape>
+    <dgm:presOf/>
+    <dgm:constrLst>
+      <dgm:constr type="w" for="ch" forName="parentText" refType="w"/>
+      <dgm:constr type="h" for="ch" forName="parentText" refType="primFontSz" refFor="ch" refForName="parentText" fact="0.52"/>
+      <dgm:constr type="w" for="ch" forName="childText" refType="w"/>
+      <dgm:constr type="h" for="ch" forName="childText" refType="primFontSz" refFor="ch" refForName="parentText" fact="0.46"/>
+      <dgm:constr type="h" for="ch" forName="parentText" op="equ"/>
+      <dgm:constr type="primFontSz" for="ch" forName="parentText" op="equ" val="65"/>
+      <dgm:constr type="primFontSz" for="ch" forName="childText" refType="primFontSz" refFor="ch" refForName="parentText" op="equ"/>
+      <dgm:constr type="h" for="ch" forName="spacer" refType="primFontSz" refFor="ch" refForName="parentText" fact="0.08"/>
+    </dgm:constrLst>
+    <dgm:ruleLst>
+      <dgm:rule type="primFontSz" for="ch" forName="parentText" val="5" fact="NaN" max="NaN"/>
+    </dgm:ruleLst>
+    <dgm:forEach name="Name0" axis="ch" ptType="node">
+      <dgm:layoutNode name="parentText" styleLbl="node1">
+        <dgm:varLst>
+          <dgm:chMax val="0"/>
+          <dgm:bulletEnabled val="1"/>
+        </dgm:varLst>
+        <dgm:alg type="tx">
+          <dgm:param type="parTxLTRAlign" val="l"/>
+          <dgm:param type="parTxRTLAlign" val="r"/>
+        </dgm:alg>
+        <dgm:shape xmlns:r="http://schemas.openxmlformats.org/officeDocument/2006/relationships" type="roundRect" r:blip="">
+          <dgm:adjLst/>
+        </dgm:shape>
+        <dgm:presOf axis="self"/>
+        <dgm:constrLst>
+          <dgm:constr type="tMarg" refType="primFontSz" fact="0.3"/>
+          <dgm:constr type="bMarg" refType="primFontSz" fact="0.3"/>
+          <dgm:constr type="lMarg" refType="primFontSz" fact="0.3"/>
+          <dgm:constr type="rMarg" refType="primFontSz" fact="0.3"/>
+        </dgm:constrLst>
+        <dgm:ruleLst>
+          <dgm:rule type="h" val="INF" fact="NaN" max="NaN"/>
+        </dgm:ruleLst>
+      </dgm:layoutNode>
+      <dgm:choose name="Name1">
+        <dgm:if name="Name2" axis="ch" ptType="node" func="cnt" op="gte" val="1">
+          <dgm:layoutNode name="childText" styleLbl="revTx">
+            <dgm:varLst>
+              <dgm:bulletEnabled val="1"/>
+            </dgm:varLst>
+            <dgm:alg type="tx">
+              <dgm:param type="stBulletLvl" val="1"/>
+              <dgm:param type="lnSpAfChP" val="20"/>
+            </dgm:alg>
+            <dgm:shape xmlns:r="http://schemas.openxmlformats.org/officeDocument/2006/relationships" type="rect" r:blip="">
+              <dgm:adjLst/>
+            </dgm:shape>
+            <dgm:presOf axis="des" ptType="node"/>
+            <dgm:constrLst>
+              <dgm:constr type="tMarg" refType="primFontSz" fact="0.1"/>
+              <dgm:constr type="bMarg" refType="primFontSz" fact="0.1"/>
+              <dgm:constr type="lMarg" refType="w" fact="0.09"/>
+            </dgm:constrLst>
+            <dgm:ruleLst>
+              <dgm:rule type="h" val="INF" fact="NaN" max="NaN"/>
+            </dgm:ruleLst>
+          </dgm:layoutNode>
+        </dgm:if>
+        <dgm:else name="Name3">
+          <dgm:choose name="Name4">
+            <dgm:if name="Name5" axis="par ch" ptType="doc node" func="cnt" op="gte" val="2">
+              <dgm:forEach name="Name6" axis="followSib" ptType="sibTrans" cnt="1">
+                <dgm:layoutNode name="spacer">
+                  <dgm:alg type="sp"/>
+                  <dgm:shape xmlns:r="http://schemas.openxmlformats.org/officeDocument/2006/relationships" r:blip="">
+                    <dgm:adjLst/>
+                  </dgm:shape>
+                  <dgm:presOf/>
+                  <dgm:constrLst/>
+                  <dgm:ruleLst/>
+                </dgm:layoutNode>
+              </dgm:forEach>
+            </dgm:if>
+            <dgm:else name="Name7"/>
+          </dgm:choose>
+        </dgm:else>
+      </dgm:choose>
+    </dgm:forEach>
+  </dgm:layoutNode>
+</dgm:layoutDef>
+</file>
+
+<file path=ppt/diagrams/layout2.xml><?xml version="1.0" encoding="utf-8"?>
 <dgm:layoutDef xmlns:dgm="http://schemas.openxmlformats.org/drawingml/2006/diagram" xmlns:a="http://schemas.openxmlformats.org/drawingml/2006/main" uniqueId="urn:microsoft.com/office/officeart/2018/2/layout/IconVerticalSolidList">
   <dgm:title val="Icon Vertical Solid List"/>
   <dgm:desc val="Use to show a series of visuals from top to bottom with Level 1 or Level 1 and Level 2 text grouped in a shape. Works best with icons or small pictures with lengthier descriptions."/>
@@ -9080,7 +11080,7 @@
 </dgm:layoutDef>
 </file>
 
-<file path=ppt/diagrams/layout2.xml><?xml version="1.0" encoding="utf-8"?>
+<file path=ppt/diagrams/layout3.xml><?xml version="1.0" encoding="utf-8"?>
 <dgm:layoutDef xmlns:dgm="http://schemas.openxmlformats.org/drawingml/2006/diagram" xmlns:a="http://schemas.openxmlformats.org/drawingml/2006/main" uniqueId="urn:microsoft.com/office/officeart/2005/8/layout/vList2">
   <dgm:title val=""/>
   <dgm:desc val=""/>
@@ -9247,7 +11247,7 @@
 </dgm:layoutDef>
 </file>
 
-<file path=ppt/diagrams/layout3.xml><?xml version="1.0" encoding="utf-8"?>
+<file path=ppt/diagrams/layout4.xml><?xml version="1.0" encoding="utf-8"?>
 <dgm:layoutDef xmlns:dgm="http://schemas.openxmlformats.org/drawingml/2006/diagram" xmlns:a="http://schemas.openxmlformats.org/drawingml/2006/main" uniqueId="urn:microsoft.com/office/officeart/2018/2/layout/IconVerticalSolidList">
   <dgm:title val="Icon Vertical Solid List"/>
   <dgm:desc val="Use to show a series of visuals from top to bottom with Level 1 or Level 1 and Level 2 text grouped in a shape. Works best with icons or small pictures with lengthier descriptions."/>
@@ -9541,7 +11541,7 @@
 </dgm:layoutDef>
 </file>
 
-<file path=ppt/diagrams/layout4.xml><?xml version="1.0" encoding="utf-8"?>
+<file path=ppt/diagrams/layout5.xml><?xml version="1.0" encoding="utf-8"?>
 <dgm:layoutDef xmlns:dgm="http://schemas.openxmlformats.org/drawingml/2006/diagram" xmlns:a="http://schemas.openxmlformats.org/drawingml/2006/main" uniqueId="urn:microsoft.com/office/officeart/2005/8/layout/vList2">
   <dgm:title val=""/>
   <dgm:desc val=""/>
@@ -9708,7 +11708,7 @@
 </dgm:layoutDef>
 </file>
 
-<file path=ppt/diagrams/layout5.xml><?xml version="1.0" encoding="utf-8"?>
+<file path=ppt/diagrams/layout6.xml><?xml version="1.0" encoding="utf-8"?>
 <dgm:layoutDef xmlns:dgm="http://schemas.openxmlformats.org/drawingml/2006/diagram" xmlns:a="http://schemas.openxmlformats.org/drawingml/2006/main" uniqueId="urn:microsoft.com/office/officeart/2005/8/layout/vList2">
   <dgm:title val=""/>
   <dgm:desc val=""/>
@@ -14012,6 +16012,1040 @@
 </file>
 
 <file path=ppt/diagrams/quickStyle5.xml><?xml version="1.0" encoding="utf-8"?>
+<dgm:styleDef xmlns:dgm="http://schemas.openxmlformats.org/drawingml/2006/diagram" xmlns:a="http://schemas.openxmlformats.org/drawingml/2006/main" uniqueId="urn:microsoft.com/office/officeart/2005/8/quickstyle/simple4">
+  <dgm:title val=""/>
+  <dgm:desc val=""/>
+  <dgm:catLst>
+    <dgm:cat type="simple" pri="10400"/>
+  </dgm:catLst>
+  <dgm:scene3d>
+    <a:camera prst="orthographicFront"/>
+    <a:lightRig rig="threePt" dir="t"/>
+  </dgm:scene3d>
+  <dgm:styleLbl name="node0">
+    <dgm:scene3d>
+      <a:camera prst="orthographicFront"/>
+      <a:lightRig rig="threePt" dir="t"/>
+    </dgm:scene3d>
+    <dgm:sp3d/>
+    <dgm:txPr/>
+    <dgm:style>
+      <a:lnRef idx="0">
+        <a:scrgbClr r="0" g="0" b="0"/>
+      </a:lnRef>
+      <a:fillRef idx="3">
+        <a:scrgbClr r="0" g="0" b="0"/>
+      </a:fillRef>
+      <a:effectRef idx="2">
+        <a:scrgbClr r="0" g="0" b="0"/>
+      </a:effectRef>
+      <a:fontRef idx="minor">
+        <a:schemeClr val="lt1"/>
+      </a:fontRef>
+    </dgm:style>
+  </dgm:styleLbl>
+  <dgm:styleLbl name="lnNode1">
+    <dgm:scene3d>
+      <a:camera prst="orthographicFront"/>
+      <a:lightRig rig="threePt" dir="t"/>
+    </dgm:scene3d>
+    <dgm:sp3d/>
+    <dgm:txPr/>
+    <dgm:style>
+      <a:lnRef idx="1">
+        <a:scrgbClr r="0" g="0" b="0"/>
+      </a:lnRef>
+      <a:fillRef idx="3">
+        <a:scrgbClr r="0" g="0" b="0"/>
+      </a:fillRef>
+      <a:effectRef idx="2">
+        <a:scrgbClr r="0" g="0" b="0"/>
+      </a:effectRef>
+      <a:fontRef idx="minor">
+        <a:schemeClr val="lt1"/>
+      </a:fontRef>
+    </dgm:style>
+  </dgm:styleLbl>
+  <dgm:styleLbl name="vennNode1">
+    <dgm:scene3d>
+      <a:camera prst="orthographicFront"/>
+      <a:lightRig rig="threePt" dir="t"/>
+    </dgm:scene3d>
+    <dgm:sp3d/>
+    <dgm:txPr/>
+    <dgm:style>
+      <a:lnRef idx="0">
+        <a:scrgbClr r="0" g="0" b="0"/>
+      </a:lnRef>
+      <a:fillRef idx="3">
+        <a:scrgbClr r="0" g="0" b="0"/>
+      </a:fillRef>
+      <a:effectRef idx="0">
+        <a:scrgbClr r="0" g="0" b="0"/>
+      </a:effectRef>
+      <a:fontRef idx="minor">
+        <a:schemeClr val="tx1"/>
+      </a:fontRef>
+    </dgm:style>
+  </dgm:styleLbl>
+  <dgm:styleLbl name="alignNode1">
+    <dgm:scene3d>
+      <a:camera prst="orthographicFront"/>
+      <a:lightRig rig="threePt" dir="t"/>
+    </dgm:scene3d>
+    <dgm:sp3d/>
+    <dgm:txPr/>
+    <dgm:style>
+      <a:lnRef idx="1">
+        <a:scrgbClr r="0" g="0" b="0"/>
+      </a:lnRef>
+      <a:fillRef idx="3">
+        <a:scrgbClr r="0" g="0" b="0"/>
+      </a:fillRef>
+      <a:effectRef idx="2">
+        <a:scrgbClr r="0" g="0" b="0"/>
+      </a:effectRef>
+      <a:fontRef idx="minor">
+        <a:schemeClr val="lt1"/>
+      </a:fontRef>
+    </dgm:style>
+  </dgm:styleLbl>
+  <dgm:styleLbl name="node1">
+    <dgm:scene3d>
+      <a:camera prst="orthographicFront"/>
+      <a:lightRig rig="threePt" dir="t"/>
+    </dgm:scene3d>
+    <dgm:sp3d/>
+    <dgm:txPr/>
+    <dgm:style>
+      <a:lnRef idx="0">
+        <a:scrgbClr r="0" g="0" b="0"/>
+      </a:lnRef>
+      <a:fillRef idx="3">
+        <a:scrgbClr r="0" g="0" b="0"/>
+      </a:fillRef>
+      <a:effectRef idx="2">
+        <a:scrgbClr r="0" g="0" b="0"/>
+      </a:effectRef>
+      <a:fontRef idx="minor">
+        <a:schemeClr val="lt1"/>
+      </a:fontRef>
+    </dgm:style>
+  </dgm:styleLbl>
+  <dgm:styleLbl name="node2">
+    <dgm:scene3d>
+      <a:camera prst="orthographicFront"/>
+      <a:lightRig rig="threePt" dir="t"/>
+    </dgm:scene3d>
+    <dgm:sp3d/>
+    <dgm:txPr/>
+    <dgm:style>
+      <a:lnRef idx="0">
+        <a:scrgbClr r="0" g="0" b="0"/>
+      </a:lnRef>
+      <a:fillRef idx="3">
+        <a:scrgbClr r="0" g="0" b="0"/>
+      </a:fillRef>
+      <a:effectRef idx="2">
+        <a:scrgbClr r="0" g="0" b="0"/>
+      </a:effectRef>
+      <a:fontRef idx="minor">
+        <a:schemeClr val="lt1"/>
+      </a:fontRef>
+    </dgm:style>
+  </dgm:styleLbl>
+  <dgm:styleLbl name="node3">
+    <dgm:scene3d>
+      <a:camera prst="orthographicFront"/>
+      <a:lightRig rig="threePt" dir="t"/>
+    </dgm:scene3d>
+    <dgm:sp3d/>
+    <dgm:txPr/>
+    <dgm:style>
+      <a:lnRef idx="0">
+        <a:scrgbClr r="0" g="0" b="0"/>
+      </a:lnRef>
+      <a:fillRef idx="3">
+        <a:scrgbClr r="0" g="0" b="0"/>
+      </a:fillRef>
+      <a:effectRef idx="2">
+        <a:scrgbClr r="0" g="0" b="0"/>
+      </a:effectRef>
+      <a:fontRef idx="minor">
+        <a:schemeClr val="lt1"/>
+      </a:fontRef>
+    </dgm:style>
+  </dgm:styleLbl>
+  <dgm:styleLbl name="node4">
+    <dgm:scene3d>
+      <a:camera prst="orthographicFront"/>
+      <a:lightRig rig="threePt" dir="t"/>
+    </dgm:scene3d>
+    <dgm:sp3d/>
+    <dgm:txPr/>
+    <dgm:style>
+      <a:lnRef idx="0">
+        <a:scrgbClr r="0" g="0" b="0"/>
+      </a:lnRef>
+      <a:fillRef idx="3">
+        <a:scrgbClr r="0" g="0" b="0"/>
+      </a:fillRef>
+      <a:effectRef idx="2">
+        <a:scrgbClr r="0" g="0" b="0"/>
+      </a:effectRef>
+      <a:fontRef idx="minor">
+        <a:schemeClr val="lt1"/>
+      </a:fontRef>
+    </dgm:style>
+  </dgm:styleLbl>
+  <dgm:styleLbl name="fgImgPlace1">
+    <dgm:scene3d>
+      <a:camera prst="orthographicFront"/>
+      <a:lightRig rig="threePt" dir="t"/>
+    </dgm:scene3d>
+    <dgm:sp3d/>
+    <dgm:txPr/>
+    <dgm:style>
+      <a:lnRef idx="0">
+        <a:scrgbClr r="0" g="0" b="0"/>
+      </a:lnRef>
+      <a:fillRef idx="1">
+        <a:scrgbClr r="0" g="0" b="0"/>
+      </a:fillRef>
+      <a:effectRef idx="2">
+        <a:scrgbClr r="0" g="0" b="0"/>
+      </a:effectRef>
+      <a:fontRef idx="minor"/>
+    </dgm:style>
+  </dgm:styleLbl>
+  <dgm:styleLbl name="alignImgPlace1">
+    <dgm:scene3d>
+      <a:camera prst="orthographicFront"/>
+      <a:lightRig rig="threePt" dir="t"/>
+    </dgm:scene3d>
+    <dgm:sp3d/>
+    <dgm:txPr/>
+    <dgm:style>
+      <a:lnRef idx="0">
+        <a:scrgbClr r="0" g="0" b="0"/>
+      </a:lnRef>
+      <a:fillRef idx="1">
+        <a:scrgbClr r="0" g="0" b="0"/>
+      </a:fillRef>
+      <a:effectRef idx="2">
+        <a:scrgbClr r="0" g="0" b="0"/>
+      </a:effectRef>
+      <a:fontRef idx="minor"/>
+    </dgm:style>
+  </dgm:styleLbl>
+  <dgm:styleLbl name="bgImgPlace1">
+    <dgm:scene3d>
+      <a:camera prst="orthographicFront"/>
+      <a:lightRig rig="threePt" dir="t"/>
+    </dgm:scene3d>
+    <dgm:sp3d/>
+    <dgm:txPr/>
+    <dgm:style>
+      <a:lnRef idx="0">
+        <a:scrgbClr r="0" g="0" b="0"/>
+      </a:lnRef>
+      <a:fillRef idx="1">
+        <a:scrgbClr r="0" g="0" b="0"/>
+      </a:fillRef>
+      <a:effectRef idx="2">
+        <a:scrgbClr r="0" g="0" b="0"/>
+      </a:effectRef>
+      <a:fontRef idx="minor"/>
+    </dgm:style>
+  </dgm:styleLbl>
+  <dgm:styleLbl name="sibTrans2D1">
+    <dgm:scene3d>
+      <a:camera prst="orthographicFront"/>
+      <a:lightRig rig="threePt" dir="t"/>
+    </dgm:scene3d>
+    <dgm:sp3d/>
+    <dgm:txPr/>
+    <dgm:style>
+      <a:lnRef idx="0">
+        <a:scrgbClr r="0" g="0" b="0"/>
+      </a:lnRef>
+      <a:fillRef idx="3">
+        <a:scrgbClr r="0" g="0" b="0"/>
+      </a:fillRef>
+      <a:effectRef idx="2">
+        <a:scrgbClr r="0" g="0" b="0"/>
+      </a:effectRef>
+      <a:fontRef idx="minor">
+        <a:schemeClr val="lt1"/>
+      </a:fontRef>
+    </dgm:style>
+  </dgm:styleLbl>
+  <dgm:styleLbl name="fgSibTrans2D1">
+    <dgm:scene3d>
+      <a:camera prst="orthographicFront"/>
+      <a:lightRig rig="threePt" dir="t"/>
+    </dgm:scene3d>
+    <dgm:sp3d/>
+    <dgm:txPr/>
+    <dgm:style>
+      <a:lnRef idx="0">
+        <a:scrgbClr r="0" g="0" b="0"/>
+      </a:lnRef>
+      <a:fillRef idx="3">
+        <a:scrgbClr r="0" g="0" b="0"/>
+      </a:fillRef>
+      <a:effectRef idx="2">
+        <a:scrgbClr r="0" g="0" b="0"/>
+      </a:effectRef>
+      <a:fontRef idx="minor">
+        <a:schemeClr val="lt1"/>
+      </a:fontRef>
+    </dgm:style>
+  </dgm:styleLbl>
+  <dgm:styleLbl name="bgSibTrans2D1">
+    <dgm:scene3d>
+      <a:camera prst="orthographicFront"/>
+      <a:lightRig rig="threePt" dir="t"/>
+    </dgm:scene3d>
+    <dgm:sp3d/>
+    <dgm:txPr/>
+    <dgm:style>
+      <a:lnRef idx="0">
+        <a:scrgbClr r="0" g="0" b="0"/>
+      </a:lnRef>
+      <a:fillRef idx="3">
+        <a:scrgbClr r="0" g="0" b="0"/>
+      </a:fillRef>
+      <a:effectRef idx="2">
+        <a:scrgbClr r="0" g="0" b="0"/>
+      </a:effectRef>
+      <a:fontRef idx="minor">
+        <a:schemeClr val="lt1"/>
+      </a:fontRef>
+    </dgm:style>
+  </dgm:styleLbl>
+  <dgm:styleLbl name="sibTrans1D1">
+    <dgm:scene3d>
+      <a:camera prst="orthographicFront"/>
+      <a:lightRig rig="threePt" dir="t"/>
+    </dgm:scene3d>
+    <dgm:sp3d/>
+    <dgm:txPr/>
+    <dgm:style>
+      <a:lnRef idx="1">
+        <a:scrgbClr r="0" g="0" b="0"/>
+      </a:lnRef>
+      <a:fillRef idx="0">
+        <a:scrgbClr r="0" g="0" b="0"/>
+      </a:fillRef>
+      <a:effectRef idx="0">
+        <a:scrgbClr r="0" g="0" b="0"/>
+      </a:effectRef>
+      <a:fontRef idx="minor"/>
+    </dgm:style>
+  </dgm:styleLbl>
+  <dgm:styleLbl name="callout">
+    <dgm:scene3d>
+      <a:camera prst="orthographicFront"/>
+      <a:lightRig rig="threePt" dir="t"/>
+    </dgm:scene3d>
+    <dgm:sp3d/>
+    <dgm:txPr/>
+    <dgm:style>
+      <a:lnRef idx="2">
+        <a:scrgbClr r="0" g="0" b="0"/>
+      </a:lnRef>
+      <a:fillRef idx="1">
+        <a:scrgbClr r="0" g="0" b="0"/>
+      </a:fillRef>
+      <a:effectRef idx="1">
+        <a:scrgbClr r="0" g="0" b="0"/>
+      </a:effectRef>
+      <a:fontRef idx="minor"/>
+    </dgm:style>
+  </dgm:styleLbl>
+  <dgm:styleLbl name="asst0">
+    <dgm:scene3d>
+      <a:camera prst="orthographicFront"/>
+      <a:lightRig rig="threePt" dir="t"/>
+    </dgm:scene3d>
+    <dgm:sp3d/>
+    <dgm:txPr/>
+    <dgm:style>
+      <a:lnRef idx="0">
+        <a:scrgbClr r="0" g="0" b="0"/>
+      </a:lnRef>
+      <a:fillRef idx="3">
+        <a:scrgbClr r="0" g="0" b="0"/>
+      </a:fillRef>
+      <a:effectRef idx="2">
+        <a:scrgbClr r="0" g="0" b="0"/>
+      </a:effectRef>
+      <a:fontRef idx="minor">
+        <a:schemeClr val="lt1"/>
+      </a:fontRef>
+    </dgm:style>
+  </dgm:styleLbl>
+  <dgm:styleLbl name="asst1">
+    <dgm:scene3d>
+      <a:camera prst="orthographicFront"/>
+      <a:lightRig rig="threePt" dir="t"/>
+    </dgm:scene3d>
+    <dgm:sp3d/>
+    <dgm:txPr/>
+    <dgm:style>
+      <a:lnRef idx="0">
+        <a:scrgbClr r="0" g="0" b="0"/>
+      </a:lnRef>
+      <a:fillRef idx="3">
+        <a:scrgbClr r="0" g="0" b="0"/>
+      </a:fillRef>
+      <a:effectRef idx="2">
+        <a:scrgbClr r="0" g="0" b="0"/>
+      </a:effectRef>
+      <a:fontRef idx="minor">
+        <a:schemeClr val="lt1"/>
+      </a:fontRef>
+    </dgm:style>
+  </dgm:styleLbl>
+  <dgm:styleLbl name="asst2">
+    <dgm:scene3d>
+      <a:camera prst="orthographicFront"/>
+      <a:lightRig rig="threePt" dir="t"/>
+    </dgm:scene3d>
+    <dgm:sp3d/>
+    <dgm:txPr/>
+    <dgm:style>
+      <a:lnRef idx="0">
+        <a:scrgbClr r="0" g="0" b="0"/>
+      </a:lnRef>
+      <a:fillRef idx="3">
+        <a:scrgbClr r="0" g="0" b="0"/>
+      </a:fillRef>
+      <a:effectRef idx="2">
+        <a:scrgbClr r="0" g="0" b="0"/>
+      </a:effectRef>
+      <a:fontRef idx="minor">
+        <a:schemeClr val="lt1"/>
+      </a:fontRef>
+    </dgm:style>
+  </dgm:styleLbl>
+  <dgm:styleLbl name="asst3">
+    <dgm:scene3d>
+      <a:camera prst="orthographicFront"/>
+      <a:lightRig rig="threePt" dir="t"/>
+    </dgm:scene3d>
+    <dgm:sp3d/>
+    <dgm:txPr/>
+    <dgm:style>
+      <a:lnRef idx="0">
+        <a:scrgbClr r="0" g="0" b="0"/>
+      </a:lnRef>
+      <a:fillRef idx="3">
+        <a:scrgbClr r="0" g="0" b="0"/>
+      </a:fillRef>
+      <a:effectRef idx="2">
+        <a:scrgbClr r="0" g="0" b="0"/>
+      </a:effectRef>
+      <a:fontRef idx="minor">
+        <a:schemeClr val="lt1"/>
+      </a:fontRef>
+    </dgm:style>
+  </dgm:styleLbl>
+  <dgm:styleLbl name="asst4">
+    <dgm:scene3d>
+      <a:camera prst="orthographicFront"/>
+      <a:lightRig rig="threePt" dir="t"/>
+    </dgm:scene3d>
+    <dgm:sp3d/>
+    <dgm:txPr/>
+    <dgm:style>
+      <a:lnRef idx="0">
+        <a:scrgbClr r="0" g="0" b="0"/>
+      </a:lnRef>
+      <a:fillRef idx="3">
+        <a:scrgbClr r="0" g="0" b="0"/>
+      </a:fillRef>
+      <a:effectRef idx="2">
+        <a:scrgbClr r="0" g="0" b="0"/>
+      </a:effectRef>
+      <a:fontRef idx="minor">
+        <a:schemeClr val="lt1"/>
+      </a:fontRef>
+    </dgm:style>
+  </dgm:styleLbl>
+  <dgm:styleLbl name="parChTrans2D1">
+    <dgm:scene3d>
+      <a:camera prst="orthographicFront"/>
+      <a:lightRig rig="threePt" dir="t"/>
+    </dgm:scene3d>
+    <dgm:sp3d/>
+    <dgm:txPr/>
+    <dgm:style>
+      <a:lnRef idx="0">
+        <a:scrgbClr r="0" g="0" b="0"/>
+      </a:lnRef>
+      <a:fillRef idx="3">
+        <a:scrgbClr r="0" g="0" b="0"/>
+      </a:fillRef>
+      <a:effectRef idx="2">
+        <a:scrgbClr r="0" g="0" b="0"/>
+      </a:effectRef>
+      <a:fontRef idx="minor">
+        <a:schemeClr val="lt1"/>
+      </a:fontRef>
+    </dgm:style>
+  </dgm:styleLbl>
+  <dgm:styleLbl name="parChTrans2D2">
+    <dgm:scene3d>
+      <a:camera prst="orthographicFront"/>
+      <a:lightRig rig="threePt" dir="t"/>
+    </dgm:scene3d>
+    <dgm:sp3d/>
+    <dgm:txPr/>
+    <dgm:style>
+      <a:lnRef idx="0">
+        <a:scrgbClr r="0" g="0" b="0"/>
+      </a:lnRef>
+      <a:fillRef idx="3">
+        <a:scrgbClr r="0" g="0" b="0"/>
+      </a:fillRef>
+      <a:effectRef idx="2">
+        <a:scrgbClr r="0" g="0" b="0"/>
+      </a:effectRef>
+      <a:fontRef idx="minor">
+        <a:schemeClr val="lt1"/>
+      </a:fontRef>
+    </dgm:style>
+  </dgm:styleLbl>
+  <dgm:styleLbl name="parChTrans2D3">
+    <dgm:scene3d>
+      <a:camera prst="orthographicFront"/>
+      <a:lightRig rig="threePt" dir="t"/>
+    </dgm:scene3d>
+    <dgm:sp3d/>
+    <dgm:txPr/>
+    <dgm:style>
+      <a:lnRef idx="1">
+        <a:scrgbClr r="0" g="0" b="0"/>
+      </a:lnRef>
+      <a:fillRef idx="3">
+        <a:scrgbClr r="0" g="0" b="0"/>
+      </a:fillRef>
+      <a:effectRef idx="2">
+        <a:scrgbClr r="0" g="0" b="0"/>
+      </a:effectRef>
+      <a:fontRef idx="minor">
+        <a:schemeClr val="lt1"/>
+      </a:fontRef>
+    </dgm:style>
+  </dgm:styleLbl>
+  <dgm:styleLbl name="parChTrans2D4">
+    <dgm:scene3d>
+      <a:camera prst="orthographicFront"/>
+      <a:lightRig rig="threePt" dir="t"/>
+    </dgm:scene3d>
+    <dgm:sp3d/>
+    <dgm:txPr/>
+    <dgm:style>
+      <a:lnRef idx="1">
+        <a:scrgbClr r="0" g="0" b="0"/>
+      </a:lnRef>
+      <a:fillRef idx="3">
+        <a:scrgbClr r="0" g="0" b="0"/>
+      </a:fillRef>
+      <a:effectRef idx="2">
+        <a:scrgbClr r="0" g="0" b="0"/>
+      </a:effectRef>
+      <a:fontRef idx="minor">
+        <a:schemeClr val="lt1"/>
+      </a:fontRef>
+    </dgm:style>
+  </dgm:styleLbl>
+  <dgm:styleLbl name="parChTrans1D1">
+    <dgm:scene3d>
+      <a:camera prst="orthographicFront"/>
+      <a:lightRig rig="threePt" dir="t"/>
+    </dgm:scene3d>
+    <dgm:sp3d/>
+    <dgm:txPr/>
+    <dgm:style>
+      <a:lnRef idx="1">
+        <a:scrgbClr r="0" g="0" b="0"/>
+      </a:lnRef>
+      <a:fillRef idx="0">
+        <a:scrgbClr r="0" g="0" b="0"/>
+      </a:fillRef>
+      <a:effectRef idx="0">
+        <a:scrgbClr r="0" g="0" b="0"/>
+      </a:effectRef>
+      <a:fontRef idx="minor"/>
+    </dgm:style>
+  </dgm:styleLbl>
+  <dgm:styleLbl name="parChTrans1D2">
+    <dgm:scene3d>
+      <a:camera prst="orthographicFront"/>
+      <a:lightRig rig="threePt" dir="t"/>
+    </dgm:scene3d>
+    <dgm:sp3d/>
+    <dgm:txPr/>
+    <dgm:style>
+      <a:lnRef idx="1">
+        <a:scrgbClr r="0" g="0" b="0"/>
+      </a:lnRef>
+      <a:fillRef idx="0">
+        <a:scrgbClr r="0" g="0" b="0"/>
+      </a:fillRef>
+      <a:effectRef idx="0">
+        <a:scrgbClr r="0" g="0" b="0"/>
+      </a:effectRef>
+      <a:fontRef idx="minor"/>
+    </dgm:style>
+  </dgm:styleLbl>
+  <dgm:styleLbl name="parChTrans1D3">
+    <dgm:scene3d>
+      <a:camera prst="orthographicFront"/>
+      <a:lightRig rig="threePt" dir="t"/>
+    </dgm:scene3d>
+    <dgm:sp3d/>
+    <dgm:txPr/>
+    <dgm:style>
+      <a:lnRef idx="1">
+        <a:scrgbClr r="0" g="0" b="0"/>
+      </a:lnRef>
+      <a:fillRef idx="0">
+        <a:scrgbClr r="0" g="0" b="0"/>
+      </a:fillRef>
+      <a:effectRef idx="0">
+        <a:scrgbClr r="0" g="0" b="0"/>
+      </a:effectRef>
+      <a:fontRef idx="minor"/>
+    </dgm:style>
+  </dgm:styleLbl>
+  <dgm:styleLbl name="parChTrans1D4">
+    <dgm:scene3d>
+      <a:camera prst="orthographicFront"/>
+      <a:lightRig rig="threePt" dir="t"/>
+    </dgm:scene3d>
+    <dgm:sp3d/>
+    <dgm:txPr/>
+    <dgm:style>
+      <a:lnRef idx="1">
+        <a:scrgbClr r="0" g="0" b="0"/>
+      </a:lnRef>
+      <a:fillRef idx="0">
+        <a:scrgbClr r="0" g="0" b="0"/>
+      </a:fillRef>
+      <a:effectRef idx="0">
+        <a:scrgbClr r="0" g="0" b="0"/>
+      </a:effectRef>
+      <a:fontRef idx="minor"/>
+    </dgm:style>
+  </dgm:styleLbl>
+  <dgm:styleLbl name="fgAcc1">
+    <dgm:scene3d>
+      <a:camera prst="orthographicFront"/>
+      <a:lightRig rig="threePt" dir="t"/>
+    </dgm:scene3d>
+    <dgm:sp3d/>
+    <dgm:txPr/>
+    <dgm:style>
+      <a:lnRef idx="1">
+        <a:scrgbClr r="0" g="0" b="0"/>
+      </a:lnRef>
+      <a:fillRef idx="1">
+        <a:scrgbClr r="0" g="0" b="0"/>
+      </a:fillRef>
+      <a:effectRef idx="0">
+        <a:scrgbClr r="0" g="0" b="0"/>
+      </a:effectRef>
+      <a:fontRef idx="minor"/>
+    </dgm:style>
+  </dgm:styleLbl>
+  <dgm:styleLbl name="conFgAcc1">
+    <dgm:scene3d>
+      <a:camera prst="orthographicFront"/>
+      <a:lightRig rig="threePt" dir="t"/>
+    </dgm:scene3d>
+    <dgm:sp3d/>
+    <dgm:txPr/>
+    <dgm:style>
+      <a:lnRef idx="1">
+        <a:scrgbClr r="0" g="0" b="0"/>
+      </a:lnRef>
+      <a:fillRef idx="1">
+        <a:scrgbClr r="0" g="0" b="0"/>
+      </a:fillRef>
+      <a:effectRef idx="0">
+        <a:scrgbClr r="0" g="0" b="0"/>
+      </a:effectRef>
+      <a:fontRef idx="minor"/>
+    </dgm:style>
+  </dgm:styleLbl>
+  <dgm:styleLbl name="alignAcc1">
+    <dgm:scene3d>
+      <a:camera prst="orthographicFront"/>
+      <a:lightRig rig="threePt" dir="t"/>
+    </dgm:scene3d>
+    <dgm:sp3d/>
+    <dgm:txPr/>
+    <dgm:style>
+      <a:lnRef idx="1">
+        <a:scrgbClr r="0" g="0" b="0"/>
+      </a:lnRef>
+      <a:fillRef idx="1">
+        <a:scrgbClr r="0" g="0" b="0"/>
+      </a:fillRef>
+      <a:effectRef idx="0">
+        <a:scrgbClr r="0" g="0" b="0"/>
+      </a:effectRef>
+      <a:fontRef idx="minor"/>
+    </dgm:style>
+  </dgm:styleLbl>
+  <dgm:styleLbl name="trAlignAcc1">
+    <dgm:scene3d>
+      <a:camera prst="orthographicFront"/>
+      <a:lightRig rig="threePt" dir="t"/>
+    </dgm:scene3d>
+    <dgm:sp3d/>
+    <dgm:txPr/>
+    <dgm:style>
+      <a:lnRef idx="1">
+        <a:scrgbClr r="0" g="0" b="0"/>
+      </a:lnRef>
+      <a:fillRef idx="1">
+        <a:scrgbClr r="0" g="0" b="0"/>
+      </a:fillRef>
+      <a:effectRef idx="0">
+        <a:scrgbClr r="0" g="0" b="0"/>
+      </a:effectRef>
+      <a:fontRef idx="minor"/>
+    </dgm:style>
+  </dgm:styleLbl>
+  <dgm:styleLbl name="bgAcc1">
+    <dgm:scene3d>
+      <a:camera prst="orthographicFront"/>
+      <a:lightRig rig="threePt" dir="t"/>
+    </dgm:scene3d>
+    <dgm:sp3d/>
+    <dgm:txPr/>
+    <dgm:style>
+      <a:lnRef idx="1">
+        <a:scrgbClr r="0" g="0" b="0"/>
+      </a:lnRef>
+      <a:fillRef idx="1">
+        <a:scrgbClr r="0" g="0" b="0"/>
+      </a:fillRef>
+      <a:effectRef idx="0">
+        <a:scrgbClr r="0" g="0" b="0"/>
+      </a:effectRef>
+      <a:fontRef idx="minor"/>
+    </dgm:style>
+  </dgm:styleLbl>
+  <dgm:styleLbl name="solidFgAcc1">
+    <dgm:scene3d>
+      <a:camera prst="orthographicFront"/>
+      <a:lightRig rig="threePt" dir="t"/>
+    </dgm:scene3d>
+    <dgm:sp3d/>
+    <dgm:txPr/>
+    <dgm:style>
+      <a:lnRef idx="1">
+        <a:scrgbClr r="0" g="0" b="0"/>
+      </a:lnRef>
+      <a:fillRef idx="1">
+        <a:scrgbClr r="0" g="0" b="0"/>
+      </a:fillRef>
+      <a:effectRef idx="0">
+        <a:scrgbClr r="0" g="0" b="0"/>
+      </a:effectRef>
+      <a:fontRef idx="minor"/>
+    </dgm:style>
+  </dgm:styleLbl>
+  <dgm:styleLbl name="solidAlignAcc1">
+    <dgm:scene3d>
+      <a:camera prst="orthographicFront"/>
+      <a:lightRig rig="threePt" dir="t"/>
+    </dgm:scene3d>
+    <dgm:sp3d/>
+    <dgm:txPr/>
+    <dgm:style>
+      <a:lnRef idx="1">
+        <a:scrgbClr r="0" g="0" b="0"/>
+      </a:lnRef>
+      <a:fillRef idx="1">
+        <a:scrgbClr r="0" g="0" b="0"/>
+      </a:fillRef>
+      <a:effectRef idx="0">
+        <a:scrgbClr r="0" g="0" b="0"/>
+      </a:effectRef>
+      <a:fontRef idx="minor"/>
+    </dgm:style>
+  </dgm:styleLbl>
+  <dgm:styleLbl name="solidBgAcc1">
+    <dgm:scene3d>
+      <a:camera prst="orthographicFront"/>
+      <a:lightRig rig="threePt" dir="t"/>
+    </dgm:scene3d>
+    <dgm:sp3d/>
+    <dgm:txPr/>
+    <dgm:style>
+      <a:lnRef idx="1">
+        <a:scrgbClr r="0" g="0" b="0"/>
+      </a:lnRef>
+      <a:fillRef idx="1">
+        <a:scrgbClr r="0" g="0" b="0"/>
+      </a:fillRef>
+      <a:effectRef idx="0">
+        <a:scrgbClr r="0" g="0" b="0"/>
+      </a:effectRef>
+      <a:fontRef idx="minor"/>
+    </dgm:style>
+  </dgm:styleLbl>
+  <dgm:styleLbl name="fgAccFollowNode1">
+    <dgm:scene3d>
+      <a:camera prst="orthographicFront"/>
+      <a:lightRig rig="threePt" dir="t"/>
+    </dgm:scene3d>
+    <dgm:sp3d/>
+    <dgm:txPr/>
+    <dgm:style>
+      <a:lnRef idx="1">
+        <a:scrgbClr r="0" g="0" b="0"/>
+      </a:lnRef>
+      <a:fillRef idx="1">
+        <a:scrgbClr r="0" g="0" b="0"/>
+      </a:fillRef>
+      <a:effectRef idx="0">
+        <a:scrgbClr r="0" g="0" b="0"/>
+      </a:effectRef>
+      <a:fontRef idx="minor"/>
+    </dgm:style>
+  </dgm:styleLbl>
+  <dgm:styleLbl name="alignAccFollowNode1">
+    <dgm:scene3d>
+      <a:camera prst="orthographicFront"/>
+      <a:lightRig rig="threePt" dir="t"/>
+    </dgm:scene3d>
+    <dgm:sp3d/>
+    <dgm:txPr/>
+    <dgm:style>
+      <a:lnRef idx="1">
+        <a:scrgbClr r="0" g="0" b="0"/>
+      </a:lnRef>
+      <a:fillRef idx="1">
+        <a:scrgbClr r="0" g="0" b="0"/>
+      </a:fillRef>
+      <a:effectRef idx="0">
+        <a:scrgbClr r="0" g="0" b="0"/>
+      </a:effectRef>
+      <a:fontRef idx="minor"/>
+    </dgm:style>
+  </dgm:styleLbl>
+  <dgm:styleLbl name="bgAccFollowNode1">
+    <dgm:scene3d>
+      <a:camera prst="orthographicFront"/>
+      <a:lightRig rig="threePt" dir="t"/>
+    </dgm:scene3d>
+    <dgm:sp3d/>
+    <dgm:txPr/>
+    <dgm:style>
+      <a:lnRef idx="1">
+        <a:scrgbClr r="0" g="0" b="0"/>
+      </a:lnRef>
+      <a:fillRef idx="1">
+        <a:scrgbClr r="0" g="0" b="0"/>
+      </a:fillRef>
+      <a:effectRef idx="0">
+        <a:scrgbClr r="0" g="0" b="0"/>
+      </a:effectRef>
+      <a:fontRef idx="minor"/>
+    </dgm:style>
+  </dgm:styleLbl>
+  <dgm:styleLbl name="fgAcc0">
+    <dgm:scene3d>
+      <a:camera prst="orthographicFront"/>
+      <a:lightRig rig="threePt" dir="t"/>
+    </dgm:scene3d>
+    <dgm:sp3d/>
+    <dgm:txPr/>
+    <dgm:style>
+      <a:lnRef idx="1">
+        <a:scrgbClr r="0" g="0" b="0"/>
+      </a:lnRef>
+      <a:fillRef idx="1">
+        <a:scrgbClr r="0" g="0" b="0"/>
+      </a:fillRef>
+      <a:effectRef idx="0">
+        <a:scrgbClr r="0" g="0" b="0"/>
+      </a:effectRef>
+      <a:fontRef idx="minor"/>
+    </dgm:style>
+  </dgm:styleLbl>
+  <dgm:styleLbl name="fgAcc2">
+    <dgm:scene3d>
+      <a:camera prst="orthographicFront"/>
+      <a:lightRig rig="threePt" dir="t"/>
+    </dgm:scene3d>
+    <dgm:sp3d/>
+    <dgm:txPr/>
+    <dgm:style>
+      <a:lnRef idx="1">
+        <a:scrgbClr r="0" g="0" b="0"/>
+      </a:lnRef>
+      <a:fillRef idx="1">
+        <a:scrgbClr r="0" g="0" b="0"/>
+      </a:fillRef>
+      <a:effectRef idx="0">
+        <a:scrgbClr r="0" g="0" b="0"/>
+      </a:effectRef>
+      <a:fontRef idx="minor"/>
+    </dgm:style>
+  </dgm:styleLbl>
+  <dgm:styleLbl name="fgAcc3">
+    <dgm:scene3d>
+      <a:camera prst="orthographicFront"/>
+      <a:lightRig rig="threePt" dir="t"/>
+    </dgm:scene3d>
+    <dgm:sp3d/>
+    <dgm:txPr/>
+    <dgm:style>
+      <a:lnRef idx="1">
+        <a:scrgbClr r="0" g="0" b="0"/>
+      </a:lnRef>
+      <a:fillRef idx="1">
+        <a:scrgbClr r="0" g="0" b="0"/>
+      </a:fillRef>
+      <a:effectRef idx="0">
+        <a:scrgbClr r="0" g="0" b="0"/>
+      </a:effectRef>
+      <a:fontRef idx="minor"/>
+    </dgm:style>
+  </dgm:styleLbl>
+  <dgm:styleLbl name="fgAcc4">
+    <dgm:scene3d>
+      <a:camera prst="orthographicFront"/>
+      <a:lightRig rig="threePt" dir="t"/>
+    </dgm:scene3d>
+    <dgm:sp3d/>
+    <dgm:txPr/>
+    <dgm:style>
+      <a:lnRef idx="1">
+        <a:scrgbClr r="0" g="0" b="0"/>
+      </a:lnRef>
+      <a:fillRef idx="1">
+        <a:scrgbClr r="0" g="0" b="0"/>
+      </a:fillRef>
+      <a:effectRef idx="0">
+        <a:scrgbClr r="0" g="0" b="0"/>
+      </a:effectRef>
+      <a:fontRef idx="minor"/>
+    </dgm:style>
+  </dgm:styleLbl>
+  <dgm:styleLbl name="bgShp">
+    <dgm:scene3d>
+      <a:camera prst="orthographicFront"/>
+      <a:lightRig rig="threePt" dir="t"/>
+    </dgm:scene3d>
+    <dgm:sp3d/>
+    <dgm:txPr/>
+    <dgm:style>
+      <a:lnRef idx="0">
+        <a:scrgbClr r="0" g="0" b="0"/>
+      </a:lnRef>
+      <a:fillRef idx="1">
+        <a:scrgbClr r="0" g="0" b="0"/>
+      </a:fillRef>
+      <a:effectRef idx="2">
+        <a:scrgbClr r="0" g="0" b="0"/>
+      </a:effectRef>
+      <a:fontRef idx="minor"/>
+    </dgm:style>
+  </dgm:styleLbl>
+  <dgm:styleLbl name="dkBgShp">
+    <dgm:scene3d>
+      <a:camera prst="orthographicFront"/>
+      <a:lightRig rig="threePt" dir="t"/>
+    </dgm:scene3d>
+    <dgm:sp3d/>
+    <dgm:txPr/>
+    <dgm:style>
+      <a:lnRef idx="0">
+        <a:scrgbClr r="0" g="0" b="0"/>
+      </a:lnRef>
+      <a:fillRef idx="1">
+        <a:scrgbClr r="0" g="0" b="0"/>
+      </a:fillRef>
+      <a:effectRef idx="2">
+        <a:scrgbClr r="0" g="0" b="0"/>
+      </a:effectRef>
+      <a:fontRef idx="minor"/>
+    </dgm:style>
+  </dgm:styleLbl>
+  <dgm:styleLbl name="trBgShp">
+    <dgm:scene3d>
+      <a:camera prst="orthographicFront"/>
+      <a:lightRig rig="threePt" dir="t"/>
+    </dgm:scene3d>
+    <dgm:sp3d/>
+    <dgm:txPr/>
+    <dgm:style>
+      <a:lnRef idx="0">
+        <a:scrgbClr r="0" g="0" b="0"/>
+      </a:lnRef>
+      <a:fillRef idx="1">
+        <a:scrgbClr r="0" g="0" b="0"/>
+      </a:fillRef>
+      <a:effectRef idx="0">
+        <a:scrgbClr r="0" g="0" b="0"/>
+      </a:effectRef>
+      <a:fontRef idx="minor"/>
+    </dgm:style>
+  </dgm:styleLbl>
+  <dgm:styleLbl name="fgShp">
+    <dgm:scene3d>
+      <a:camera prst="orthographicFront"/>
+      <a:lightRig rig="threePt" dir="t"/>
+    </dgm:scene3d>
+    <dgm:sp3d/>
+    <dgm:txPr/>
+    <dgm:style>
+      <a:lnRef idx="0">
+        <a:scrgbClr r="0" g="0" b="0"/>
+      </a:lnRef>
+      <a:fillRef idx="3">
+        <a:scrgbClr r="0" g="0" b="0"/>
+      </a:fillRef>
+      <a:effectRef idx="2">
+        <a:scrgbClr r="0" g="0" b="0"/>
+      </a:effectRef>
+      <a:fontRef idx="minor"/>
+    </dgm:style>
+  </dgm:styleLbl>
+  <dgm:styleLbl name="revTx">
+    <dgm:scene3d>
+      <a:camera prst="orthographicFront"/>
+      <a:lightRig rig="threePt" dir="t"/>
+    </dgm:scene3d>
+    <dgm:sp3d/>
+    <dgm:txPr/>
+    <dgm:style>
+      <a:lnRef idx="0">
+        <a:scrgbClr r="0" g="0" b="0"/>
+      </a:lnRef>
+      <a:fillRef idx="0">
+        <a:scrgbClr r="0" g="0" b="0"/>
+      </a:fillRef>
+      <a:effectRef idx="0">
+        <a:scrgbClr r="0" g="0" b="0"/>
+      </a:effectRef>
+      <a:fontRef idx="minor"/>
+    </dgm:style>
+  </dgm:styleLbl>
+</dgm:styleDef>
+</file>
+
+<file path=ppt/diagrams/quickStyle6.xml><?xml version="1.0" encoding="utf-8"?>
 <dgm:styleDef xmlns:dgm="http://schemas.openxmlformats.org/drawingml/2006/diagram" xmlns:a="http://schemas.openxmlformats.org/drawingml/2006/main" uniqueId="urn:microsoft.com/office/officeart/2005/8/quickstyle/simple4">
   <dgm:title val=""/>
   <dgm:desc val=""/>
@@ -15490,7 +18524,7 @@
           <a:p>
             <a:fld id="{2CB4C50B-FAA5-4D93-BEAD-FFBA0DBE7F94}" type="slidenum">
               <a:rPr lang="en-US" smtClean="0"/>
-              <a:t>2</a:t>
+              <a:t>3</a:t>
             </a:fld>
             <a:endParaRPr lang="en-US"/>
           </a:p>
@@ -15574,7 +18608,7 @@
           <a:p>
             <a:fld id="{2CB4C50B-FAA5-4D93-BEAD-FFBA0DBE7F94}" type="slidenum">
               <a:rPr lang="en-US" smtClean="0"/>
-              <a:t>3</a:t>
+              <a:t>4</a:t>
             </a:fld>
             <a:endParaRPr lang="en-US"/>
           </a:p>
@@ -19404,6 +22438,305 @@
       </p:grpSpPr>
       <p:sp>
         <p:nvSpPr>
+          <p:cNvPr id="10" name="Rectangle 9">
+            <a:extLst>
+              <a:ext uri="{FF2B5EF4-FFF2-40B4-BE49-F238E27FC236}">
+                <a16:creationId xmlns:a16="http://schemas.microsoft.com/office/drawing/2014/main" id="{BE95D989-81FA-4BAD-9AD5-E46CEDA91B36}"/>
+              </a:ext>
+              <a:ext uri="{C183D7F6-B498-43B3-948B-1728B52AA6E4}">
+                <adec:decorative xmlns:adec="http://schemas.microsoft.com/office/drawing/2017/decorative" val="1"/>
+              </a:ext>
+            </a:extLst>
+          </p:cNvPr>
+          <p:cNvSpPr>
+            <a:spLocks noGrp="1" noRot="1" noChangeAspect="1" noMove="1" noResize="1" noEditPoints="1" noAdjustHandles="1" noChangeArrowheads="1" noChangeShapeType="1" noTextEdit="1"/>
+          </p:cNvSpPr>
+          <p:nvPr>
+            <p:extLst>
+              <p:ext uri="{386F3935-93C4-4BCD-93E2-E3B085C9AB24}">
+                <p16:designElem xmlns:p16="http://schemas.microsoft.com/office/powerpoint/2015/main" val="1"/>
+              </p:ext>
+            </p:extLst>
+          </p:nvPr>
+        </p:nvSpPr>
+        <p:spPr>
+          <a:xfrm>
+            <a:off x="0" y="0"/>
+            <a:ext cx="4654293" cy="6858000"/>
+          </a:xfrm>
+          <a:prstGeom prst="rect">
+            <a:avLst/>
+          </a:prstGeom>
+          <a:solidFill>
+            <a:srgbClr val="404040"/>
+          </a:solidFill>
+          <a:ln>
+            <a:noFill/>
+          </a:ln>
+        </p:spPr>
+        <p:style>
+          <a:lnRef idx="2">
+            <a:schemeClr val="accent1">
+              <a:shade val="50000"/>
+            </a:schemeClr>
+          </a:lnRef>
+          <a:fillRef idx="1">
+            <a:schemeClr val="accent1"/>
+          </a:fillRef>
+          <a:effectRef idx="0">
+            <a:schemeClr val="accent1"/>
+          </a:effectRef>
+          <a:fontRef idx="minor">
+            <a:schemeClr val="lt1"/>
+          </a:fontRef>
+        </p:style>
+        <p:txBody>
+          <a:bodyPr rtlCol="0" anchor="ctr"/>
+          <a:lstStyle/>
+          <a:p>
+            <a:pPr marL="0" marR="0" lvl="0" indent="0" algn="ctr" defTabSz="914400" rtl="0" eaLnBrk="1" fontAlgn="auto" latinLnBrk="0" hangingPunct="1">
+              <a:lnSpc>
+                <a:spcPct val="100000"/>
+              </a:lnSpc>
+              <a:spcBef>
+                <a:spcPts val="0"/>
+              </a:spcBef>
+              <a:spcAft>
+                <a:spcPts val="0"/>
+              </a:spcAft>
+              <a:buClrTx/>
+              <a:buSzTx/>
+              <a:buFontTx/>
+              <a:buNone/>
+              <a:tabLst/>
+              <a:defRPr/>
+            </a:pPr>
+            <a:endParaRPr kumimoji="0" lang="en-US" sz="1800" b="0" i="0" u="none" strike="noStrike" kern="1200" cap="none" spc="0" normalizeH="0" baseline="0" noProof="0">
+              <a:ln>
+                <a:noFill/>
+              </a:ln>
+              <a:solidFill>
+                <a:prstClr val="white"/>
+              </a:solidFill>
+              <a:effectLst/>
+              <a:uLnTx/>
+              <a:uFillTx/>
+              <a:latin typeface="Calibri" panose="020F0502020204030204"/>
+              <a:ea typeface="+mn-ea"/>
+              <a:cs typeface="+mn-cs"/>
+            </a:endParaRPr>
+          </a:p>
+        </p:txBody>
+      </p:sp>
+      <p:sp>
+        <p:nvSpPr>
+          <p:cNvPr id="2" name="Titel 1">
+            <a:extLst>
+              <a:ext uri="{FF2B5EF4-FFF2-40B4-BE49-F238E27FC236}">
+                <a16:creationId xmlns:a16="http://schemas.microsoft.com/office/drawing/2014/main" id="{7BC73C08-8BD1-40F2-8B94-B9BDDA81C310}"/>
+              </a:ext>
+            </a:extLst>
+          </p:cNvPr>
+          <p:cNvSpPr>
+            <a:spLocks noGrp="1"/>
+          </p:cNvSpPr>
+          <p:nvPr>
+            <p:ph type="title"/>
+          </p:nvPr>
+        </p:nvSpPr>
+        <p:spPr>
+          <a:xfrm>
+            <a:off x="838200" y="811161"/>
+            <a:ext cx="3335594" cy="5403370"/>
+          </a:xfrm>
+        </p:spPr>
+        <p:txBody>
+          <a:bodyPr>
+            <a:normAutofit/>
+          </a:bodyPr>
+          <a:lstStyle/>
+          <a:p>
+            <a:r>
+              <a:rPr lang="de-DE">
+                <a:solidFill>
+                  <a:srgbClr val="FFFFFF"/>
+                </a:solidFill>
+              </a:rPr>
+              <a:t>Agenda	</a:t>
+            </a:r>
+            <a:endParaRPr lang="en-US">
+              <a:solidFill>
+                <a:srgbClr val="FFFFFF"/>
+              </a:solidFill>
+            </a:endParaRPr>
+          </a:p>
+        </p:txBody>
+      </p:sp>
+      <p:sp>
+        <p:nvSpPr>
+          <p:cNvPr id="12" name="Rectangle 11">
+            <a:extLst>
+              <a:ext uri="{FF2B5EF4-FFF2-40B4-BE49-F238E27FC236}">
+                <a16:creationId xmlns:a16="http://schemas.microsoft.com/office/drawing/2014/main" id="{156189E5-8A3E-4CFD-B71B-CCD0F8495E56}"/>
+              </a:ext>
+              <a:ext uri="{C183D7F6-B498-43B3-948B-1728B52AA6E4}">
+                <adec:decorative xmlns:adec="http://schemas.microsoft.com/office/drawing/2017/decorative" val="1"/>
+              </a:ext>
+            </a:extLst>
+          </p:cNvPr>
+          <p:cNvSpPr>
+            <a:spLocks noGrp="1" noRot="1" noChangeAspect="1" noMove="1" noResize="1" noEditPoints="1" noAdjustHandles="1" noChangeArrowheads="1" noChangeShapeType="1" noTextEdit="1"/>
+          </p:cNvSpPr>
+          <p:nvPr>
+            <p:extLst>
+              <p:ext uri="{386F3935-93C4-4BCD-93E2-E3B085C9AB24}">
+                <p16:designElem xmlns:p16="http://schemas.microsoft.com/office/powerpoint/2015/main" val="1"/>
+              </p:ext>
+            </p:extLst>
+          </p:nvPr>
+        </p:nvSpPr>
+        <p:spPr>
+          <a:xfrm>
+            <a:off x="4654293" y="0"/>
+            <a:ext cx="142074" cy="6858000"/>
+          </a:xfrm>
+          <a:prstGeom prst="rect">
+            <a:avLst/>
+          </a:prstGeom>
+          <a:solidFill>
+            <a:schemeClr val="tx1">
+              <a:alpha val="20000"/>
+            </a:schemeClr>
+          </a:solidFill>
+          <a:ln>
+            <a:noFill/>
+          </a:ln>
+        </p:spPr>
+        <p:style>
+          <a:lnRef idx="2">
+            <a:schemeClr val="accent1">
+              <a:shade val="50000"/>
+            </a:schemeClr>
+          </a:lnRef>
+          <a:fillRef idx="1">
+            <a:schemeClr val="accent1"/>
+          </a:fillRef>
+          <a:effectRef idx="0">
+            <a:schemeClr val="accent1"/>
+          </a:effectRef>
+          <a:fontRef idx="minor">
+            <a:schemeClr val="lt1"/>
+          </a:fontRef>
+        </p:style>
+        <p:txBody>
+          <a:bodyPr rtlCol="0" anchor="ctr"/>
+          <a:lstStyle/>
+          <a:p>
+            <a:pPr marL="0" marR="0" lvl="0" indent="0" algn="ctr" defTabSz="914400" rtl="0" eaLnBrk="1" fontAlgn="auto" latinLnBrk="0" hangingPunct="1">
+              <a:lnSpc>
+                <a:spcPct val="100000"/>
+              </a:lnSpc>
+              <a:spcBef>
+                <a:spcPts val="0"/>
+              </a:spcBef>
+              <a:spcAft>
+                <a:spcPts val="0"/>
+              </a:spcAft>
+              <a:buClrTx/>
+              <a:buSzTx/>
+              <a:buFontTx/>
+              <a:buNone/>
+              <a:tabLst/>
+              <a:defRPr/>
+            </a:pPr>
+            <a:endParaRPr kumimoji="0" lang="en-US" sz="1800" b="0" i="0" u="none" strike="noStrike" kern="1200" cap="none" spc="0" normalizeH="0" baseline="0" noProof="0">
+              <a:ln>
+                <a:noFill/>
+              </a:ln>
+              <a:solidFill>
+                <a:prstClr val="white"/>
+              </a:solidFill>
+              <a:effectLst/>
+              <a:uLnTx/>
+              <a:uFillTx/>
+              <a:latin typeface="Calibri" panose="020F0502020204030204"/>
+              <a:ea typeface="+mn-ea"/>
+              <a:cs typeface="+mn-cs"/>
+            </a:endParaRPr>
+          </a:p>
+        </p:txBody>
+      </p:sp>
+      <p:graphicFrame>
+        <p:nvGraphicFramePr>
+          <p:cNvPr id="5" name="Inhaltsplatzhalter 2">
+            <a:extLst>
+              <a:ext uri="{FF2B5EF4-FFF2-40B4-BE49-F238E27FC236}">
+                <a16:creationId xmlns:a16="http://schemas.microsoft.com/office/drawing/2014/main" id="{17AA7F26-7152-4FAF-B324-17A80EFAFFA5}"/>
+              </a:ext>
+            </a:extLst>
+          </p:cNvPr>
+          <p:cNvGraphicFramePr>
+            <a:graphicFrameLocks noGrp="1"/>
+          </p:cNvGraphicFramePr>
+          <p:nvPr>
+            <p:ph idx="1"/>
+            <p:extLst>
+              <p:ext uri="{D42A27DB-BD31-4B8C-83A1-F6EECF244321}">
+                <p14:modId xmlns:p14="http://schemas.microsoft.com/office/powerpoint/2010/main" val="459496095"/>
+              </p:ext>
+            </p:extLst>
+          </p:nvPr>
+        </p:nvGraphicFramePr>
+        <p:xfrm>
+          <a:off x="5459413" y="642938"/>
+          <a:ext cx="6089650" cy="5572125"/>
+        </p:xfrm>
+        <a:graphic>
+          <a:graphicData uri="http://schemas.openxmlformats.org/drawingml/2006/diagram">
+            <dgm:relIds xmlns:dgm="http://schemas.openxmlformats.org/drawingml/2006/diagram" xmlns:r="http://schemas.openxmlformats.org/officeDocument/2006/relationships" r:dm="rId2" r:lo="rId3" r:qs="rId4" r:cs="rId5"/>
+          </a:graphicData>
+        </a:graphic>
+      </p:graphicFrame>
+    </p:spTree>
+    <p:extLst>
+      <p:ext uri="{BB962C8B-B14F-4D97-AF65-F5344CB8AC3E}">
+        <p14:creationId xmlns:p14="http://schemas.microsoft.com/office/powerpoint/2010/main" val="186227339"/>
+      </p:ext>
+    </p:extLst>
+  </p:cSld>
+  <p:clrMapOvr>
+    <a:masterClrMapping/>
+  </p:clrMapOvr>
+</p:sld>
+</file>
+
+<file path=ppt/slides/slide3.xml><?xml version="1.0" encoding="utf-8"?>
+<p:sld xmlns:a="http://schemas.openxmlformats.org/drawingml/2006/main" xmlns:r="http://schemas.openxmlformats.org/officeDocument/2006/relationships" xmlns:p="http://schemas.openxmlformats.org/presentationml/2006/main">
+  <p:cSld>
+    <p:bg>
+      <p:bgPr>
+        <a:solidFill>
+          <a:schemeClr val="bg1"/>
+        </a:solidFill>
+        <a:effectLst/>
+      </p:bgPr>
+    </p:bg>
+    <p:spTree>
+      <p:nvGrpSpPr>
+        <p:cNvPr id="1" name=""/>
+        <p:cNvGrpSpPr/>
+        <p:nvPr/>
+      </p:nvGrpSpPr>
+      <p:grpSpPr>
+        <a:xfrm>
+          <a:off x="0" y="0"/>
+          <a:ext cx="0" cy="0"/>
+          <a:chOff x="0" y="0"/>
+          <a:chExt cx="0" cy="0"/>
+        </a:xfrm>
+      </p:grpSpPr>
+      <p:sp>
+        <p:nvSpPr>
           <p:cNvPr id="14" name="Freeform: Shape 9">
             <a:extLst>
               <a:ext uri="{FF2B5EF4-FFF2-40B4-BE49-F238E27FC236}">
@@ -19971,7 +23304,7 @@
 </p:sld>
 </file>
 
-<file path=ppt/slides/slide3.xml><?xml version="1.0" encoding="utf-8"?>
+<file path=ppt/slides/slide4.xml><?xml version="1.0" encoding="utf-8"?>
 <p:sld xmlns:a="http://schemas.openxmlformats.org/drawingml/2006/main" xmlns:r="http://schemas.openxmlformats.org/officeDocument/2006/relationships" xmlns:p="http://schemas.openxmlformats.org/presentationml/2006/main">
   <p:cSld>
     <p:bg>
@@ -20557,7 +23890,7 @@
 </p:sld>
 </file>
 
-<file path=ppt/slides/slide4.xml><?xml version="1.0" encoding="utf-8"?>
+<file path=ppt/slides/slide5.xml><?xml version="1.0" encoding="utf-8"?>
 <p:sld xmlns:a="http://schemas.openxmlformats.org/drawingml/2006/main" xmlns:r="http://schemas.openxmlformats.org/officeDocument/2006/relationships" xmlns:p="http://schemas.openxmlformats.org/presentationml/2006/main">
   <p:cSld>
     <p:bg>
@@ -21151,7 +24484,7 @@
 </p:sld>
 </file>
 
-<file path=ppt/slides/slide5.xml><?xml version="1.0" encoding="utf-8"?>
+<file path=ppt/slides/slide6.xml><?xml version="1.0" encoding="utf-8"?>
 <p:sld xmlns:a="http://schemas.openxmlformats.org/drawingml/2006/main" xmlns:r="http://schemas.openxmlformats.org/officeDocument/2006/relationships" xmlns:p="http://schemas.openxmlformats.org/presentationml/2006/main">
   <p:cSld>
     <p:bg>
@@ -21717,7 +25050,7 @@
             <p:ph idx="1"/>
             <p:extLst>
               <p:ext uri="{D42A27DB-BD31-4B8C-83A1-F6EECF244321}">
-                <p14:modId xmlns:p14="http://schemas.microsoft.com/office/powerpoint/2010/main" val="2266125007"/>
+                <p14:modId xmlns:p14="http://schemas.microsoft.com/office/powerpoint/2010/main" val="2997032015"/>
               </p:ext>
             </p:extLst>
           </p:nvPr>
@@ -21745,7 +25078,7 @@
 </p:sld>
 </file>
 
-<file path=ppt/slides/slide6.xml><?xml version="1.0" encoding="utf-8"?>
+<file path=ppt/slides/slide7.xml><?xml version="1.0" encoding="utf-8"?>
 <p:sld xmlns:a="http://schemas.openxmlformats.org/drawingml/2006/main" xmlns:r="http://schemas.openxmlformats.org/officeDocument/2006/relationships" xmlns:p="http://schemas.openxmlformats.org/presentationml/2006/main">
   <p:cSld>
     <p:bg>
@@ -22311,7 +25644,7 @@
             <p:ph idx="1"/>
             <p:extLst>
               <p:ext uri="{D42A27DB-BD31-4B8C-83A1-F6EECF244321}">
-                <p14:modId xmlns:p14="http://schemas.microsoft.com/office/powerpoint/2010/main" val="1554837921"/>
+                <p14:modId xmlns:p14="http://schemas.microsoft.com/office/powerpoint/2010/main" val="1179950205"/>
               </p:ext>
             </p:extLst>
           </p:nvPr>
